--- a/eece2160/f18/lectures/eece.2160f18_lec32_files.pptx
+++ b/eece2160/f18/lectures/eece.2160f18_lec32_files.pptx
@@ -5,10 +5,10 @@
     <p:sldMasterId id="2147483792" r:id="rId1"/>
   </p:sldMasterIdLst>
   <p:notesMasterIdLst>
-    <p:notesMasterId r:id="rId26"/>
+    <p:notesMasterId r:id="rId21"/>
   </p:notesMasterIdLst>
   <p:handoutMasterIdLst>
-    <p:handoutMasterId r:id="rId27"/>
+    <p:handoutMasterId r:id="rId22"/>
   </p:handoutMasterIdLst>
   <p:sldIdLst>
     <p:sldId id="256" r:id="rId2"/>
@@ -29,12 +29,7 @@
     <p:sldId id="506" r:id="rId17"/>
     <p:sldId id="507" r:id="rId18"/>
     <p:sldId id="526" r:id="rId19"/>
-    <p:sldId id="527" r:id="rId20"/>
-    <p:sldId id="528" r:id="rId21"/>
-    <p:sldId id="529" r:id="rId22"/>
-    <p:sldId id="530" r:id="rId23"/>
-    <p:sldId id="531" r:id="rId24"/>
-    <p:sldId id="324" r:id="rId25"/>
+    <p:sldId id="324" r:id="rId20"/>
   </p:sldIdLst>
   <p:sldSz cx="9144000" cy="6858000" type="screen4x3"/>
   <p:notesSz cx="9144000" cy="6858000"/>
@@ -588,7 +583,7 @@
               <ma14:placeholderFlag xmlns:ma14="http://schemas.microsoft.com/office/mac/drawingml/2011/main" val="1"/>
             </a:ext>
             <a:ext uri="{909E8E84-426E-40dd-AFC4-6F175D3DCCD1}">
-              <a14:hiddenFill xmlns="" xmlns:a14="http://schemas.microsoft.com/office/drawing/2010/main">
+              <a14:hiddenFill xmlns:a14="http://schemas.microsoft.com/office/drawing/2010/main" xmlns="">
                 <a:solidFill>
                   <a:srgbClr val="FFFFFF"/>
                 </a:solidFill>
@@ -932,14 +927,14 @@
           <a:ln/>
           <a:extLst>
             <a:ext uri="{909E8E84-426E-40dd-AFC4-6F175D3DCCD1}">
-              <a14:hiddenFill xmlns="" xmlns:a14="http://schemas.microsoft.com/office/drawing/2010/main">
+              <a14:hiddenFill xmlns:a14="http://schemas.microsoft.com/office/drawing/2010/main" xmlns="">
                 <a:solidFill>
                   <a:srgbClr val="FFFFFF"/>
                 </a:solidFill>
               </a14:hiddenFill>
             </a:ext>
             <a:ext uri="{91240B29-F687-4f45-9708-019B960494DF}">
-              <a14:hiddenLine xmlns="" xmlns:a14="http://schemas.microsoft.com/office/drawing/2010/main" w="9525">
+              <a14:hiddenLine xmlns:a14="http://schemas.microsoft.com/office/drawing/2010/main" xmlns="" w="9525">
                 <a:solidFill>
                   <a:srgbClr val="000000"/>
                 </a:solidFill>
@@ -1110,14 +1105,14 @@
               <ma14:placeholderFlag xmlns:ma14="http://schemas.microsoft.com/office/mac/drawingml/2011/main" val="1"/>
             </a:ext>
             <a:ext uri="{909E8E84-426E-40dd-AFC4-6F175D3DCCD1}">
-              <a14:hiddenFill xmlns="" xmlns:a14="http://schemas.microsoft.com/office/drawing/2010/main">
+              <a14:hiddenFill xmlns:a14="http://schemas.microsoft.com/office/drawing/2010/main" xmlns="">
                 <a:solidFill>
                   <a:srgbClr val="FFFFFF"/>
                 </a:solidFill>
               </a14:hiddenFill>
             </a:ext>
             <a:ext uri="{91240B29-F687-4f45-9708-019B960494DF}">
-              <a14:hiddenLine xmlns="" xmlns:a14="http://schemas.microsoft.com/office/drawing/2010/main" w="9525">
+              <a14:hiddenLine xmlns:a14="http://schemas.microsoft.com/office/drawing/2010/main" xmlns="" w="9525">
                 <a:solidFill>
                   <a:srgbClr val="000000"/>
                 </a:solidFill>
@@ -1301,7 +1296,7 @@
             <a:fld id="{F6FAF71A-BB5A-8A4C-B00D-04CBBE690D45}" type="slidenum">
               <a:rPr lang="en-US" smtClean="0"/>
               <a:pPr/>
-              <a:t>24</a:t>
+              <a:t>19</a:t>
             </a:fld>
             <a:endParaRPr lang="en-US"/>
           </a:p>
@@ -1402,7 +1397,7 @@
           </a:ln>
           <a:extLst>
             <a:ext uri="{909E8E84-426E-40dd-AFC4-6F175D3DCCD1}">
-              <a14:hiddenFill xmlns="" xmlns:a14="http://schemas.microsoft.com/office/drawing/2010/main">
+              <a14:hiddenFill xmlns:a14="http://schemas.microsoft.com/office/drawing/2010/main" xmlns="">
                 <a:solidFill>
                   <a:srgbClr val="FFFFFF"/>
                 </a:solidFill>
@@ -1445,7 +1440,7 @@
           </a:ln>
           <a:extLst>
             <a:ext uri="{909E8E84-426E-40dd-AFC4-6F175D3DCCD1}">
-              <a14:hiddenFill xmlns="" xmlns:a14="http://schemas.microsoft.com/office/drawing/2010/main">
+              <a14:hiddenFill xmlns:a14="http://schemas.microsoft.com/office/drawing/2010/main" xmlns="">
                 <a:noFill/>
               </a14:hiddenFill>
             </a:ext>
@@ -1544,7 +1539,7 @@
           <a:p>
             <a:fld id="{58FD47AF-B972-264F-8B15-0938AEDE7E41}" type="datetime1">
               <a:rPr lang="en-US" smtClean="0"/>
-              <a:t>11/28/18</a:t>
+              <a:t>11/30/18</a:t>
             </a:fld>
             <a:endParaRPr lang="en-US"/>
           </a:p>
@@ -1741,7 +1736,7 @@
           <a:p>
             <a:fld id="{343ED749-1219-584A-BC01-7601DC3C4AEF}" type="datetime1">
               <a:rPr lang="en-US" smtClean="0"/>
-              <a:t>11/28/18</a:t>
+              <a:t>11/30/18</a:t>
             </a:fld>
             <a:endParaRPr lang="en-US"/>
           </a:p>
@@ -1947,7 +1942,7 @@
           <a:p>
             <a:fld id="{63D3C77D-F00C-1741-9A85-432F7843630F}" type="datetime1">
               <a:rPr lang="en-US" smtClean="0"/>
-              <a:t>11/28/18</a:t>
+              <a:t>11/30/18</a:t>
             </a:fld>
             <a:endParaRPr lang="en-US"/>
           </a:p>
@@ -2210,7 +2205,7 @@
           <a:p>
             <a:fld id="{4B4C301C-AF7E-014F-B492-5EFF1D01925B}" type="datetime1">
               <a:rPr lang="en-US" smtClean="0"/>
-              <a:t>11/28/18</a:t>
+              <a:t>11/30/18</a:t>
             </a:fld>
             <a:endParaRPr lang="en-US"/>
           </a:p>
@@ -2473,7 +2468,7 @@
           <a:p>
             <a:fld id="{89AACB13-F1F3-B441-BD7C-84C10D18A917}" type="datetime1">
               <a:rPr lang="en-US" smtClean="0"/>
-              <a:t>11/28/18</a:t>
+              <a:t>11/30/18</a:t>
             </a:fld>
             <a:endParaRPr lang="en-US"/>
           </a:p>
@@ -2669,7 +2664,7 @@
           <a:p>
             <a:fld id="{DC78822F-89BB-5C4B-AC4D-D6BB9C3CDB88}" type="datetime1">
               <a:rPr lang="en-US" smtClean="0"/>
-              <a:t>11/28/18</a:t>
+              <a:t>11/30/18</a:t>
             </a:fld>
             <a:endParaRPr lang="en-US"/>
           </a:p>
@@ -2887,7 +2882,7 @@
           <a:p>
             <a:fld id="{2EAAED61-E6C5-8C43-ABD6-C492DABE0330}" type="datetime1">
               <a:rPr lang="en-US" smtClean="0"/>
-              <a:t>11/28/18</a:t>
+              <a:t>11/30/18</a:t>
             </a:fld>
             <a:endParaRPr lang="en-US"/>
           </a:p>
@@ -3201,7 +3196,7 @@
           <a:p>
             <a:fld id="{55E97F1E-8031-7747-9725-7BCE50E86032}" type="datetime1">
               <a:rPr lang="en-US" smtClean="0"/>
-              <a:t>11/28/18</a:t>
+              <a:t>11/30/18</a:t>
             </a:fld>
             <a:endParaRPr lang="en-US"/>
           </a:p>
@@ -3654,7 +3649,7 @@
           <a:p>
             <a:fld id="{DFCA3E09-1A07-194F-9ED0-A7BB2D07034E}" type="datetime1">
               <a:rPr lang="en-US" smtClean="0"/>
-              <a:t>11/28/18</a:t>
+              <a:t>11/30/18</a:t>
             </a:fld>
             <a:endParaRPr lang="en-US"/>
           </a:p>
@@ -3798,7 +3793,7 @@
           <a:p>
             <a:fld id="{6EBA8E40-2163-284A-A45D-B2F7912D4057}" type="datetime1">
               <a:rPr lang="en-US" smtClean="0"/>
-              <a:t>11/28/18</a:t>
+              <a:t>11/30/18</a:t>
             </a:fld>
             <a:endParaRPr lang="en-US"/>
           </a:p>
@@ -3919,7 +3914,7 @@
           <a:p>
             <a:fld id="{6D0186E0-E8A3-A640-AE0E-6CA3EF900995}" type="datetime1">
               <a:rPr lang="en-US" smtClean="0"/>
-              <a:t>11/28/18</a:t>
+              <a:t>11/30/18</a:t>
             </a:fld>
             <a:endParaRPr lang="en-US"/>
           </a:p>
@@ -4222,7 +4217,7 @@
           <a:p>
             <a:fld id="{CC95123F-58D5-9344-8406-C7D7BC7E1121}" type="datetime1">
               <a:rPr lang="en-US" smtClean="0"/>
-              <a:t>11/28/18</a:t>
+              <a:t>11/30/18</a:t>
             </a:fld>
             <a:endParaRPr lang="en-US"/>
           </a:p>
@@ -4502,7 +4497,7 @@
           <a:p>
             <a:fld id="{31052D9F-B075-8942-970A-DE47B95D8F31}" type="datetime1">
               <a:rPr lang="en-US" smtClean="0"/>
-              <a:t>11/28/18</a:t>
+              <a:t>11/30/18</a:t>
             </a:fld>
             <a:endParaRPr lang="en-US"/>
           </a:p>
@@ -4635,14 +4630,14 @@
               <ma14:placeholderFlag xmlns:ma14="http://schemas.microsoft.com/office/mac/drawingml/2011/main" val="1"/>
             </a:ext>
             <a:ext uri="{909E8E84-426E-40dd-AFC4-6F175D3DCCD1}">
-              <a14:hiddenFill xmlns="" xmlns:a14="http://schemas.microsoft.com/office/drawing/2010/main">
+              <a14:hiddenFill xmlns:a14="http://schemas.microsoft.com/office/drawing/2010/main" xmlns="">
                 <a:solidFill>
                   <a:srgbClr val="FFFFFF"/>
                 </a:solidFill>
               </a14:hiddenFill>
             </a:ext>
             <a:ext uri="{91240B29-F687-4f45-9708-019B960494DF}">
-              <a14:hiddenLine xmlns="" xmlns:a14="http://schemas.microsoft.com/office/drawing/2010/main" w="9525">
+              <a14:hiddenLine xmlns:a14="http://schemas.microsoft.com/office/drawing/2010/main" xmlns="" w="9525">
                 <a:solidFill>
                   <a:srgbClr val="000000"/>
                 </a:solidFill>
@@ -4696,14 +4691,14 @@
               <ma14:placeholderFlag xmlns:ma14="http://schemas.microsoft.com/office/mac/drawingml/2011/main" val="1"/>
             </a:ext>
             <a:ext uri="{909E8E84-426E-40dd-AFC4-6F175D3DCCD1}">
-              <a14:hiddenFill xmlns="" xmlns:a14="http://schemas.microsoft.com/office/drawing/2010/main">
+              <a14:hiddenFill xmlns:a14="http://schemas.microsoft.com/office/drawing/2010/main" xmlns="">
                 <a:solidFill>
                   <a:srgbClr val="FFFFFF"/>
                 </a:solidFill>
               </a14:hiddenFill>
             </a:ext>
             <a:ext uri="{91240B29-F687-4f45-9708-019B960494DF}">
-              <a14:hiddenLine xmlns="" xmlns:a14="http://schemas.microsoft.com/office/drawing/2010/main" w="9525">
+              <a14:hiddenLine xmlns:a14="http://schemas.microsoft.com/office/drawing/2010/main" xmlns="" w="9525">
                 <a:solidFill>
                   <a:srgbClr val="000000"/>
                 </a:solidFill>
@@ -4801,7 +4796,7 @@
           <a:p>
             <a:fld id="{B0EA5189-9F4C-7B4A-AF20-9B51E2B3B053}" type="datetime1">
               <a:rPr lang="en-US" smtClean="0"/>
-              <a:t>11/28/18</a:t>
+              <a:t>11/30/18</a:t>
             </a:fld>
             <a:endParaRPr lang="en-US"/>
           </a:p>
@@ -4976,7 +4971,7 @@
           </a:ln>
           <a:extLst>
             <a:ext uri="{909E8E84-426E-40dd-AFC4-6F175D3DCCD1}">
-              <a14:hiddenFill xmlns="" xmlns:a14="http://schemas.microsoft.com/office/drawing/2010/main">
+              <a14:hiddenFill xmlns:a14="http://schemas.microsoft.com/office/drawing/2010/main" xmlns="">
                 <a:solidFill>
                   <a:srgbClr val="FFFFFF"/>
                 </a:solidFill>
@@ -5019,7 +5014,7 @@
           </a:ln>
           <a:extLst>
             <a:ext uri="{909E8E84-426E-40dd-AFC4-6F175D3DCCD1}">
-              <a14:hiddenFill xmlns="" xmlns:a14="http://schemas.microsoft.com/office/drawing/2010/main">
+              <a14:hiddenFill xmlns:a14="http://schemas.microsoft.com/office/drawing/2010/main" xmlns="">
                 <a:noFill/>
               </a14:hiddenFill>
             </a:ext>
@@ -5567,7 +5562,7 @@
         </p:spPr>
         <p:txBody>
           <a:bodyPr>
-            <a:normAutofit/>
+            <a:normAutofit lnSpcReduction="10000"/>
           </a:bodyPr>
           <a:lstStyle/>
           <a:p>
@@ -5684,7 +5679,28 @@
               <a:rPr lang="en-US" dirty="0" smtClean="0">
                 <a:latin typeface="Arial" charset="0"/>
               </a:rPr>
-              <a:t>File I/O</a:t>
+              <a:t>Finish PE3</a:t>
+            </a:r>
+          </a:p>
+          <a:p>
+            <a:pPr algn="ctr" eaLnBrk="1" hangingPunct="1">
+              <a:lnSpc>
+                <a:spcPct val="90000"/>
+              </a:lnSpc>
+              <a:buFont typeface="Wingdings" charset="0"/>
+              <a:buNone/>
+            </a:pPr>
+            <a:r>
+              <a:rPr lang="en-US" dirty="0" smtClean="0">
+                <a:latin typeface="Arial" charset="0"/>
+              </a:rPr>
+              <a:t>File </a:t>
+            </a:r>
+            <a:r>
+              <a:rPr lang="en-US" dirty="0" smtClean="0">
+                <a:latin typeface="Arial" charset="0"/>
+              </a:rPr>
+              <a:t>I/O</a:t>
             </a:r>
             <a:endParaRPr lang="en-US" dirty="0">
               <a:latin typeface="Arial" charset="0"/>
@@ -6535,14 +6551,14 @@
           <a:ln/>
           <a:extLst>
             <a:ext uri="{909E8E84-426E-40dd-AFC4-6F175D3DCCD1}">
-              <a14:hiddenFill xmlns="" xmlns:a14="http://schemas.microsoft.com/office/drawing/2010/main">
+              <a14:hiddenFill xmlns:a14="http://schemas.microsoft.com/office/drawing/2010/main" xmlns="">
                 <a:solidFill>
                   <a:srgbClr val="FFFFFF"/>
                 </a:solidFill>
               </a14:hiddenFill>
             </a:ext>
             <a:ext uri="{91240B29-F687-4f45-9708-019B960494DF}">
-              <a14:hiddenLine xmlns="" xmlns:a14="http://schemas.microsoft.com/office/drawing/2010/main" w="9525">
+              <a14:hiddenLine xmlns:a14="http://schemas.microsoft.com/office/drawing/2010/main" xmlns="" w="9525">
                 <a:solidFill>
                   <a:srgbClr val="000000"/>
                 </a:solidFill>
@@ -6669,7 +6685,7 @@
               <a:rPr lang="en-US" sz="1200" smtClean="0">
                 <a:latin typeface="Garamond" charset="0"/>
               </a:rPr>
-              <a:t>11/28/18</a:t>
+              <a:t>11/30/18</a:t>
             </a:fld>
             <a:endParaRPr lang="en-US" sz="1200">
               <a:latin typeface="Garamond" charset="0"/>
@@ -6718,14 +6734,14 @@
           <a:ln/>
           <a:extLst>
             <a:ext uri="{909E8E84-426E-40dd-AFC4-6F175D3DCCD1}">
-              <a14:hiddenFill xmlns="" xmlns:a14="http://schemas.microsoft.com/office/drawing/2010/main">
+              <a14:hiddenFill xmlns:a14="http://schemas.microsoft.com/office/drawing/2010/main" xmlns="">
                 <a:solidFill>
                   <a:srgbClr val="FFFFFF"/>
                 </a:solidFill>
               </a14:hiddenFill>
             </a:ext>
             <a:ext uri="{91240B29-F687-4f45-9708-019B960494DF}">
-              <a14:hiddenLine xmlns="" xmlns:a14="http://schemas.microsoft.com/office/drawing/2010/main" w="9525">
+              <a14:hiddenLine xmlns:a14="http://schemas.microsoft.com/office/drawing/2010/main" xmlns="" w="9525">
                 <a:solidFill>
                   <a:srgbClr val="000000"/>
                 </a:solidFill>
@@ -7006,7 +7022,6 @@
               <a:rPr lang="en-US" dirty="0" smtClean="0"/>
               <a:t>Allows access to necessary file characteristics</a:t>
             </a:r>
-            <a:endParaRPr lang="en-US" dirty="0" smtClean="0"/>
           </a:p>
           <a:p>
             <a:r>
@@ -7244,7 +7259,7 @@
                 <a:ea typeface="Garamond" charset="0"/>
                 <a:cs typeface="Garamond" charset="0"/>
               </a:rPr>
-              <a:t>11/28/18</a:t>
+              <a:t>11/30/18</a:t>
             </a:fld>
             <a:endParaRPr lang="en-US" sz="1200" dirty="0">
               <a:latin typeface="Garamond" charset="0"/>
@@ -7599,7 +7614,7 @@
           <a:p>
             <a:fld id="{83CB78E5-42F9-FB4F-AE72-5AE0BBCEC665}" type="datetime1">
               <a:rPr lang="en-US" smtClean="0"/>
-              <a:t>11/28/18</a:t>
+              <a:t>11/30/18</a:t>
             </a:fld>
             <a:endParaRPr lang="en-US"/>
           </a:p>
@@ -7873,18 +7888,7 @@
                 <a:ea typeface="+mn-ea"/>
                 <a:cs typeface="Courier New" pitchFamily="49" charset="0"/>
               </a:rPr>
-              <a:t>"f1.txt</a:t>
-            </a:r>
-            <a:r>
-              <a:rPr lang="en-US" dirty="0" smtClean="0">
-                <a:solidFill>
-                  <a:srgbClr val="FF0000"/>
-                </a:solidFill>
-                <a:latin typeface="Courier New" pitchFamily="49" charset="0"/>
-                <a:ea typeface="+mn-ea"/>
-                <a:cs typeface="Courier New" pitchFamily="49" charset="0"/>
-              </a:rPr>
-              <a:t>"</a:t>
+              <a:t>"f1.txt"</a:t>
             </a:r>
             <a:r>
               <a:rPr lang="en-US" dirty="0" smtClean="0">
@@ -7910,10 +7914,6 @@
               </a:rPr>
               <a:t>Name may require full path</a:t>
             </a:r>
-            <a:endParaRPr lang="en-US" dirty="0" smtClean="0">
-              <a:ea typeface="+mn-ea"/>
-              <a:cs typeface="+mn-cs"/>
-            </a:endParaRPr>
           </a:p>
           <a:p>
             <a:pPr fontAlgn="auto">
@@ -7939,19 +7939,8 @@
                 <a:ea typeface="+mn-ea"/>
                 <a:cs typeface="+mn-cs"/>
               </a:rPr>
-              <a:t>: </a:t>
-            </a:r>
-            <a:r>
-              <a:rPr lang="en-US" dirty="0" smtClean="0">
-                <a:ea typeface="+mn-ea"/>
-                <a:cs typeface="+mn-cs"/>
-              </a:rPr>
-              <a:t>string providing </a:t>
-            </a:r>
-            <a:endParaRPr lang="en-US" dirty="0" smtClean="0">
-              <a:ea typeface="+mn-ea"/>
-              <a:cs typeface="+mn-cs"/>
-            </a:endParaRPr>
+              <a:t>: string providing </a:t>
+            </a:r>
           </a:p>
           <a:p>
             <a:pPr lvl="1" fontAlgn="auto">
@@ -7964,11 +7953,7 @@
             </a:pPr>
             <a:r>
               <a:rPr lang="en-US" dirty="0" smtClean="0"/>
-              <a:t>First char</a:t>
-            </a:r>
-            <a:r>
-              <a:rPr lang="en-US" dirty="0" smtClean="0"/>
-              <a:t>: access mode </a:t>
+              <a:t>First char: access mode </a:t>
             </a:r>
           </a:p>
           <a:p>
@@ -8005,15 +7990,7 @@
                   <a:srgbClr val="0000FF"/>
                 </a:solidFill>
               </a:rPr>
-              <a:t> </a:t>
-            </a:r>
-            <a:r>
-              <a:rPr lang="en-US" b="1" dirty="0" smtClean="0">
-                <a:solidFill>
-                  <a:srgbClr val="0000FF"/>
-                </a:solidFill>
-              </a:rPr>
-              <a:t>(read/write/append) </a:t>
+              <a:t> (read/write/append) </a:t>
             </a:r>
           </a:p>
           <a:p>
@@ -8055,15 +8032,7 @@
             </a:pPr>
             <a:r>
               <a:rPr lang="en-US" dirty="0" smtClean="0"/>
-              <a:t>Additional (optional</a:t>
-            </a:r>
-            <a:r>
-              <a:rPr lang="en-US" dirty="0" smtClean="0"/>
-              <a:t>) char</a:t>
-            </a:r>
-            <a:r>
-              <a:rPr lang="en-US" dirty="0" smtClean="0"/>
-              <a:t>: file type</a:t>
+              <a:t>Additional (optional) char: file type</a:t>
             </a:r>
           </a:p>
           <a:p>
@@ -8094,15 +8063,7 @@
                   <a:srgbClr val="0000FF"/>
                 </a:solidFill>
               </a:rPr>
-              <a:t> </a:t>
-            </a:r>
-            <a:r>
-              <a:rPr lang="en-US" b="1" dirty="0" smtClean="0">
-                <a:solidFill>
-                  <a:srgbClr val="0000FF"/>
-                </a:solidFill>
-              </a:rPr>
-              <a:t>(binary/text)</a:t>
+              <a:t> (binary/text)</a:t>
             </a:r>
           </a:p>
           <a:p>
@@ -8130,7 +8091,6 @@
               <a:rPr lang="en-US" dirty="0" smtClean="0"/>
               <a:t>)</a:t>
             </a:r>
-            <a:endParaRPr lang="en-US" dirty="0" smtClean="0"/>
           </a:p>
           <a:p>
             <a:pPr lvl="2" fontAlgn="auto">
@@ -8143,11 +8103,7 @@
             </a:pPr>
             <a:r>
               <a:rPr lang="en-US" dirty="0" smtClean="0"/>
-              <a:t>Binary files are just raw </a:t>
-            </a:r>
-            <a:r>
-              <a:rPr lang="en-US" dirty="0" smtClean="0"/>
-              <a:t>bytes</a:t>
+              <a:t>Binary files are just raw bytes</a:t>
             </a:r>
           </a:p>
           <a:p>
@@ -8263,11 +8219,6 @@
               </a:rPr>
               <a:t>"ab"</a:t>
             </a:r>
-            <a:endParaRPr lang="en-US" dirty="0" smtClean="0">
-              <a:latin typeface="Courier New" charset="0"/>
-              <a:ea typeface="Courier New" charset="0"/>
-              <a:cs typeface="Courier New" charset="0"/>
-            </a:endParaRPr>
           </a:p>
           <a:p>
             <a:pPr fontAlgn="auto">
@@ -8300,14 +8251,14 @@
           <a:ln/>
           <a:extLst>
             <a:ext uri="{909E8E84-426E-40dd-AFC4-6F175D3DCCD1}">
-              <a14:hiddenFill xmlns="" xmlns:a14="http://schemas.microsoft.com/office/drawing/2010/main">
+              <a14:hiddenFill xmlns:a14="http://schemas.microsoft.com/office/drawing/2010/main" xmlns="">
                 <a:solidFill>
                   <a:srgbClr val="FFFFFF"/>
                 </a:solidFill>
               </a14:hiddenFill>
             </a:ext>
             <a:ext uri="{91240B29-F687-4f45-9708-019B960494DF}">
-              <a14:hiddenLine xmlns="" xmlns:a14="http://schemas.microsoft.com/office/drawing/2010/main" w="9525">
+              <a14:hiddenLine xmlns:a14="http://schemas.microsoft.com/office/drawing/2010/main" xmlns="" w="9525">
                 <a:solidFill>
                   <a:srgbClr val="000000"/>
                 </a:solidFill>
@@ -8434,7 +8385,7 @@
               <a:rPr lang="en-US" sz="1200" smtClean="0">
                 <a:latin typeface="Garamond" charset="0"/>
               </a:rPr>
-              <a:t>11/28/18</a:t>
+              <a:t>11/30/18</a:t>
             </a:fld>
             <a:endParaRPr lang="en-US" sz="1200">
               <a:latin typeface="Garamond" charset="0"/>
@@ -8457,14 +8408,14 @@
           <a:ln/>
           <a:extLst>
             <a:ext uri="{909E8E84-426E-40dd-AFC4-6F175D3DCCD1}">
-              <a14:hiddenFill xmlns="" xmlns:a14="http://schemas.microsoft.com/office/drawing/2010/main">
+              <a14:hiddenFill xmlns:a14="http://schemas.microsoft.com/office/drawing/2010/main" xmlns="">
                 <a:solidFill>
                   <a:srgbClr val="FFFFFF"/>
                 </a:solidFill>
               </a14:hiddenFill>
             </a:ext>
             <a:ext uri="{91240B29-F687-4f45-9708-019B960494DF}">
-              <a14:hiddenLine xmlns="" xmlns:a14="http://schemas.microsoft.com/office/drawing/2010/main" w="9525">
+              <a14:hiddenLine xmlns:a14="http://schemas.microsoft.com/office/drawing/2010/main" xmlns="" w="9525">
                 <a:solidFill>
                   <a:srgbClr val="000000"/>
                 </a:solidFill>
@@ -8857,7 +8808,7 @@
           <a:p>
             <a:fld id="{416879D0-8DB6-5B44-91C2-3111B8B47861}" type="datetime1">
               <a:rPr lang="en-US" smtClean="0"/>
-              <a:t>11/28/18</a:t>
+              <a:t>11/30/18</a:t>
             </a:fld>
             <a:endParaRPr lang="en-US"/>
           </a:p>
@@ -9356,7 +9307,7 @@
           <a:p>
             <a:fld id="{0435AC1D-FBB9-264E-BF10-7C78A4041949}" type="datetime1">
               <a:rPr lang="en-US" smtClean="0"/>
-              <a:t>11/28/18</a:t>
+              <a:t>11/30/18</a:t>
             </a:fld>
             <a:endParaRPr lang="en-US"/>
           </a:p>
@@ -9650,14 +9601,14 @@
           <a:ln/>
           <a:extLst>
             <a:ext uri="{909E8E84-426E-40dd-AFC4-6F175D3DCCD1}">
-              <a14:hiddenFill xmlns="" xmlns:a14="http://schemas.microsoft.com/office/drawing/2010/main">
+              <a14:hiddenFill xmlns:a14="http://schemas.microsoft.com/office/drawing/2010/main" xmlns="">
                 <a:solidFill>
                   <a:srgbClr val="FFFFFF"/>
                 </a:solidFill>
               </a14:hiddenFill>
             </a:ext>
             <a:ext uri="{91240B29-F687-4f45-9708-019B960494DF}">
-              <a14:hiddenLine xmlns="" xmlns:a14="http://schemas.microsoft.com/office/drawing/2010/main" w="9525">
+              <a14:hiddenLine xmlns:a14="http://schemas.microsoft.com/office/drawing/2010/main" xmlns="" w="9525">
                 <a:solidFill>
                   <a:srgbClr val="000000"/>
                 </a:solidFill>
@@ -9784,7 +9735,7 @@
               <a:rPr lang="en-US" sz="1200" smtClean="0">
                 <a:latin typeface="Garamond" charset="0"/>
               </a:rPr>
-              <a:t>11/28/18</a:t>
+              <a:t>11/30/18</a:t>
             </a:fld>
             <a:endParaRPr lang="en-US" sz="1200">
               <a:latin typeface="Garamond" charset="0"/>
@@ -9807,14 +9758,14 @@
           <a:ln/>
           <a:extLst>
             <a:ext uri="{909E8E84-426E-40dd-AFC4-6F175D3DCCD1}">
-              <a14:hiddenFill xmlns="" xmlns:a14="http://schemas.microsoft.com/office/drawing/2010/main">
+              <a14:hiddenFill xmlns:a14="http://schemas.microsoft.com/office/drawing/2010/main" xmlns="">
                 <a:solidFill>
                   <a:srgbClr val="FFFFFF"/>
                 </a:solidFill>
               </a14:hiddenFill>
             </a:ext>
             <a:ext uri="{91240B29-F687-4f45-9708-019B960494DF}">
-              <a14:hiddenLine xmlns="" xmlns:a14="http://schemas.microsoft.com/office/drawing/2010/main" w="9525">
+              <a14:hiddenLine xmlns:a14="http://schemas.microsoft.com/office/drawing/2010/main" xmlns="" w="9525">
                 <a:solidFill>
                   <a:srgbClr val="000000"/>
                 </a:solidFill>
@@ -10077,15 +10028,7 @@
                 <a:ea typeface="+mn-ea"/>
                 <a:cs typeface="Courier New" pitchFamily="49" charset="0"/>
               </a:rPr>
-              <a:t> main</a:t>
-            </a:r>
-            <a:r>
-              <a:rPr lang="en-US" dirty="0" smtClean="0">
-                <a:latin typeface="Courier New" pitchFamily="49" charset="0"/>
-                <a:ea typeface="+mn-ea"/>
-                <a:cs typeface="Courier New" pitchFamily="49" charset="0"/>
-              </a:rPr>
-              <a:t>() {</a:t>
+              <a:t> main() {</a:t>
             </a:r>
           </a:p>
           <a:p>
@@ -10309,21 +10252,8 @@
                 <a:ea typeface="+mn-ea"/>
                 <a:cs typeface="Courier New" pitchFamily="49" charset="0"/>
               </a:rPr>
-              <a:t>	</a:t>
-            </a:r>
-            <a:r>
-              <a:rPr lang="en-US" dirty="0" smtClean="0">
-                <a:latin typeface="Courier New" pitchFamily="49" charset="0"/>
-                <a:ea typeface="+mn-ea"/>
-                <a:cs typeface="Courier New" pitchFamily="49" charset="0"/>
-              </a:rPr>
-              <a:t>return 0;</a:t>
-            </a:r>
-            <a:endParaRPr lang="en-US" dirty="0" smtClean="0">
-              <a:latin typeface="Courier New" pitchFamily="49" charset="0"/>
-              <a:ea typeface="+mn-ea"/>
-              <a:cs typeface="Courier New" pitchFamily="49" charset="0"/>
-            </a:endParaRPr>
+              <a:t>	return 0;</a:t>
+            </a:r>
           </a:p>
           <a:p>
             <a:pPr marL="0" indent="0">
@@ -10476,15 +10406,7 @@
                 <a:ea typeface="+mn-ea"/>
                 <a:cs typeface="Courier New" pitchFamily="49" charset="0"/>
               </a:rPr>
-              <a:t>);		// Close file when </a:t>
-            </a:r>
-            <a:r>
-              <a:rPr lang="en-US" dirty="0" smtClean="0">
-                <a:latin typeface="Courier New" pitchFamily="49" charset="0"/>
-                <a:ea typeface="+mn-ea"/>
-                <a:cs typeface="Courier New" pitchFamily="49" charset="0"/>
-              </a:rPr>
-              <a:t>done</a:t>
+              <a:t>);		// Close file when done</a:t>
             </a:r>
           </a:p>
           <a:p>
@@ -10512,11 +10434,6 @@
               </a:rPr>
               <a:t>return 0;</a:t>
             </a:r>
-            <a:endParaRPr lang="en-US" dirty="0" smtClean="0">
-              <a:latin typeface="Courier New" pitchFamily="49" charset="0"/>
-              <a:ea typeface="+mn-ea"/>
-              <a:cs typeface="Courier New" pitchFamily="49" charset="0"/>
-            </a:endParaRPr>
           </a:p>
           <a:p>
             <a:pPr marL="0" indent="0">
@@ -10553,14 +10470,14 @@
           <a:ln/>
           <a:extLst>
             <a:ext uri="{909E8E84-426E-40dd-AFC4-6F175D3DCCD1}">
-              <a14:hiddenFill xmlns="" xmlns:a14="http://schemas.microsoft.com/office/drawing/2010/main">
+              <a14:hiddenFill xmlns:a14="http://schemas.microsoft.com/office/drawing/2010/main" xmlns="">
                 <a:solidFill>
                   <a:srgbClr val="FFFFFF"/>
                 </a:solidFill>
               </a14:hiddenFill>
             </a:ext>
             <a:ext uri="{91240B29-F687-4f45-9708-019B960494DF}">
-              <a14:hiddenLine xmlns="" xmlns:a14="http://schemas.microsoft.com/office/drawing/2010/main" w="9525">
+              <a14:hiddenLine xmlns:a14="http://schemas.microsoft.com/office/drawing/2010/main" xmlns="" w="9525">
                 <a:solidFill>
                   <a:srgbClr val="000000"/>
                 </a:solidFill>
@@ -10687,7 +10604,7 @@
               <a:rPr lang="en-US" sz="1200" smtClean="0">
                 <a:latin typeface="Garamond" charset="0"/>
               </a:rPr>
-              <a:t>11/28/18</a:t>
+              <a:t>11/30/18</a:t>
             </a:fld>
             <a:endParaRPr lang="en-US" sz="1200">
               <a:latin typeface="Garamond" charset="0"/>
@@ -10736,14 +10653,14 @@
           <a:ln/>
           <a:extLst>
             <a:ext uri="{909E8E84-426E-40dd-AFC4-6F175D3DCCD1}">
-              <a14:hiddenFill xmlns="" xmlns:a14="http://schemas.microsoft.com/office/drawing/2010/main">
+              <a14:hiddenFill xmlns:a14="http://schemas.microsoft.com/office/drawing/2010/main" xmlns="">
                 <a:solidFill>
                   <a:srgbClr val="FFFFFF"/>
                 </a:solidFill>
               </a14:hiddenFill>
             </a:ext>
             <a:ext uri="{91240B29-F687-4f45-9708-019B960494DF}">
-              <a14:hiddenLine xmlns="" xmlns:a14="http://schemas.microsoft.com/office/drawing/2010/main" w="9525">
+              <a14:hiddenLine xmlns:a14="http://schemas.microsoft.com/office/drawing/2010/main" xmlns="" w="9525">
                 <a:solidFill>
                   <a:srgbClr val="000000"/>
                 </a:solidFill>
@@ -11357,7 +11274,7 @@
               <a:rPr lang="en-US" sz="1200" smtClean="0">
                 <a:latin typeface="Garamond" charset="0"/>
               </a:rPr>
-              <a:t>11/28/18</a:t>
+              <a:t>11/30/18</a:t>
             </a:fld>
             <a:endParaRPr lang="en-US" sz="1200">
               <a:latin typeface="Garamond" charset="0"/>
@@ -11588,7 +11505,7 @@
       </p:grpSpPr>
       <p:sp>
         <p:nvSpPr>
-          <p:cNvPr id="25601" name="Title 1"/>
+          <p:cNvPr id="23554" name="Title 1"/>
           <p:cNvSpPr>
             <a:spLocks noGrp="1"/>
           </p:cNvSpPr>
@@ -11605,14 +11522,14 @@
               <a:rPr lang="en-US">
                 <a:latin typeface="Garamond" charset="0"/>
               </a:rPr>
-              <a:t>Example: File I/O</a:t>
+              <a:t>Next time</a:t>
             </a:r>
           </a:p>
         </p:txBody>
       </p:sp>
       <p:sp>
         <p:nvSpPr>
-          <p:cNvPr id="25602" name="Content Placeholder 2"/>
+          <p:cNvPr id="23555" name="Content Placeholder 2"/>
           <p:cNvSpPr>
             <a:spLocks noGrp="1"/>
           </p:cNvSpPr>
@@ -11620,87 +11537,215 @@
             <p:ph idx="1"/>
           </p:nvPr>
         </p:nvSpPr>
-        <p:spPr/>
+        <p:spPr>
+          <a:xfrm>
+            <a:off x="457200" y="990600"/>
+            <a:ext cx="8229600" cy="5140325"/>
+          </a:xfrm>
+        </p:spPr>
         <p:txBody>
-          <a:bodyPr/>
+          <a:bodyPr>
+            <a:normAutofit lnSpcReduction="10000"/>
+          </a:bodyPr>
           <a:lstStyle/>
           <a:p>
-            <a:r>
-              <a:rPr lang="en-US">
-                <a:latin typeface="Arial" charset="0"/>
-              </a:rPr>
-              <a:t>Write a program to:</a:t>
-            </a:r>
+            <a:pPr>
+              <a:lnSpc>
+                <a:spcPct val="80000"/>
+              </a:lnSpc>
+            </a:pPr>
+            <a:r>
+              <a:rPr lang="en-US" sz="2800" dirty="0" smtClean="0">
+                <a:latin typeface="Arial" charset="0"/>
+              </a:rPr>
+              <a:t>Character and line I/O</a:t>
+            </a:r>
+          </a:p>
+          <a:p>
+            <a:pPr>
+              <a:lnSpc>
+                <a:spcPct val="80000"/>
+              </a:lnSpc>
+            </a:pPr>
+            <a:endParaRPr lang="en-US" sz="2800" dirty="0">
+              <a:latin typeface="Arial" charset="0"/>
+            </a:endParaRPr>
+          </a:p>
+          <a:p>
+            <a:pPr>
+              <a:lnSpc>
+                <a:spcPct val="80000"/>
+              </a:lnSpc>
+            </a:pPr>
+            <a:r>
+              <a:rPr lang="en-US" sz="2800" dirty="0">
+                <a:latin typeface="Arial" charset="0"/>
+              </a:rPr>
+              <a:t>Reminders</a:t>
+            </a:r>
+            <a:r>
+              <a:rPr lang="en-US" sz="2800" dirty="0" smtClean="0">
+                <a:latin typeface="Arial" charset="0"/>
+              </a:rPr>
+              <a:t>: remaining key dates</a:t>
+            </a:r>
+            <a:endParaRPr lang="en-US" sz="2800" dirty="0">
+              <a:latin typeface="Arial" charset="0"/>
+            </a:endParaRPr>
           </a:p>
           <a:p>
             <a:pPr lvl="1"/>
             <a:r>
-              <a:rPr lang="en-US">
-                <a:latin typeface="Arial" charset="0"/>
-              </a:rPr>
-              <a:t>Read three integer values from the file </a:t>
-            </a:r>
-            <a:r>
-              <a:rPr lang="en-US">
-                <a:latin typeface="Courier New" charset="0"/>
-                <a:cs typeface="Courier New" charset="0"/>
-              </a:rPr>
-              <a:t>myinput.txt</a:t>
+              <a:rPr lang="en-US" dirty="0">
+                <a:latin typeface="Arial" charset="0"/>
+              </a:rPr>
+              <a:t>W 12/5: Program 7 due</a:t>
             </a:r>
           </a:p>
           <a:p>
             <a:pPr lvl="1"/>
             <a:r>
-              <a:rPr lang="en-US">
-                <a:latin typeface="Arial" charset="0"/>
-              </a:rPr>
-              <a:t>Determine sum and average</a:t>
+              <a:rPr lang="en-US" dirty="0">
+                <a:latin typeface="Arial" charset="0"/>
+              </a:rPr>
+              <a:t>M 12/10: Program 6 regrades due </a:t>
             </a:r>
           </a:p>
           <a:p>
             <a:pPr lvl="1"/>
             <a:r>
-              <a:rPr lang="en-US">
-                <a:latin typeface="Arial" charset="0"/>
-              </a:rPr>
-              <a:t>Write the original three values as well as the sum and average to the file </a:t>
-            </a:r>
-            <a:r>
-              <a:rPr lang="en-US">
-                <a:latin typeface="Courier New" charset="0"/>
-                <a:cs typeface="Courier New" charset="0"/>
-              </a:rPr>
-              <a:t>myoutput.txt</a:t>
-            </a:r>
-          </a:p>
-          <a:p>
-            <a:r>
-              <a:rPr lang="en-US">
-                <a:latin typeface="Arial" charset="0"/>
-                <a:cs typeface="Courier New" charset="0"/>
-              </a:rPr>
-              <a:t>Note that:</a:t>
+              <a:rPr lang="en-US" dirty="0" err="1">
+                <a:latin typeface="Arial" charset="0"/>
+              </a:rPr>
+              <a:t>Th</a:t>
+            </a:r>
+            <a:r>
+              <a:rPr lang="en-US" dirty="0">
+                <a:latin typeface="Arial" charset="0"/>
+              </a:rPr>
+              <a:t> 12/13: last day of classes; Program 8 due</a:t>
+            </a:r>
+          </a:p>
+          <a:p>
+            <a:pPr lvl="2"/>
+            <a:r>
+              <a:rPr lang="en-US" dirty="0">
+                <a:latin typeface="Arial" charset="0"/>
+              </a:rPr>
+              <a:t>P8 deals with file I/O (lectures 32-33)</a:t>
             </a:r>
           </a:p>
           <a:p>
             <a:pPr lvl="1"/>
             <a:r>
-              <a:rPr lang="en-US">
-                <a:latin typeface="Arial" charset="0"/>
-                <a:cs typeface="Courier New" charset="0"/>
-              </a:rPr>
-              <a:t>The program should exit if an error occurs in opening a file</a:t>
+              <a:rPr lang="en-US" dirty="0">
+                <a:latin typeface="Arial" charset="0"/>
+              </a:rPr>
+              <a:t>M 12/17: Exam 3, 3-6 PM (room TBD)</a:t>
+            </a:r>
+          </a:p>
+          <a:p>
+            <a:pPr lvl="2"/>
+            <a:r>
+              <a:rPr lang="en-US" dirty="0">
+                <a:latin typeface="Arial" charset="0"/>
+              </a:rPr>
+              <a:t>Will post course </a:t>
+            </a:r>
+            <a:r>
+              <a:rPr lang="en-US" dirty="0" err="1">
+                <a:latin typeface="Arial" charset="0"/>
+              </a:rPr>
+              <a:t>evals</a:t>
+            </a:r>
+            <a:r>
+              <a:rPr lang="en-US" dirty="0">
+                <a:latin typeface="Arial" charset="0"/>
+              </a:rPr>
+              <a:t> online; you’ll submit </a:t>
+            </a:r>
+            <a:r>
+              <a:rPr lang="en-US" dirty="0" err="1">
+                <a:latin typeface="Arial" charset="0"/>
+              </a:rPr>
+              <a:t>eval</a:t>
+            </a:r>
+            <a:r>
+              <a:rPr lang="en-US" dirty="0">
+                <a:latin typeface="Arial" charset="0"/>
+              </a:rPr>
+              <a:t> at exam</a:t>
             </a:r>
           </a:p>
           <a:p>
             <a:pPr lvl="1"/>
-            <a:endParaRPr lang="en-US">
+            <a:r>
+              <a:rPr lang="en-US" dirty="0">
+                <a:latin typeface="Arial" charset="0"/>
+              </a:rPr>
+              <a:t>W 12/19: All code due by </a:t>
+            </a:r>
+            <a:r>
+              <a:rPr lang="en-US" b="1" dirty="0">
+                <a:solidFill>
+                  <a:srgbClr val="FF0000"/>
+                </a:solidFill>
+                <a:latin typeface="Arial" charset="0"/>
+              </a:rPr>
+              <a:t>12:00 PM (noon)</a:t>
+            </a:r>
+            <a:endParaRPr lang="en-US" dirty="0">
               <a:latin typeface="Arial" charset="0"/>
-              <a:cs typeface="Courier New" charset="0"/>
             </a:endParaRPr>
           </a:p>
           <a:p>
-            <a:endParaRPr lang="en-US">
+            <a:pPr lvl="2"/>
+            <a:r>
+              <a:rPr lang="en-US" dirty="0">
+                <a:latin typeface="Arial" charset="0"/>
+              </a:rPr>
+              <a:t>Program 9: Worth up to 4 points extra credit on final </a:t>
+            </a:r>
+            <a:r>
+              <a:rPr lang="en-US" dirty="0" err="1">
+                <a:latin typeface="Arial" charset="0"/>
+              </a:rPr>
+              <a:t>avg</a:t>
+            </a:r>
+            <a:endParaRPr lang="en-US" dirty="0">
+              <a:latin typeface="Arial" charset="0"/>
+            </a:endParaRPr>
+          </a:p>
+          <a:p>
+            <a:pPr lvl="2"/>
+            <a:r>
+              <a:rPr lang="en-US" dirty="0">
+                <a:latin typeface="Arial" charset="0"/>
+              </a:rPr>
+              <a:t>Resubmission deadline for P7 &amp; P8</a:t>
+            </a:r>
+          </a:p>
+          <a:p>
+            <a:pPr lvl="1"/>
+            <a:endParaRPr lang="en-US" dirty="0">
+              <a:latin typeface="Arial" charset="0"/>
+            </a:endParaRPr>
+          </a:p>
+          <a:p>
+            <a:pPr lvl="2">
+              <a:defRPr/>
+            </a:pPr>
+            <a:endParaRPr lang="en-US" sz="2000" dirty="0">
+              <a:latin typeface="Arial" charset="0"/>
+            </a:endParaRPr>
+          </a:p>
+          <a:p>
+            <a:pPr lvl="2">
+              <a:lnSpc>
+                <a:spcPct val="80000"/>
+              </a:lnSpc>
+            </a:pPr>
+            <a:endParaRPr lang="en-US" sz="2000" dirty="0">
               <a:latin typeface="Arial" charset="0"/>
             </a:endParaRPr>
           </a:p>
@@ -11708,7 +11753,7 @@
       </p:sp>
       <p:sp>
         <p:nvSpPr>
-          <p:cNvPr id="25603" name="Date Placeholder 3"/>
+          <p:cNvPr id="23556" name="Date Placeholder 3"/>
           <p:cNvSpPr>
             <a:spLocks noGrp="1"/>
           </p:cNvSpPr>
@@ -11720,15 +11765,15 @@
           <a:noFill/>
           <a:ln/>
           <a:extLst>
-            <a:ext uri="{909E8E84-426E-40DD-AFC4-6F175D3DCCD1}">
-              <a14:hiddenFill xmlns:a14="http://schemas.microsoft.com/office/drawing/2010/main">
+            <a:ext uri="{909E8E84-426E-40dd-AFC4-6F175D3DCCD1}">
+              <a14:hiddenFill xmlns:a14="http://schemas.microsoft.com/office/drawing/2010/main" xmlns="">
                 <a:solidFill>
                   <a:srgbClr val="FFFFFF"/>
                 </a:solidFill>
               </a14:hiddenFill>
             </a:ext>
-            <a:ext uri="{91240B29-F687-4F45-9708-019B960494DF}">
-              <a14:hiddenLine xmlns:a14="http://schemas.microsoft.com/office/drawing/2010/main" w="9525">
+            <a:ext uri="{91240B29-F687-4f45-9708-019B960494DF}">
+              <a14:hiddenLine xmlns:a14="http://schemas.microsoft.com/office/drawing/2010/main" xmlns="" w="9525">
                 <a:solidFill>
                   <a:srgbClr val="000000"/>
                 </a:solidFill>
@@ -11742,8 +11787,8 @@
         <p:txBody>
           <a:bodyPr/>
           <a:lstStyle>
-            <a:lvl1pPr eaLnBrk="0" hangingPunct="0">
-              <a:defRPr sz="2400">
+            <a:lvl1pPr>
+              <a:defRPr sz="3000">
                 <a:solidFill>
                   <a:schemeClr val="tx1"/>
                 </a:solidFill>
@@ -11752,8 +11797,8 @@
                 <a:cs typeface="ＭＳ Ｐゴシック" charset="0"/>
               </a:defRPr>
             </a:lvl1pPr>
-            <a:lvl2pPr marL="742950" indent="-285750" eaLnBrk="0" hangingPunct="0">
-              <a:defRPr sz="2400">
+            <a:lvl2pPr marL="742950" indent="-285750">
+              <a:defRPr sz="2600">
                 <a:solidFill>
                   <a:schemeClr val="tx1"/>
                 </a:solidFill>
@@ -11761,8 +11806,8 @@
                 <a:ea typeface="ＭＳ Ｐゴシック" charset="0"/>
               </a:defRPr>
             </a:lvl2pPr>
-            <a:lvl3pPr marL="1143000" indent="-228600" eaLnBrk="0" hangingPunct="0">
-              <a:defRPr sz="2400">
+            <a:lvl3pPr marL="1143000" indent="-228600">
+              <a:defRPr sz="2200">
                 <a:solidFill>
                   <a:schemeClr val="tx1"/>
                 </a:solidFill>
@@ -11770,8 +11815,8 @@
                 <a:ea typeface="ＭＳ Ｐゴシック" charset="0"/>
               </a:defRPr>
             </a:lvl3pPr>
-            <a:lvl4pPr marL="1600200" indent="-228600" eaLnBrk="0" hangingPunct="0">
-              <a:defRPr sz="2400">
+            <a:lvl4pPr marL="1600200" indent="-228600">
+              <a:defRPr sz="2000">
                 <a:solidFill>
                   <a:schemeClr val="tx1"/>
                 </a:solidFill>
@@ -11779,8 +11824,8 @@
                 <a:ea typeface="ＭＳ Ｐゴシック" charset="0"/>
               </a:defRPr>
             </a:lvl4pPr>
-            <a:lvl5pPr marL="2057400" indent="-228600" eaLnBrk="0" hangingPunct="0">
-              <a:defRPr sz="2400">
+            <a:lvl5pPr marL="2057400" indent="-228600">
+              <a:defRPr sz="2000">
                 <a:solidFill>
                   <a:schemeClr val="tx1"/>
                 </a:solidFill>
@@ -11788,14 +11833,9 @@
                 <a:ea typeface="ＭＳ Ｐゴシック" charset="0"/>
               </a:defRPr>
             </a:lvl5pPr>
-            <a:lvl6pPr marL="2514600" indent="-228600" eaLnBrk="0" fontAlgn="base" hangingPunct="0">
-              <a:spcBef>
-                <a:spcPct val="0"/>
-              </a:spcBef>
-              <a:spcAft>
-                <a:spcPct val="0"/>
-              </a:spcAft>
-              <a:defRPr sz="2400">
+            <a:lvl6pPr marL="2514600" indent="-228600" eaLnBrk="0" hangingPunct="0">
+              <a:buFont typeface="Wingdings" charset="0"/>
+              <a:defRPr sz="2000">
                 <a:solidFill>
                   <a:schemeClr val="tx1"/>
                 </a:solidFill>
@@ -11803,14 +11843,9 @@
                 <a:ea typeface="ＭＳ Ｐゴシック" charset="0"/>
               </a:defRPr>
             </a:lvl6pPr>
-            <a:lvl7pPr marL="2971800" indent="-228600" eaLnBrk="0" fontAlgn="base" hangingPunct="0">
-              <a:spcBef>
-                <a:spcPct val="0"/>
-              </a:spcBef>
-              <a:spcAft>
-                <a:spcPct val="0"/>
-              </a:spcAft>
-              <a:defRPr sz="2400">
+            <a:lvl7pPr marL="2971800" indent="-228600" eaLnBrk="0" hangingPunct="0">
+              <a:buFont typeface="Wingdings" charset="0"/>
+              <a:defRPr sz="2000">
                 <a:solidFill>
                   <a:schemeClr val="tx1"/>
                 </a:solidFill>
@@ -11818,14 +11853,9 @@
                 <a:ea typeface="ＭＳ Ｐゴシック" charset="0"/>
               </a:defRPr>
             </a:lvl7pPr>
-            <a:lvl8pPr marL="3429000" indent="-228600" eaLnBrk="0" fontAlgn="base" hangingPunct="0">
-              <a:spcBef>
-                <a:spcPct val="0"/>
-              </a:spcBef>
-              <a:spcAft>
-                <a:spcPct val="0"/>
-              </a:spcAft>
-              <a:defRPr sz="2400">
+            <a:lvl8pPr marL="3429000" indent="-228600" eaLnBrk="0" hangingPunct="0">
+              <a:buFont typeface="Wingdings" charset="0"/>
+              <a:defRPr sz="2000">
                 <a:solidFill>
                   <a:schemeClr val="tx1"/>
                 </a:solidFill>
@@ -11833,14 +11863,9 @@
                 <a:ea typeface="ＭＳ Ｐゴシック" charset="0"/>
               </a:defRPr>
             </a:lvl8pPr>
-            <a:lvl9pPr marL="3886200" indent="-228600" eaLnBrk="0" fontAlgn="base" hangingPunct="0">
-              <a:spcBef>
-                <a:spcPct val="0"/>
-              </a:spcBef>
-              <a:spcAft>
-                <a:spcPct val="0"/>
-              </a:spcAft>
-              <a:defRPr sz="2400">
+            <a:lvl9pPr marL="3886200" indent="-228600" eaLnBrk="0" hangingPunct="0">
+              <a:buFont typeface="Wingdings" charset="0"/>
+              <a:defRPr sz="2000">
                 <a:solidFill>
                   <a:schemeClr val="tx1"/>
                 </a:solidFill>
@@ -11850,22 +11875,44 @@
             </a:lvl9pPr>
           </a:lstStyle>
           <a:p>
-            <a:pPr eaLnBrk="1" hangingPunct="1"/>
-            <a:fld id="{6807C966-FB3A-6540-BA20-83791AB6015A}" type="datetime1">
-              <a:rPr lang="en-US" sz="1200" smtClean="0">
-                <a:latin typeface="Garamond" charset="0"/>
-              </a:rPr>
-              <a:t>11/28/18</a:t>
+            <a:pPr eaLnBrk="0" hangingPunct="0"/>
+            <a:fld id="{3C46643F-86BE-9F4E-8458-7E183EA9A76F}" type="datetime1">
+              <a:rPr lang="en-US" sz="1200" smtClean="0"/>
+              <a:t>11/30/18</a:t>
             </a:fld>
-            <a:endParaRPr lang="en-US" sz="1200">
-              <a:latin typeface="Garamond" charset="0"/>
-            </a:endParaRPr>
+            <a:endParaRPr lang="en-US" sz="1200" dirty="0"/>
           </a:p>
         </p:txBody>
       </p:sp>
       <p:sp>
         <p:nvSpPr>
-          <p:cNvPr id="25604" name="Slide Number Placeholder 4"/>
+          <p:cNvPr id="5" name="Footer Placeholder 4"/>
+          <p:cNvSpPr>
+            <a:spLocks noGrp="1"/>
+          </p:cNvSpPr>
+          <p:nvPr>
+            <p:ph type="ftr" sz="quarter" idx="11"/>
+          </p:nvPr>
+        </p:nvSpPr>
+        <p:spPr/>
+        <p:txBody>
+          <a:bodyPr/>
+          <a:lstStyle/>
+          <a:p>
+            <a:pPr>
+              <a:defRPr/>
+            </a:pPr>
+            <a:r>
+              <a:rPr lang="en-US" altLang="en-US" smtClean="0"/>
+              <a:t>ECE Application Programming: Lecture 32</a:t>
+            </a:r>
+            <a:endParaRPr lang="en-US" altLang="en-US"/>
+          </a:p>
+        </p:txBody>
+      </p:sp>
+      <p:sp>
+        <p:nvSpPr>
+          <p:cNvPr id="23558" name="Slide Number Placeholder 5"/>
           <p:cNvSpPr>
             <a:spLocks noGrp="1"/>
           </p:cNvSpPr>
@@ -11877,15 +11924,15 @@
           <a:noFill/>
           <a:ln/>
           <a:extLst>
-            <a:ext uri="{909E8E84-426E-40DD-AFC4-6F175D3DCCD1}">
-              <a14:hiddenFill xmlns:a14="http://schemas.microsoft.com/office/drawing/2010/main">
+            <a:ext uri="{909E8E84-426E-40dd-AFC4-6F175D3DCCD1}">
+              <a14:hiddenFill xmlns:a14="http://schemas.microsoft.com/office/drawing/2010/main" xmlns="">
                 <a:solidFill>
                   <a:srgbClr val="FFFFFF"/>
                 </a:solidFill>
               </a14:hiddenFill>
             </a:ext>
-            <a:ext uri="{91240B29-F687-4F45-9708-019B960494DF}">
-              <a14:hiddenLine xmlns:a14="http://schemas.microsoft.com/office/drawing/2010/main" w="9525">
+            <a:ext uri="{91240B29-F687-4f45-9708-019B960494DF}">
+              <a14:hiddenLine xmlns:a14="http://schemas.microsoft.com/office/drawing/2010/main" xmlns="" w="9525">
                 <a:solidFill>
                   <a:srgbClr val="000000"/>
                 </a:solidFill>
@@ -11899,8 +11946,8 @@
         <p:txBody>
           <a:bodyPr/>
           <a:lstStyle>
-            <a:lvl1pPr eaLnBrk="0" hangingPunct="0">
-              <a:defRPr sz="2400">
+            <a:lvl1pPr>
+              <a:defRPr sz="3000">
                 <a:solidFill>
                   <a:schemeClr val="tx1"/>
                 </a:solidFill>
@@ -11909,8 +11956,8 @@
                 <a:cs typeface="ＭＳ Ｐゴシック" charset="0"/>
               </a:defRPr>
             </a:lvl1pPr>
-            <a:lvl2pPr marL="742950" indent="-285750" eaLnBrk="0" hangingPunct="0">
-              <a:defRPr sz="2400">
+            <a:lvl2pPr marL="742950" indent="-285750">
+              <a:defRPr sz="2600">
                 <a:solidFill>
                   <a:schemeClr val="tx1"/>
                 </a:solidFill>
@@ -11918,8 +11965,8 @@
                 <a:ea typeface="ＭＳ Ｐゴシック" charset="0"/>
               </a:defRPr>
             </a:lvl2pPr>
-            <a:lvl3pPr marL="1143000" indent="-228600" eaLnBrk="0" hangingPunct="0">
-              <a:defRPr sz="2400">
+            <a:lvl3pPr marL="1143000" indent="-228600">
+              <a:defRPr sz="2200">
                 <a:solidFill>
                   <a:schemeClr val="tx1"/>
                 </a:solidFill>
@@ -11927,8 +11974,8 @@
                 <a:ea typeface="ＭＳ Ｐゴシック" charset="0"/>
               </a:defRPr>
             </a:lvl3pPr>
-            <a:lvl4pPr marL="1600200" indent="-228600" eaLnBrk="0" hangingPunct="0">
-              <a:defRPr sz="2400">
+            <a:lvl4pPr marL="1600200" indent="-228600">
+              <a:defRPr sz="2000">
                 <a:solidFill>
                   <a:schemeClr val="tx1"/>
                 </a:solidFill>
@@ -11936,8 +11983,8 @@
                 <a:ea typeface="ＭＳ Ｐゴシック" charset="0"/>
               </a:defRPr>
             </a:lvl4pPr>
-            <a:lvl5pPr marL="2057400" indent="-228600" eaLnBrk="0" hangingPunct="0">
-              <a:defRPr sz="2400">
+            <a:lvl5pPr marL="2057400" indent="-228600">
+              <a:defRPr sz="2000">
                 <a:solidFill>
                   <a:schemeClr val="tx1"/>
                 </a:solidFill>
@@ -11945,14 +11992,9 @@
                 <a:ea typeface="ＭＳ Ｐゴシック" charset="0"/>
               </a:defRPr>
             </a:lvl5pPr>
-            <a:lvl6pPr marL="2514600" indent="-228600" eaLnBrk="0" fontAlgn="base" hangingPunct="0">
-              <a:spcBef>
-                <a:spcPct val="0"/>
-              </a:spcBef>
-              <a:spcAft>
-                <a:spcPct val="0"/>
-              </a:spcAft>
-              <a:defRPr sz="2400">
+            <a:lvl6pPr marL="2514600" indent="-228600" eaLnBrk="0" hangingPunct="0">
+              <a:buFont typeface="Wingdings" charset="0"/>
+              <a:defRPr sz="2000">
                 <a:solidFill>
                   <a:schemeClr val="tx1"/>
                 </a:solidFill>
@@ -11960,14 +12002,9 @@
                 <a:ea typeface="ＭＳ Ｐゴシック" charset="0"/>
               </a:defRPr>
             </a:lvl6pPr>
-            <a:lvl7pPr marL="2971800" indent="-228600" eaLnBrk="0" fontAlgn="base" hangingPunct="0">
-              <a:spcBef>
-                <a:spcPct val="0"/>
-              </a:spcBef>
-              <a:spcAft>
-                <a:spcPct val="0"/>
-              </a:spcAft>
-              <a:defRPr sz="2400">
+            <a:lvl7pPr marL="2971800" indent="-228600" eaLnBrk="0" hangingPunct="0">
+              <a:buFont typeface="Wingdings" charset="0"/>
+              <a:defRPr sz="2000">
                 <a:solidFill>
                   <a:schemeClr val="tx1"/>
                 </a:solidFill>
@@ -11975,14 +12012,9 @@
                 <a:ea typeface="ＭＳ Ｐゴシック" charset="0"/>
               </a:defRPr>
             </a:lvl7pPr>
-            <a:lvl8pPr marL="3429000" indent="-228600" eaLnBrk="0" fontAlgn="base" hangingPunct="0">
-              <a:spcBef>
-                <a:spcPct val="0"/>
-              </a:spcBef>
-              <a:spcAft>
-                <a:spcPct val="0"/>
-              </a:spcAft>
-              <a:defRPr sz="2400">
+            <a:lvl8pPr marL="3429000" indent="-228600" eaLnBrk="0" hangingPunct="0">
+              <a:buFont typeface="Wingdings" charset="0"/>
+              <a:defRPr sz="2000">
                 <a:solidFill>
                   <a:schemeClr val="tx1"/>
                 </a:solidFill>
@@ -11990,14 +12022,9 @@
                 <a:ea typeface="ＭＳ Ｐゴシック" charset="0"/>
               </a:defRPr>
             </a:lvl8pPr>
-            <a:lvl9pPr marL="3886200" indent="-228600" eaLnBrk="0" fontAlgn="base" hangingPunct="0">
-              <a:spcBef>
-                <a:spcPct val="0"/>
-              </a:spcBef>
-              <a:spcAft>
-                <a:spcPct val="0"/>
-              </a:spcAft>
-              <a:defRPr sz="2400">
+            <a:lvl9pPr marL="3886200" indent="-228600" eaLnBrk="0" hangingPunct="0">
+              <a:buFont typeface="Wingdings" charset="0"/>
+              <a:defRPr sz="2000">
                 <a:solidFill>
                   <a:schemeClr val="tx1"/>
                 </a:solidFill>
@@ -12007,52 +12034,17 @@
             </a:lvl9pPr>
           </a:lstStyle>
           <a:p>
-            <a:pPr eaLnBrk="1" hangingPunct="1"/>
-            <a:fld id="{04B03BCB-345F-1347-BEE9-01D4372712C3}" type="slidenum">
-              <a:rPr lang="en-US" sz="1200">
-                <a:latin typeface="Garamond" charset="0"/>
-              </a:rPr>
-              <a:pPr eaLnBrk="1" hangingPunct="1"/>
+            <a:pPr eaLnBrk="0" hangingPunct="0"/>
+            <a:fld id="{843FFED0-5613-D747-AC8F-CF84A7339BF4}" type="slidenum">
+              <a:rPr lang="en-US" sz="1200"/>
+              <a:pPr eaLnBrk="0" hangingPunct="0"/>
               <a:t>19</a:t>
             </a:fld>
-            <a:endParaRPr lang="en-US" sz="1200">
-              <a:latin typeface="Garamond" charset="0"/>
-            </a:endParaRPr>
-          </a:p>
-        </p:txBody>
-      </p:sp>
-      <p:sp>
-        <p:nvSpPr>
-          <p:cNvPr id="6" name="Footer Placeholder 5"/>
-          <p:cNvSpPr>
-            <a:spLocks noGrp="1"/>
-          </p:cNvSpPr>
-          <p:nvPr>
-            <p:ph type="ftr" sz="quarter" idx="11"/>
-          </p:nvPr>
-        </p:nvSpPr>
-        <p:spPr/>
-        <p:txBody>
-          <a:bodyPr/>
-          <a:lstStyle/>
-          <a:p>
-            <a:pPr>
-              <a:defRPr/>
-            </a:pPr>
-            <a:r>
-              <a:rPr lang="en-US" altLang="en-US" smtClean="0"/>
-              <a:t>ECE Application Programming: Lecture 32</a:t>
-            </a:r>
-            <a:endParaRPr lang="en-US" altLang="en-US"/>
+            <a:endParaRPr lang="en-US" sz="1200"/>
           </a:p>
         </p:txBody>
       </p:sp>
     </p:spTree>
-    <p:extLst>
-      <p:ext uri="{BB962C8B-B14F-4D97-AF65-F5344CB8AC3E}">
-        <p14:creationId xmlns:p14="http://schemas.microsoft.com/office/powerpoint/2010/main" val="1101998053"/>
-      </p:ext>
-    </p:extLst>
   </p:cSld>
   <p:clrMapOvr>
     <a:masterClrMapping/>
@@ -12120,82 +12112,204 @@
         <p:spPr/>
         <p:txBody>
           <a:bodyPr>
-            <a:normAutofit fontScale="92500" lnSpcReduction="10000"/>
+            <a:normAutofit fontScale="92500" lnSpcReduction="20000"/>
           </a:bodyPr>
           <a:lstStyle/>
           <a:p>
             <a:r>
               <a:rPr lang="en-US" dirty="0" smtClean="0"/>
-              <a:t>Announcements/reminders</a:t>
-            </a:r>
+              <a:t>Remaining key dates</a:t>
+            </a:r>
+            <a:endParaRPr lang="en-US" dirty="0" smtClean="0"/>
           </a:p>
           <a:p>
             <a:pPr lvl="1"/>
             <a:r>
+              <a:rPr lang="en-US" dirty="0" smtClean="0">
+                <a:latin typeface="Arial" charset="0"/>
+              </a:rPr>
+              <a:t>W 12/5: Program </a:t>
+            </a:r>
+            <a:r>
               <a:rPr lang="en-US" dirty="0">
                 <a:latin typeface="Arial" charset="0"/>
               </a:rPr>
-              <a:t>Program 7 due </a:t>
-            </a:r>
-            <a:r>
-              <a:rPr lang="en-US" b="1" dirty="0">
+              <a:t>7 </a:t>
+            </a:r>
+            <a:r>
+              <a:rPr lang="en-US" dirty="0" smtClean="0">
+                <a:latin typeface="Arial" charset="0"/>
+              </a:rPr>
+              <a:t>due</a:t>
+            </a:r>
+            <a:endParaRPr lang="en-US" dirty="0">
+              <a:latin typeface="Arial" charset="0"/>
+            </a:endParaRPr>
+          </a:p>
+          <a:p>
+            <a:pPr lvl="1"/>
+            <a:r>
+              <a:rPr lang="en-US" dirty="0" smtClean="0">
+                <a:latin typeface="Arial" charset="0"/>
+              </a:rPr>
+              <a:t>M 12/10: Program 6 regrades due </a:t>
+            </a:r>
+          </a:p>
+          <a:p>
+            <a:pPr lvl="1"/>
+            <a:r>
+              <a:rPr lang="en-US" dirty="0" err="1" smtClean="0">
+                <a:latin typeface="Arial" charset="0"/>
+              </a:rPr>
+              <a:t>Th</a:t>
+            </a:r>
+            <a:r>
+              <a:rPr lang="en-US" dirty="0" smtClean="0">
+                <a:latin typeface="Arial" charset="0"/>
+              </a:rPr>
+              <a:t> 12/13: </a:t>
+            </a:r>
+            <a:r>
+              <a:rPr lang="en-US" dirty="0" smtClean="0">
+                <a:latin typeface="Arial" charset="0"/>
+              </a:rPr>
+              <a:t>last day of classes; Program 8 due</a:t>
+            </a:r>
+            <a:endParaRPr lang="en-US" dirty="0">
+              <a:latin typeface="Arial" charset="0"/>
+            </a:endParaRPr>
+          </a:p>
+          <a:p>
+            <a:pPr lvl="2"/>
+            <a:r>
+              <a:rPr lang="en-US" dirty="0" smtClean="0">
+                <a:latin typeface="Arial" charset="0"/>
+              </a:rPr>
+              <a:t>P8 deals </a:t>
+            </a:r>
+            <a:r>
+              <a:rPr lang="en-US" dirty="0">
+                <a:latin typeface="Arial" charset="0"/>
+              </a:rPr>
+              <a:t>with file I/O (lectures 32-33)</a:t>
+            </a:r>
+          </a:p>
+          <a:p>
+            <a:pPr lvl="1"/>
+            <a:r>
+              <a:rPr lang="en-US" dirty="0" smtClean="0">
+                <a:latin typeface="Arial" charset="0"/>
+              </a:rPr>
+              <a:t>M 12/17: Exam 3, 3-6 </a:t>
+            </a:r>
+            <a:r>
+              <a:rPr lang="en-US" dirty="0">
+                <a:latin typeface="Arial" charset="0"/>
+              </a:rPr>
+              <a:t>PM (room TBD</a:t>
+            </a:r>
+            <a:r>
+              <a:rPr lang="en-US" dirty="0" smtClean="0">
+                <a:latin typeface="Arial" charset="0"/>
+              </a:rPr>
+              <a:t>)</a:t>
+            </a:r>
+          </a:p>
+          <a:p>
+            <a:pPr lvl="2"/>
+            <a:r>
+              <a:rPr lang="en-US" dirty="0" smtClean="0">
+                <a:latin typeface="Arial" charset="0"/>
+              </a:rPr>
+              <a:t>Will post course </a:t>
+            </a:r>
+            <a:r>
+              <a:rPr lang="en-US" dirty="0" err="1" smtClean="0">
+                <a:latin typeface="Arial" charset="0"/>
+              </a:rPr>
+              <a:t>evals</a:t>
+            </a:r>
+            <a:r>
+              <a:rPr lang="en-US" dirty="0" smtClean="0">
+                <a:latin typeface="Arial" charset="0"/>
+              </a:rPr>
+              <a:t> online; you’ll submit </a:t>
+            </a:r>
+            <a:r>
+              <a:rPr lang="en-US" dirty="0" err="1" smtClean="0">
+                <a:latin typeface="Arial" charset="0"/>
+              </a:rPr>
+              <a:t>eval</a:t>
+            </a:r>
+            <a:r>
+              <a:rPr lang="en-US" dirty="0" smtClean="0">
+                <a:latin typeface="Arial" charset="0"/>
+              </a:rPr>
+              <a:t> at exam</a:t>
+            </a:r>
+            <a:endParaRPr lang="en-US" dirty="0" smtClean="0">
+              <a:latin typeface="Arial" charset="0"/>
+            </a:endParaRPr>
+          </a:p>
+          <a:p>
+            <a:pPr lvl="1"/>
+            <a:r>
+              <a:rPr lang="en-US" dirty="0" smtClean="0">
+                <a:latin typeface="Arial" charset="0"/>
+              </a:rPr>
+              <a:t>W 12/19: All code due by </a:t>
+            </a:r>
+            <a:r>
+              <a:rPr lang="en-US" b="1" dirty="0" smtClean="0">
                 <a:solidFill>
                   <a:srgbClr val="FF0000"/>
                 </a:solidFill>
                 <a:latin typeface="Arial" charset="0"/>
               </a:rPr>
-              <a:t>Wednesday, 12/5</a:t>
-            </a:r>
-          </a:p>
-          <a:p>
-            <a:pPr lvl="1"/>
-            <a:r>
-              <a:rPr lang="en-US" dirty="0">
-                <a:latin typeface="Arial" charset="0"/>
-              </a:rPr>
-              <a:t>Program 8 due Thursday, 12/13</a:t>
-            </a:r>
+              <a:t>12:00 PM (noon)</a:t>
+            </a:r>
+            <a:endParaRPr lang="en-US" dirty="0" smtClean="0">
+              <a:latin typeface="Arial" charset="0"/>
+            </a:endParaRPr>
           </a:p>
           <a:p>
             <a:pPr lvl="2"/>
             <a:r>
-              <a:rPr lang="en-US" dirty="0">
-                <a:latin typeface="Arial" charset="0"/>
-              </a:rPr>
-              <a:t>Deals with file I/O (lectures 32-33)</a:t>
-            </a:r>
-          </a:p>
-          <a:p>
-            <a:pPr lvl="1"/>
-            <a:r>
-              <a:rPr lang="en-US" dirty="0">
-                <a:latin typeface="Arial" charset="0"/>
-              </a:rPr>
-              <a:t>Program 9 to be posted; extra credit assignment due 12:00 PM (noon), Wednesday, 12/19</a:t>
-            </a:r>
+              <a:rPr lang="en-US" dirty="0" smtClean="0">
+                <a:latin typeface="Arial" charset="0"/>
+              </a:rPr>
+              <a:t>Program 9: Worth up to 4 points extra credit on final </a:t>
+            </a:r>
+            <a:r>
+              <a:rPr lang="en-US" dirty="0" err="1" smtClean="0">
+                <a:latin typeface="Arial" charset="0"/>
+              </a:rPr>
+              <a:t>avg</a:t>
+            </a:r>
+            <a:endParaRPr lang="en-US" dirty="0" smtClean="0">
+              <a:latin typeface="Arial" charset="0"/>
+            </a:endParaRPr>
           </a:p>
           <a:p>
             <a:pPr lvl="2"/>
             <a:r>
-              <a:rPr lang="en-US" dirty="0">
-                <a:latin typeface="Arial" charset="0"/>
-              </a:rPr>
-              <a:t>12:00 PM on 12/19 will be final deadline for submission/resubmission of all programs</a:t>
-            </a:r>
-          </a:p>
-          <a:p>
-            <a:pPr lvl="1"/>
-            <a:r>
-              <a:rPr lang="en-US" dirty="0">
-                <a:latin typeface="Arial" charset="0"/>
-              </a:rPr>
-              <a:t>Exam 3: Monday, 12/17, 3-6 PM (room TBD)</a:t>
-            </a:r>
+              <a:rPr lang="en-US" dirty="0" smtClean="0">
+                <a:latin typeface="Arial" charset="0"/>
+              </a:rPr>
+              <a:t>Resubmission deadline for P7 &amp; P8</a:t>
+            </a:r>
+            <a:endParaRPr lang="en-US" dirty="0">
+              <a:latin typeface="Arial" charset="0"/>
+            </a:endParaRPr>
           </a:p>
           <a:p>
             <a:r>
               <a:rPr lang="en-US" dirty="0" smtClean="0"/>
-              <a:t>Today’s class</a:t>
+              <a:t>Today’s </a:t>
+            </a:r>
+            <a:r>
+              <a:rPr lang="en-US" dirty="0" smtClean="0"/>
+              <a:t>class</a:t>
             </a:r>
           </a:p>
           <a:p>
@@ -12318,7 +12432,7 @@
           <a:p>
             <a:fld id="{4C524431-9808-F44E-872E-3D901D68C679}" type="datetime1">
               <a:rPr lang="en-US" sz="1200" smtClean="0"/>
-              <a:t>11/28/18</a:t>
+              <a:t>11/30/18</a:t>
             </a:fld>
             <a:endParaRPr lang="en-US" sz="1200" dirty="0"/>
           </a:p>
@@ -12455,3427 +12569,6 @@
               <a:t>2</a:t>
             </a:fld>
             <a:endParaRPr lang="en-US" sz="1200" dirty="0"/>
-          </a:p>
-        </p:txBody>
-      </p:sp>
-    </p:spTree>
-  </p:cSld>
-  <p:clrMapOvr>
-    <a:masterClrMapping/>
-  </p:clrMapOvr>
-  <p:timing>
-    <p:tnLst>
-      <p:par>
-        <p:cTn id="1" dur="indefinite" restart="never" nodeType="tmRoot"/>
-      </p:par>
-    </p:tnLst>
-  </p:timing>
-</p:sld>
-</file>
-
-<file path=ppt/slides/slide20.xml><?xml version="1.0" encoding="utf-8"?>
-<p:sld xmlns:a="http://schemas.openxmlformats.org/drawingml/2006/main" xmlns:r="http://schemas.openxmlformats.org/officeDocument/2006/relationships" xmlns:p="http://schemas.openxmlformats.org/presentationml/2006/main">
-  <p:cSld>
-    <p:spTree>
-      <p:nvGrpSpPr>
-        <p:cNvPr id="1" name=""/>
-        <p:cNvGrpSpPr/>
-        <p:nvPr/>
-      </p:nvGrpSpPr>
-      <p:grpSpPr>
-        <a:xfrm>
-          <a:off x="0" y="0"/>
-          <a:ext cx="0" cy="0"/>
-          <a:chOff x="0" y="0"/>
-          <a:chExt cx="0" cy="0"/>
-        </a:xfrm>
-      </p:grpSpPr>
-      <p:sp>
-        <p:nvSpPr>
-          <p:cNvPr id="2" name="Title 1"/>
-          <p:cNvSpPr>
-            <a:spLocks noGrp="1"/>
-          </p:cNvSpPr>
-          <p:nvPr>
-            <p:ph type="title"/>
-          </p:nvPr>
-        </p:nvSpPr>
-        <p:spPr>
-          <a:xfrm>
-            <a:off x="457200" y="274638"/>
-            <a:ext cx="8229600" cy="639762"/>
-          </a:xfrm>
-        </p:spPr>
-        <p:txBody>
-          <a:bodyPr rtlCol="0">
-            <a:normAutofit fontScale="90000"/>
-          </a:bodyPr>
-          <a:lstStyle/>
-          <a:p>
-            <a:pPr fontAlgn="auto">
-              <a:spcAft>
-                <a:spcPts val="0"/>
-              </a:spcAft>
-              <a:defRPr/>
-            </a:pPr>
-            <a:r>
-              <a:rPr lang="en-US" dirty="0" smtClean="0">
-                <a:ea typeface="+mj-ea"/>
-                <a:cs typeface="+mj-cs"/>
-              </a:rPr>
-              <a:t>The program (part 1)</a:t>
-            </a:r>
-          </a:p>
-        </p:txBody>
-      </p:sp>
-      <p:sp>
-        <p:nvSpPr>
-          <p:cNvPr id="3" name="Content Placeholder 2"/>
-          <p:cNvSpPr>
-            <a:spLocks noGrp="1"/>
-          </p:cNvSpPr>
-          <p:nvPr>
-            <p:ph idx="1"/>
-          </p:nvPr>
-        </p:nvSpPr>
-        <p:spPr>
-          <a:xfrm>
-            <a:off x="457200" y="838200"/>
-            <a:ext cx="8229600" cy="5287963"/>
-          </a:xfrm>
-        </p:spPr>
-        <p:txBody>
-          <a:bodyPr rtlCol="0">
-            <a:normAutofit fontScale="92500" lnSpcReduction="10000"/>
-          </a:bodyPr>
-          <a:lstStyle/>
-          <a:p>
-            <a:pPr fontAlgn="auto">
-              <a:spcAft>
-                <a:spcPts val="0"/>
-              </a:spcAft>
-              <a:buFont typeface="Arial" pitchFamily="34" charset="0"/>
-              <a:buNone/>
-              <a:defRPr/>
-            </a:pPr>
-            <a:r>
-              <a:rPr lang="en-US" sz="1400" b="1" dirty="0" smtClean="0">
-                <a:latin typeface="Courier New" pitchFamily="49" charset="0"/>
-                <a:ea typeface="+mn-ea"/>
-                <a:cs typeface="Courier New" pitchFamily="49" charset="0"/>
-              </a:rPr>
-              <a:t>#include &lt;</a:t>
-            </a:r>
-            <a:r>
-              <a:rPr lang="en-US" sz="1400" b="1" dirty="0" err="1" smtClean="0">
-                <a:latin typeface="Courier New" pitchFamily="49" charset="0"/>
-                <a:ea typeface="+mn-ea"/>
-                <a:cs typeface="Courier New" pitchFamily="49" charset="0"/>
-              </a:rPr>
-              <a:t>stdio.h</a:t>
-            </a:r>
-            <a:r>
-              <a:rPr lang="en-US" sz="1400" b="1" dirty="0" smtClean="0">
-                <a:latin typeface="Courier New" pitchFamily="49" charset="0"/>
-                <a:ea typeface="+mn-ea"/>
-                <a:cs typeface="Courier New" pitchFamily="49" charset="0"/>
-              </a:rPr>
-              <a:t>&gt;</a:t>
-            </a:r>
-          </a:p>
-          <a:p>
-            <a:pPr fontAlgn="auto">
-              <a:spcAft>
-                <a:spcPts val="0"/>
-              </a:spcAft>
-              <a:buFont typeface="Arial" pitchFamily="34" charset="0"/>
-              <a:buNone/>
-              <a:defRPr/>
-            </a:pPr>
-            <a:endParaRPr lang="en-US" sz="1400" b="1" dirty="0" smtClean="0">
-              <a:latin typeface="Courier New" pitchFamily="49" charset="0"/>
-              <a:ea typeface="+mn-ea"/>
-              <a:cs typeface="Courier New" pitchFamily="49" charset="0"/>
-            </a:endParaRPr>
-          </a:p>
-          <a:p>
-            <a:pPr fontAlgn="auto">
-              <a:spcAft>
-                <a:spcPts val="0"/>
-              </a:spcAft>
-              <a:buFont typeface="Arial" pitchFamily="34" charset="0"/>
-              <a:buNone/>
-              <a:defRPr/>
-            </a:pPr>
-            <a:r>
-              <a:rPr lang="en-US" sz="1400" b="1" dirty="0" smtClean="0">
-                <a:latin typeface="Courier New" pitchFamily="49" charset="0"/>
-                <a:ea typeface="+mn-ea"/>
-                <a:cs typeface="Courier New" pitchFamily="49" charset="0"/>
-              </a:rPr>
-              <a:t>void main()</a:t>
-            </a:r>
-          </a:p>
-          <a:p>
-            <a:pPr fontAlgn="auto">
-              <a:spcAft>
-                <a:spcPts val="0"/>
-              </a:spcAft>
-              <a:buFont typeface="Arial" pitchFamily="34" charset="0"/>
-              <a:buNone/>
-              <a:defRPr/>
-            </a:pPr>
-            <a:r>
-              <a:rPr lang="en-US" sz="1400" b="1" dirty="0" smtClean="0">
-                <a:latin typeface="Courier New" pitchFamily="49" charset="0"/>
-                <a:ea typeface="+mn-ea"/>
-                <a:cs typeface="Courier New" pitchFamily="49" charset="0"/>
-              </a:rPr>
-              <a:t>{</a:t>
-            </a:r>
-          </a:p>
-          <a:p>
-            <a:pPr fontAlgn="auto">
-              <a:spcAft>
-                <a:spcPts val="0"/>
-              </a:spcAft>
-              <a:buFont typeface="Arial" pitchFamily="34" charset="0"/>
-              <a:buNone/>
-              <a:defRPr/>
-            </a:pPr>
-            <a:r>
-              <a:rPr lang="en-US" sz="1400" b="1" dirty="0" smtClean="0">
-                <a:latin typeface="Courier New" pitchFamily="49" charset="0"/>
-                <a:ea typeface="+mn-ea"/>
-                <a:cs typeface="Courier New" pitchFamily="49" charset="0"/>
-              </a:rPr>
-              <a:t>	FILE *</a:t>
-            </a:r>
-            <a:r>
-              <a:rPr lang="en-US" sz="1400" b="1" dirty="0" err="1" smtClean="0">
-                <a:latin typeface="Courier New" pitchFamily="49" charset="0"/>
-                <a:ea typeface="+mn-ea"/>
-                <a:cs typeface="Courier New" pitchFamily="49" charset="0"/>
-              </a:rPr>
-              <a:t>infile</a:t>
-            </a:r>
-            <a:r>
-              <a:rPr lang="en-US" sz="1400" b="1" dirty="0" smtClean="0">
-                <a:latin typeface="Courier New" pitchFamily="49" charset="0"/>
-                <a:ea typeface="+mn-ea"/>
-                <a:cs typeface="Courier New" pitchFamily="49" charset="0"/>
-              </a:rPr>
-              <a:t>;		// Input file pointer</a:t>
-            </a:r>
-          </a:p>
-          <a:p>
-            <a:pPr fontAlgn="auto">
-              <a:spcAft>
-                <a:spcPts val="0"/>
-              </a:spcAft>
-              <a:buFont typeface="Arial" pitchFamily="34" charset="0"/>
-              <a:buNone/>
-              <a:defRPr/>
-            </a:pPr>
-            <a:r>
-              <a:rPr lang="en-US" sz="1400" b="1" dirty="0" smtClean="0">
-                <a:latin typeface="Courier New" pitchFamily="49" charset="0"/>
-                <a:ea typeface="+mn-ea"/>
-                <a:cs typeface="Courier New" pitchFamily="49" charset="0"/>
-              </a:rPr>
-              <a:t>	FILE *</a:t>
-            </a:r>
-            <a:r>
-              <a:rPr lang="en-US" sz="1400" b="1" dirty="0" err="1" smtClean="0">
-                <a:latin typeface="Courier New" pitchFamily="49" charset="0"/>
-                <a:ea typeface="+mn-ea"/>
-                <a:cs typeface="Courier New" pitchFamily="49" charset="0"/>
-              </a:rPr>
-              <a:t>outfile</a:t>
-            </a:r>
-            <a:r>
-              <a:rPr lang="en-US" sz="1400" b="1" dirty="0" smtClean="0">
-                <a:latin typeface="Courier New" pitchFamily="49" charset="0"/>
-                <a:ea typeface="+mn-ea"/>
-                <a:cs typeface="Courier New" pitchFamily="49" charset="0"/>
-              </a:rPr>
-              <a:t>;		// Output file pointer</a:t>
-            </a:r>
-          </a:p>
-          <a:p>
-            <a:pPr fontAlgn="auto">
-              <a:spcAft>
-                <a:spcPts val="0"/>
-              </a:spcAft>
-              <a:buFont typeface="Arial" pitchFamily="34" charset="0"/>
-              <a:buNone/>
-              <a:defRPr/>
-            </a:pPr>
-            <a:r>
-              <a:rPr lang="en-US" sz="1400" b="1" dirty="0" smtClean="0">
-                <a:latin typeface="Courier New" pitchFamily="49" charset="0"/>
-                <a:ea typeface="+mn-ea"/>
-                <a:cs typeface="Courier New" pitchFamily="49" charset="0"/>
-              </a:rPr>
-              <a:t>	</a:t>
-            </a:r>
-            <a:r>
-              <a:rPr lang="en-US" sz="1400" b="1" dirty="0" err="1" smtClean="0">
-                <a:latin typeface="Courier New" pitchFamily="49" charset="0"/>
-                <a:ea typeface="+mn-ea"/>
-                <a:cs typeface="Courier New" pitchFamily="49" charset="0"/>
-              </a:rPr>
-              <a:t>int</a:t>
-            </a:r>
-            <a:r>
-              <a:rPr lang="en-US" sz="1400" b="1" dirty="0" smtClean="0">
-                <a:latin typeface="Courier New" pitchFamily="49" charset="0"/>
-                <a:ea typeface="+mn-ea"/>
-                <a:cs typeface="Courier New" pitchFamily="49" charset="0"/>
-              </a:rPr>
-              <a:t> x, y, z, sum;	// Input values and sum</a:t>
-            </a:r>
-          </a:p>
-          <a:p>
-            <a:pPr fontAlgn="auto">
-              <a:spcAft>
-                <a:spcPts val="0"/>
-              </a:spcAft>
-              <a:buFont typeface="Arial" pitchFamily="34" charset="0"/>
-              <a:buNone/>
-              <a:defRPr/>
-            </a:pPr>
-            <a:r>
-              <a:rPr lang="en-US" sz="1400" b="1" dirty="0" smtClean="0">
-                <a:latin typeface="Courier New" pitchFamily="49" charset="0"/>
-                <a:ea typeface="+mn-ea"/>
-                <a:cs typeface="Courier New" pitchFamily="49" charset="0"/>
-              </a:rPr>
-              <a:t>	double </a:t>
-            </a:r>
-            <a:r>
-              <a:rPr lang="en-US" sz="1400" b="1" dirty="0" err="1" smtClean="0">
-                <a:latin typeface="Courier New" pitchFamily="49" charset="0"/>
-                <a:ea typeface="+mn-ea"/>
-                <a:cs typeface="Courier New" pitchFamily="49" charset="0"/>
-              </a:rPr>
-              <a:t>avg</a:t>
-            </a:r>
-            <a:r>
-              <a:rPr lang="en-US" sz="1400" b="1" dirty="0" smtClean="0">
-                <a:latin typeface="Courier New" pitchFamily="49" charset="0"/>
-                <a:ea typeface="+mn-ea"/>
-                <a:cs typeface="Courier New" pitchFamily="49" charset="0"/>
-              </a:rPr>
-              <a:t>;		// Average of x, y, and z</a:t>
-            </a:r>
-          </a:p>
-          <a:p>
-            <a:pPr fontAlgn="auto">
-              <a:spcAft>
-                <a:spcPts val="0"/>
-              </a:spcAft>
-              <a:buFont typeface="Arial" pitchFamily="34" charset="0"/>
-              <a:buNone/>
-              <a:defRPr/>
-            </a:pPr>
-            <a:endParaRPr lang="en-US" sz="1400" b="1" dirty="0" smtClean="0">
-              <a:latin typeface="Courier New" pitchFamily="49" charset="0"/>
-              <a:ea typeface="+mn-ea"/>
-              <a:cs typeface="Courier New" pitchFamily="49" charset="0"/>
-            </a:endParaRPr>
-          </a:p>
-          <a:p>
-            <a:pPr fontAlgn="auto">
-              <a:spcAft>
-                <a:spcPts val="0"/>
-              </a:spcAft>
-              <a:buFont typeface="Arial" pitchFamily="34" charset="0"/>
-              <a:buNone/>
-              <a:defRPr/>
-            </a:pPr>
-            <a:r>
-              <a:rPr lang="en-US" sz="1400" b="1" dirty="0" smtClean="0">
-                <a:latin typeface="Courier New" pitchFamily="49" charset="0"/>
-                <a:ea typeface="+mn-ea"/>
-                <a:cs typeface="Courier New" pitchFamily="49" charset="0"/>
-              </a:rPr>
-              <a:t>	// Open input file, exit if error</a:t>
-            </a:r>
-          </a:p>
-          <a:p>
-            <a:pPr fontAlgn="auto">
-              <a:spcAft>
-                <a:spcPts val="0"/>
-              </a:spcAft>
-              <a:buFont typeface="Arial" pitchFamily="34" charset="0"/>
-              <a:buNone/>
-              <a:defRPr/>
-            </a:pPr>
-            <a:r>
-              <a:rPr lang="en-US" sz="1400" b="1" dirty="0" smtClean="0">
-                <a:latin typeface="Courier New" pitchFamily="49" charset="0"/>
-                <a:ea typeface="+mn-ea"/>
-                <a:cs typeface="Courier New" pitchFamily="49" charset="0"/>
-              </a:rPr>
-              <a:t>	</a:t>
-            </a:r>
-            <a:r>
-              <a:rPr lang="en-US" sz="1400" b="1" dirty="0" err="1" smtClean="0">
-                <a:latin typeface="Courier New" pitchFamily="49" charset="0"/>
-                <a:ea typeface="+mn-ea"/>
-                <a:cs typeface="Courier New" pitchFamily="49" charset="0"/>
-              </a:rPr>
-              <a:t>infile</a:t>
-            </a:r>
-            <a:r>
-              <a:rPr lang="en-US" sz="1400" b="1" dirty="0" smtClean="0">
-                <a:latin typeface="Courier New" pitchFamily="49" charset="0"/>
-                <a:ea typeface="+mn-ea"/>
-                <a:cs typeface="Courier New" pitchFamily="49" charset="0"/>
-              </a:rPr>
-              <a:t>=</a:t>
-            </a:r>
-            <a:r>
-              <a:rPr lang="en-US" sz="1400" b="1" dirty="0" err="1" smtClean="0">
-                <a:latin typeface="Courier New" pitchFamily="49" charset="0"/>
-                <a:ea typeface="+mn-ea"/>
-                <a:cs typeface="Courier New" pitchFamily="49" charset="0"/>
-              </a:rPr>
-              <a:t>fopen</a:t>
-            </a:r>
-            <a:r>
-              <a:rPr lang="en-US" sz="1400" b="1" dirty="0" smtClean="0">
-                <a:latin typeface="Courier New" pitchFamily="49" charset="0"/>
-                <a:ea typeface="+mn-ea"/>
-                <a:cs typeface="Courier New" pitchFamily="49" charset="0"/>
-              </a:rPr>
-              <a:t>("</a:t>
-            </a:r>
-            <a:r>
-              <a:rPr lang="en-US" sz="1400" b="1" dirty="0" err="1" smtClean="0">
-                <a:latin typeface="Courier New" pitchFamily="49" charset="0"/>
-                <a:ea typeface="+mn-ea"/>
-                <a:cs typeface="Courier New" pitchFamily="49" charset="0"/>
-              </a:rPr>
-              <a:t>myinput.txt","r</a:t>
-            </a:r>
-            <a:r>
-              <a:rPr lang="en-US" sz="1400" b="1" dirty="0" smtClean="0">
-                <a:latin typeface="Courier New" pitchFamily="49" charset="0"/>
-                <a:ea typeface="+mn-ea"/>
-                <a:cs typeface="Courier New" pitchFamily="49" charset="0"/>
-              </a:rPr>
-              <a:t>");</a:t>
-            </a:r>
-          </a:p>
-          <a:p>
-            <a:pPr fontAlgn="auto">
-              <a:spcAft>
-                <a:spcPts val="0"/>
-              </a:spcAft>
-              <a:buFont typeface="Arial" pitchFamily="34" charset="0"/>
-              <a:buNone/>
-              <a:defRPr/>
-            </a:pPr>
-            <a:r>
-              <a:rPr lang="en-US" sz="1400" b="1" dirty="0" smtClean="0">
-                <a:latin typeface="Courier New" pitchFamily="49" charset="0"/>
-                <a:ea typeface="+mn-ea"/>
-                <a:cs typeface="Courier New" pitchFamily="49" charset="0"/>
-              </a:rPr>
-              <a:t>	if (</a:t>
-            </a:r>
-            <a:r>
-              <a:rPr lang="en-US" sz="1400" b="1" dirty="0" err="1" smtClean="0">
-                <a:latin typeface="Courier New" pitchFamily="49" charset="0"/>
-                <a:ea typeface="+mn-ea"/>
-                <a:cs typeface="Courier New" pitchFamily="49" charset="0"/>
-              </a:rPr>
-              <a:t>infile</a:t>
-            </a:r>
-            <a:r>
-              <a:rPr lang="en-US" sz="1400" b="1" dirty="0" smtClean="0">
-                <a:latin typeface="Courier New" pitchFamily="49" charset="0"/>
-                <a:ea typeface="+mn-ea"/>
-                <a:cs typeface="Courier New" pitchFamily="49" charset="0"/>
-              </a:rPr>
-              <a:t>==NULL) </a:t>
-            </a:r>
-          </a:p>
-          <a:p>
-            <a:pPr fontAlgn="auto">
-              <a:spcAft>
-                <a:spcPts val="0"/>
-              </a:spcAft>
-              <a:buFont typeface="Arial" pitchFamily="34" charset="0"/>
-              <a:buNone/>
-              <a:defRPr/>
-            </a:pPr>
-            <a:r>
-              <a:rPr lang="en-US" sz="1400" b="1" dirty="0" smtClean="0">
-                <a:latin typeface="Courier New" pitchFamily="49" charset="0"/>
-                <a:ea typeface="+mn-ea"/>
-                <a:cs typeface="Courier New" pitchFamily="49" charset="0"/>
-              </a:rPr>
-              <a:t>	{ </a:t>
-            </a:r>
-          </a:p>
-          <a:p>
-            <a:pPr fontAlgn="auto">
-              <a:spcAft>
-                <a:spcPts val="0"/>
-              </a:spcAft>
-              <a:buFont typeface="Arial" pitchFamily="34" charset="0"/>
-              <a:buNone/>
-              <a:defRPr/>
-            </a:pPr>
-            <a:r>
-              <a:rPr lang="en-US" sz="1400" b="1" dirty="0" smtClean="0">
-                <a:latin typeface="Courier New" pitchFamily="49" charset="0"/>
-                <a:ea typeface="+mn-ea"/>
-                <a:cs typeface="Courier New" pitchFamily="49" charset="0"/>
-              </a:rPr>
-              <a:t>		</a:t>
-            </a:r>
-            <a:r>
-              <a:rPr lang="en-US" sz="1400" b="1" dirty="0" err="1" smtClean="0">
-                <a:latin typeface="Courier New" pitchFamily="49" charset="0"/>
-                <a:ea typeface="+mn-ea"/>
-                <a:cs typeface="Courier New" pitchFamily="49" charset="0"/>
-              </a:rPr>
-              <a:t>printf</a:t>
-            </a:r>
-            <a:r>
-              <a:rPr lang="en-US" sz="1400" b="1" dirty="0" smtClean="0">
-                <a:latin typeface="Courier New" pitchFamily="49" charset="0"/>
-                <a:ea typeface="+mn-ea"/>
-                <a:cs typeface="Courier New" pitchFamily="49" charset="0"/>
-              </a:rPr>
-              <a:t>("Error opening myinput.txt\n"); </a:t>
-            </a:r>
-          </a:p>
-          <a:p>
-            <a:pPr fontAlgn="auto">
-              <a:spcAft>
-                <a:spcPts val="0"/>
-              </a:spcAft>
-              <a:buFont typeface="Arial" pitchFamily="34" charset="0"/>
-              <a:buNone/>
-              <a:defRPr/>
-            </a:pPr>
-            <a:r>
-              <a:rPr lang="en-US" sz="1400" b="1" dirty="0" smtClean="0">
-                <a:latin typeface="Courier New" pitchFamily="49" charset="0"/>
-                <a:ea typeface="+mn-ea"/>
-                <a:cs typeface="Courier New" pitchFamily="49" charset="0"/>
-              </a:rPr>
-              <a:t>		return; </a:t>
-            </a:r>
-          </a:p>
-          <a:p>
-            <a:pPr fontAlgn="auto">
-              <a:spcAft>
-                <a:spcPts val="0"/>
-              </a:spcAft>
-              <a:buFont typeface="Arial" pitchFamily="34" charset="0"/>
-              <a:buNone/>
-              <a:defRPr/>
-            </a:pPr>
-            <a:r>
-              <a:rPr lang="en-US" sz="1400" b="1" dirty="0" smtClean="0">
-                <a:latin typeface="Courier New" pitchFamily="49" charset="0"/>
-                <a:ea typeface="+mn-ea"/>
-                <a:cs typeface="Courier New" pitchFamily="49" charset="0"/>
-              </a:rPr>
-              <a:t>	}</a:t>
-            </a:r>
-          </a:p>
-          <a:p>
-            <a:pPr fontAlgn="auto">
-              <a:spcAft>
-                <a:spcPts val="0"/>
-              </a:spcAft>
-              <a:buFont typeface="Arial" pitchFamily="34" charset="0"/>
-              <a:buNone/>
-              <a:defRPr/>
-            </a:pPr>
-            <a:r>
-              <a:rPr lang="en-US" sz="1400" b="1" dirty="0" smtClean="0">
-                <a:latin typeface="Courier New" pitchFamily="49" charset="0"/>
-                <a:ea typeface="+mn-ea"/>
-                <a:cs typeface="Courier New" pitchFamily="49" charset="0"/>
-              </a:rPr>
-              <a:t>	</a:t>
-            </a:r>
-          </a:p>
-          <a:p>
-            <a:pPr fontAlgn="auto">
-              <a:spcAft>
-                <a:spcPts val="0"/>
-              </a:spcAft>
-              <a:buFont typeface="Arial" pitchFamily="34" charset="0"/>
-              <a:buNone/>
-              <a:defRPr/>
-            </a:pPr>
-            <a:r>
-              <a:rPr lang="en-US" sz="1400" b="1" dirty="0" smtClean="0">
-                <a:latin typeface="Courier New" pitchFamily="49" charset="0"/>
-                <a:ea typeface="+mn-ea"/>
-                <a:cs typeface="Courier New" pitchFamily="49" charset="0"/>
-              </a:rPr>
-              <a:t>	// Can actually open file as part of conditional statement</a:t>
-            </a:r>
-          </a:p>
-          <a:p>
-            <a:pPr fontAlgn="auto">
-              <a:spcAft>
-                <a:spcPts val="0"/>
-              </a:spcAft>
-              <a:buFont typeface="Arial" pitchFamily="34" charset="0"/>
-              <a:buNone/>
-              <a:defRPr/>
-            </a:pPr>
-            <a:r>
-              <a:rPr lang="en-US" sz="1400" b="1" dirty="0" smtClean="0">
-                <a:latin typeface="Courier New" pitchFamily="49" charset="0"/>
-                <a:ea typeface="+mn-ea"/>
-                <a:cs typeface="Courier New" pitchFamily="49" charset="0"/>
-              </a:rPr>
-              <a:t>	if ((</a:t>
-            </a:r>
-            <a:r>
-              <a:rPr lang="en-US" sz="1400" b="1" dirty="0" err="1" smtClean="0">
-                <a:latin typeface="Courier New" pitchFamily="49" charset="0"/>
-                <a:ea typeface="+mn-ea"/>
-                <a:cs typeface="Courier New" pitchFamily="49" charset="0"/>
-              </a:rPr>
-              <a:t>outfile</a:t>
-            </a:r>
-            <a:r>
-              <a:rPr lang="en-US" sz="1400" b="1" dirty="0" smtClean="0">
-                <a:latin typeface="Courier New" pitchFamily="49" charset="0"/>
-                <a:ea typeface="+mn-ea"/>
-                <a:cs typeface="Courier New" pitchFamily="49" charset="0"/>
-              </a:rPr>
-              <a:t>=</a:t>
-            </a:r>
-            <a:r>
-              <a:rPr lang="en-US" sz="1400" b="1" dirty="0" err="1" smtClean="0">
-                <a:latin typeface="Courier New" pitchFamily="49" charset="0"/>
-                <a:ea typeface="+mn-ea"/>
-                <a:cs typeface="Courier New" pitchFamily="49" charset="0"/>
-              </a:rPr>
-              <a:t>fopen</a:t>
-            </a:r>
-            <a:r>
-              <a:rPr lang="en-US" sz="1400" b="1" dirty="0" smtClean="0">
-                <a:latin typeface="Courier New" pitchFamily="49" charset="0"/>
-                <a:ea typeface="+mn-ea"/>
-                <a:cs typeface="Courier New" pitchFamily="49" charset="0"/>
-              </a:rPr>
-              <a:t>("</a:t>
-            </a:r>
-            <a:r>
-              <a:rPr lang="en-US" sz="1400" b="1" dirty="0" err="1" smtClean="0">
-                <a:latin typeface="Courier New" pitchFamily="49" charset="0"/>
-                <a:ea typeface="+mn-ea"/>
-                <a:cs typeface="Courier New" pitchFamily="49" charset="0"/>
-              </a:rPr>
-              <a:t>myoutput.txt","w</a:t>
-            </a:r>
-            <a:r>
-              <a:rPr lang="en-US" sz="1400" b="1" dirty="0" smtClean="0">
-                <a:latin typeface="Courier New" pitchFamily="49" charset="0"/>
-                <a:ea typeface="+mn-ea"/>
-                <a:cs typeface="Courier New" pitchFamily="49" charset="0"/>
-              </a:rPr>
-              <a:t>"))==NULL) </a:t>
-            </a:r>
-          </a:p>
-          <a:p>
-            <a:pPr fontAlgn="auto">
-              <a:spcAft>
-                <a:spcPts val="0"/>
-              </a:spcAft>
-              <a:buFont typeface="Arial" pitchFamily="34" charset="0"/>
-              <a:buNone/>
-              <a:defRPr/>
-            </a:pPr>
-            <a:r>
-              <a:rPr lang="en-US" sz="1400" b="1" dirty="0" smtClean="0">
-                <a:latin typeface="Courier New" pitchFamily="49" charset="0"/>
-                <a:ea typeface="+mn-ea"/>
-                <a:cs typeface="Courier New" pitchFamily="49" charset="0"/>
-              </a:rPr>
-              <a:t>	{ </a:t>
-            </a:r>
-          </a:p>
-          <a:p>
-            <a:pPr fontAlgn="auto">
-              <a:spcAft>
-                <a:spcPts val="0"/>
-              </a:spcAft>
-              <a:buFont typeface="Arial" pitchFamily="34" charset="0"/>
-              <a:buNone/>
-              <a:defRPr/>
-            </a:pPr>
-            <a:r>
-              <a:rPr lang="en-US" sz="1400" b="1" dirty="0" smtClean="0">
-                <a:latin typeface="Courier New" pitchFamily="49" charset="0"/>
-                <a:ea typeface="+mn-ea"/>
-                <a:cs typeface="Courier New" pitchFamily="49" charset="0"/>
-              </a:rPr>
-              <a:t>		</a:t>
-            </a:r>
-            <a:r>
-              <a:rPr lang="en-US" sz="1400" b="1" dirty="0" err="1" smtClean="0">
-                <a:latin typeface="Courier New" pitchFamily="49" charset="0"/>
-                <a:ea typeface="+mn-ea"/>
-                <a:cs typeface="Courier New" pitchFamily="49" charset="0"/>
-              </a:rPr>
-              <a:t>printf</a:t>
-            </a:r>
-            <a:r>
-              <a:rPr lang="en-US" sz="1400" b="1" dirty="0" smtClean="0">
-                <a:latin typeface="Courier New" pitchFamily="49" charset="0"/>
-                <a:ea typeface="+mn-ea"/>
-                <a:cs typeface="Courier New" pitchFamily="49" charset="0"/>
-              </a:rPr>
-              <a:t>("Error opening myoutput.txt\n"); </a:t>
-            </a:r>
-          </a:p>
-          <a:p>
-            <a:pPr fontAlgn="auto">
-              <a:spcAft>
-                <a:spcPts val="0"/>
-              </a:spcAft>
-              <a:buFont typeface="Arial" pitchFamily="34" charset="0"/>
-              <a:buNone/>
-              <a:defRPr/>
-            </a:pPr>
-            <a:r>
-              <a:rPr lang="en-US" sz="1400" b="1" dirty="0" smtClean="0">
-                <a:latin typeface="Courier New" pitchFamily="49" charset="0"/>
-                <a:ea typeface="+mn-ea"/>
-                <a:cs typeface="Courier New" pitchFamily="49" charset="0"/>
-              </a:rPr>
-              <a:t>		return;</a:t>
-            </a:r>
-          </a:p>
-          <a:p>
-            <a:pPr fontAlgn="auto">
-              <a:spcAft>
-                <a:spcPts val="0"/>
-              </a:spcAft>
-              <a:buFont typeface="Arial" pitchFamily="34" charset="0"/>
-              <a:buNone/>
-              <a:defRPr/>
-            </a:pPr>
-            <a:r>
-              <a:rPr lang="en-US" sz="1400" b="1" dirty="0" smtClean="0">
-                <a:latin typeface="Courier New" pitchFamily="49" charset="0"/>
-                <a:ea typeface="+mn-ea"/>
-                <a:cs typeface="Courier New" pitchFamily="49" charset="0"/>
-              </a:rPr>
-              <a:t>	}</a:t>
-            </a:r>
-          </a:p>
-          <a:p>
-            <a:pPr fontAlgn="auto">
-              <a:spcAft>
-                <a:spcPts val="0"/>
-              </a:spcAft>
-              <a:buFont typeface="Arial" pitchFamily="34" charset="0"/>
-              <a:buNone/>
-              <a:defRPr/>
-            </a:pPr>
-            <a:endParaRPr lang="en-US" sz="1400" b="1" dirty="0" smtClean="0">
-              <a:latin typeface="Courier New" pitchFamily="49" charset="0"/>
-              <a:ea typeface="+mn-ea"/>
-              <a:cs typeface="Courier New" pitchFamily="49" charset="0"/>
-            </a:endParaRPr>
-          </a:p>
-          <a:p>
-            <a:pPr fontAlgn="auto">
-              <a:spcAft>
-                <a:spcPts val="0"/>
-              </a:spcAft>
-              <a:buFont typeface="Arial" pitchFamily="34" charset="0"/>
-              <a:buNone/>
-              <a:defRPr/>
-            </a:pPr>
-            <a:endParaRPr lang="en-US" sz="1400" b="1" dirty="0" smtClean="0">
-              <a:latin typeface="Courier New" pitchFamily="49" charset="0"/>
-              <a:ea typeface="+mn-ea"/>
-              <a:cs typeface="Courier New" pitchFamily="49" charset="0"/>
-            </a:endParaRPr>
-          </a:p>
-        </p:txBody>
-      </p:sp>
-      <p:sp>
-        <p:nvSpPr>
-          <p:cNvPr id="26627" name="Date Placeholder 3"/>
-          <p:cNvSpPr>
-            <a:spLocks noGrp="1"/>
-          </p:cNvSpPr>
-          <p:nvPr>
-            <p:ph type="dt" sz="quarter" idx="10"/>
-          </p:nvPr>
-        </p:nvSpPr>
-        <p:spPr>
-          <a:noFill/>
-          <a:ln/>
-          <a:extLst>
-            <a:ext uri="{909E8E84-426E-40DD-AFC4-6F175D3DCCD1}">
-              <a14:hiddenFill xmlns:a14="http://schemas.microsoft.com/office/drawing/2010/main">
-                <a:solidFill>
-                  <a:srgbClr val="FFFFFF"/>
-                </a:solidFill>
-              </a14:hiddenFill>
-            </a:ext>
-            <a:ext uri="{91240B29-F687-4F45-9708-019B960494DF}">
-              <a14:hiddenLine xmlns:a14="http://schemas.microsoft.com/office/drawing/2010/main" w="9525">
-                <a:solidFill>
-                  <a:srgbClr val="000000"/>
-                </a:solidFill>
-                <a:miter lim="800000"/>
-                <a:headEnd/>
-                <a:tailEnd/>
-              </a14:hiddenLine>
-            </a:ext>
-          </a:extLst>
-        </p:spPr>
-        <p:txBody>
-          <a:bodyPr/>
-          <a:lstStyle>
-            <a:lvl1pPr eaLnBrk="0" hangingPunct="0">
-              <a:defRPr sz="2400">
-                <a:solidFill>
-                  <a:schemeClr val="tx1"/>
-                </a:solidFill>
-                <a:latin typeface="Arial" charset="0"/>
-                <a:ea typeface="ＭＳ Ｐゴシック" charset="0"/>
-                <a:cs typeface="ＭＳ Ｐゴシック" charset="0"/>
-              </a:defRPr>
-            </a:lvl1pPr>
-            <a:lvl2pPr marL="742950" indent="-285750" eaLnBrk="0" hangingPunct="0">
-              <a:defRPr sz="2400">
-                <a:solidFill>
-                  <a:schemeClr val="tx1"/>
-                </a:solidFill>
-                <a:latin typeface="Arial" charset="0"/>
-                <a:ea typeface="ＭＳ Ｐゴシック" charset="0"/>
-              </a:defRPr>
-            </a:lvl2pPr>
-            <a:lvl3pPr marL="1143000" indent="-228600" eaLnBrk="0" hangingPunct="0">
-              <a:defRPr sz="2400">
-                <a:solidFill>
-                  <a:schemeClr val="tx1"/>
-                </a:solidFill>
-                <a:latin typeface="Arial" charset="0"/>
-                <a:ea typeface="ＭＳ Ｐゴシック" charset="0"/>
-              </a:defRPr>
-            </a:lvl3pPr>
-            <a:lvl4pPr marL="1600200" indent="-228600" eaLnBrk="0" hangingPunct="0">
-              <a:defRPr sz="2400">
-                <a:solidFill>
-                  <a:schemeClr val="tx1"/>
-                </a:solidFill>
-                <a:latin typeface="Arial" charset="0"/>
-                <a:ea typeface="ＭＳ Ｐゴシック" charset="0"/>
-              </a:defRPr>
-            </a:lvl4pPr>
-            <a:lvl5pPr marL="2057400" indent="-228600" eaLnBrk="0" hangingPunct="0">
-              <a:defRPr sz="2400">
-                <a:solidFill>
-                  <a:schemeClr val="tx1"/>
-                </a:solidFill>
-                <a:latin typeface="Arial" charset="0"/>
-                <a:ea typeface="ＭＳ Ｐゴシック" charset="0"/>
-              </a:defRPr>
-            </a:lvl5pPr>
-            <a:lvl6pPr marL="2514600" indent="-228600" eaLnBrk="0" fontAlgn="base" hangingPunct="0">
-              <a:spcBef>
-                <a:spcPct val="0"/>
-              </a:spcBef>
-              <a:spcAft>
-                <a:spcPct val="0"/>
-              </a:spcAft>
-              <a:defRPr sz="2400">
-                <a:solidFill>
-                  <a:schemeClr val="tx1"/>
-                </a:solidFill>
-                <a:latin typeface="Arial" charset="0"/>
-                <a:ea typeface="ＭＳ Ｐゴシック" charset="0"/>
-              </a:defRPr>
-            </a:lvl6pPr>
-            <a:lvl7pPr marL="2971800" indent="-228600" eaLnBrk="0" fontAlgn="base" hangingPunct="0">
-              <a:spcBef>
-                <a:spcPct val="0"/>
-              </a:spcBef>
-              <a:spcAft>
-                <a:spcPct val="0"/>
-              </a:spcAft>
-              <a:defRPr sz="2400">
-                <a:solidFill>
-                  <a:schemeClr val="tx1"/>
-                </a:solidFill>
-                <a:latin typeface="Arial" charset="0"/>
-                <a:ea typeface="ＭＳ Ｐゴシック" charset="0"/>
-              </a:defRPr>
-            </a:lvl7pPr>
-            <a:lvl8pPr marL="3429000" indent="-228600" eaLnBrk="0" fontAlgn="base" hangingPunct="0">
-              <a:spcBef>
-                <a:spcPct val="0"/>
-              </a:spcBef>
-              <a:spcAft>
-                <a:spcPct val="0"/>
-              </a:spcAft>
-              <a:defRPr sz="2400">
-                <a:solidFill>
-                  <a:schemeClr val="tx1"/>
-                </a:solidFill>
-                <a:latin typeface="Arial" charset="0"/>
-                <a:ea typeface="ＭＳ Ｐゴシック" charset="0"/>
-              </a:defRPr>
-            </a:lvl8pPr>
-            <a:lvl9pPr marL="3886200" indent="-228600" eaLnBrk="0" fontAlgn="base" hangingPunct="0">
-              <a:spcBef>
-                <a:spcPct val="0"/>
-              </a:spcBef>
-              <a:spcAft>
-                <a:spcPct val="0"/>
-              </a:spcAft>
-              <a:defRPr sz="2400">
-                <a:solidFill>
-                  <a:schemeClr val="tx1"/>
-                </a:solidFill>
-                <a:latin typeface="Arial" charset="0"/>
-                <a:ea typeface="ＭＳ Ｐゴシック" charset="0"/>
-              </a:defRPr>
-            </a:lvl9pPr>
-          </a:lstStyle>
-          <a:p>
-            <a:pPr eaLnBrk="1" hangingPunct="1"/>
-            <a:fld id="{664940F3-9CD2-1844-9FB4-3AEEFD6F2401}" type="datetime1">
-              <a:rPr lang="en-US" sz="1200" smtClean="0">
-                <a:latin typeface="Garamond" charset="0"/>
-              </a:rPr>
-              <a:t>11/28/18</a:t>
-            </a:fld>
-            <a:endParaRPr lang="en-US" sz="1200">
-              <a:latin typeface="Garamond" charset="0"/>
-            </a:endParaRPr>
-          </a:p>
-        </p:txBody>
-      </p:sp>
-      <p:sp>
-        <p:nvSpPr>
-          <p:cNvPr id="26628" name="Slide Number Placeholder 4"/>
-          <p:cNvSpPr>
-            <a:spLocks noGrp="1"/>
-          </p:cNvSpPr>
-          <p:nvPr>
-            <p:ph type="sldNum" sz="quarter" idx="12"/>
-          </p:nvPr>
-        </p:nvSpPr>
-        <p:spPr>
-          <a:noFill/>
-          <a:ln/>
-          <a:extLst>
-            <a:ext uri="{909E8E84-426E-40DD-AFC4-6F175D3DCCD1}">
-              <a14:hiddenFill xmlns:a14="http://schemas.microsoft.com/office/drawing/2010/main">
-                <a:solidFill>
-                  <a:srgbClr val="FFFFFF"/>
-                </a:solidFill>
-              </a14:hiddenFill>
-            </a:ext>
-            <a:ext uri="{91240B29-F687-4F45-9708-019B960494DF}">
-              <a14:hiddenLine xmlns:a14="http://schemas.microsoft.com/office/drawing/2010/main" w="9525">
-                <a:solidFill>
-                  <a:srgbClr val="000000"/>
-                </a:solidFill>
-                <a:miter lim="800000"/>
-                <a:headEnd/>
-                <a:tailEnd/>
-              </a14:hiddenLine>
-            </a:ext>
-          </a:extLst>
-        </p:spPr>
-        <p:txBody>
-          <a:bodyPr/>
-          <a:lstStyle>
-            <a:lvl1pPr eaLnBrk="0" hangingPunct="0">
-              <a:defRPr sz="2400">
-                <a:solidFill>
-                  <a:schemeClr val="tx1"/>
-                </a:solidFill>
-                <a:latin typeface="Arial" charset="0"/>
-                <a:ea typeface="ＭＳ Ｐゴシック" charset="0"/>
-                <a:cs typeface="ＭＳ Ｐゴシック" charset="0"/>
-              </a:defRPr>
-            </a:lvl1pPr>
-            <a:lvl2pPr marL="742950" indent="-285750" eaLnBrk="0" hangingPunct="0">
-              <a:defRPr sz="2400">
-                <a:solidFill>
-                  <a:schemeClr val="tx1"/>
-                </a:solidFill>
-                <a:latin typeface="Arial" charset="0"/>
-                <a:ea typeface="ＭＳ Ｐゴシック" charset="0"/>
-              </a:defRPr>
-            </a:lvl2pPr>
-            <a:lvl3pPr marL="1143000" indent="-228600" eaLnBrk="0" hangingPunct="0">
-              <a:defRPr sz="2400">
-                <a:solidFill>
-                  <a:schemeClr val="tx1"/>
-                </a:solidFill>
-                <a:latin typeface="Arial" charset="0"/>
-                <a:ea typeface="ＭＳ Ｐゴシック" charset="0"/>
-              </a:defRPr>
-            </a:lvl3pPr>
-            <a:lvl4pPr marL="1600200" indent="-228600" eaLnBrk="0" hangingPunct="0">
-              <a:defRPr sz="2400">
-                <a:solidFill>
-                  <a:schemeClr val="tx1"/>
-                </a:solidFill>
-                <a:latin typeface="Arial" charset="0"/>
-                <a:ea typeface="ＭＳ Ｐゴシック" charset="0"/>
-              </a:defRPr>
-            </a:lvl4pPr>
-            <a:lvl5pPr marL="2057400" indent="-228600" eaLnBrk="0" hangingPunct="0">
-              <a:defRPr sz="2400">
-                <a:solidFill>
-                  <a:schemeClr val="tx1"/>
-                </a:solidFill>
-                <a:latin typeface="Arial" charset="0"/>
-                <a:ea typeface="ＭＳ Ｐゴシック" charset="0"/>
-              </a:defRPr>
-            </a:lvl5pPr>
-            <a:lvl6pPr marL="2514600" indent="-228600" eaLnBrk="0" fontAlgn="base" hangingPunct="0">
-              <a:spcBef>
-                <a:spcPct val="0"/>
-              </a:spcBef>
-              <a:spcAft>
-                <a:spcPct val="0"/>
-              </a:spcAft>
-              <a:defRPr sz="2400">
-                <a:solidFill>
-                  <a:schemeClr val="tx1"/>
-                </a:solidFill>
-                <a:latin typeface="Arial" charset="0"/>
-                <a:ea typeface="ＭＳ Ｐゴシック" charset="0"/>
-              </a:defRPr>
-            </a:lvl6pPr>
-            <a:lvl7pPr marL="2971800" indent="-228600" eaLnBrk="0" fontAlgn="base" hangingPunct="0">
-              <a:spcBef>
-                <a:spcPct val="0"/>
-              </a:spcBef>
-              <a:spcAft>
-                <a:spcPct val="0"/>
-              </a:spcAft>
-              <a:defRPr sz="2400">
-                <a:solidFill>
-                  <a:schemeClr val="tx1"/>
-                </a:solidFill>
-                <a:latin typeface="Arial" charset="0"/>
-                <a:ea typeface="ＭＳ Ｐゴシック" charset="0"/>
-              </a:defRPr>
-            </a:lvl7pPr>
-            <a:lvl8pPr marL="3429000" indent="-228600" eaLnBrk="0" fontAlgn="base" hangingPunct="0">
-              <a:spcBef>
-                <a:spcPct val="0"/>
-              </a:spcBef>
-              <a:spcAft>
-                <a:spcPct val="0"/>
-              </a:spcAft>
-              <a:defRPr sz="2400">
-                <a:solidFill>
-                  <a:schemeClr val="tx1"/>
-                </a:solidFill>
-                <a:latin typeface="Arial" charset="0"/>
-                <a:ea typeface="ＭＳ Ｐゴシック" charset="0"/>
-              </a:defRPr>
-            </a:lvl8pPr>
-            <a:lvl9pPr marL="3886200" indent="-228600" eaLnBrk="0" fontAlgn="base" hangingPunct="0">
-              <a:spcBef>
-                <a:spcPct val="0"/>
-              </a:spcBef>
-              <a:spcAft>
-                <a:spcPct val="0"/>
-              </a:spcAft>
-              <a:defRPr sz="2400">
-                <a:solidFill>
-                  <a:schemeClr val="tx1"/>
-                </a:solidFill>
-                <a:latin typeface="Arial" charset="0"/>
-                <a:ea typeface="ＭＳ Ｐゴシック" charset="0"/>
-              </a:defRPr>
-            </a:lvl9pPr>
-          </a:lstStyle>
-          <a:p>
-            <a:pPr eaLnBrk="1" hangingPunct="1"/>
-            <a:fld id="{ECF2F601-F21C-0944-B237-EBBDF49CB6F5}" type="slidenum">
-              <a:rPr lang="en-US" sz="1200">
-                <a:latin typeface="Garamond" charset="0"/>
-              </a:rPr>
-              <a:pPr eaLnBrk="1" hangingPunct="1"/>
-              <a:t>20</a:t>
-            </a:fld>
-            <a:endParaRPr lang="en-US" sz="1200">
-              <a:latin typeface="Garamond" charset="0"/>
-            </a:endParaRPr>
-          </a:p>
-        </p:txBody>
-      </p:sp>
-      <p:sp>
-        <p:nvSpPr>
-          <p:cNvPr id="6" name="Footer Placeholder 5"/>
-          <p:cNvSpPr>
-            <a:spLocks noGrp="1"/>
-          </p:cNvSpPr>
-          <p:nvPr>
-            <p:ph type="ftr" sz="quarter" idx="11"/>
-          </p:nvPr>
-        </p:nvSpPr>
-        <p:spPr/>
-        <p:txBody>
-          <a:bodyPr/>
-          <a:lstStyle/>
-          <a:p>
-            <a:pPr>
-              <a:defRPr/>
-            </a:pPr>
-            <a:r>
-              <a:rPr lang="en-US" altLang="en-US" smtClean="0"/>
-              <a:t>ECE Application Programming: Lecture 32</a:t>
-            </a:r>
-            <a:endParaRPr lang="en-US" altLang="en-US"/>
-          </a:p>
-        </p:txBody>
-      </p:sp>
-    </p:spTree>
-    <p:extLst>
-      <p:ext uri="{BB962C8B-B14F-4D97-AF65-F5344CB8AC3E}">
-        <p14:creationId xmlns:p14="http://schemas.microsoft.com/office/powerpoint/2010/main" val="1382305043"/>
-      </p:ext>
-    </p:extLst>
-  </p:cSld>
-  <p:clrMapOvr>
-    <a:masterClrMapping/>
-  </p:clrMapOvr>
-  <p:timing>
-    <p:tnLst>
-      <p:par>
-        <p:cTn id="1" dur="indefinite" restart="never" nodeType="tmRoot"/>
-      </p:par>
-    </p:tnLst>
-  </p:timing>
-</p:sld>
-</file>
-
-<file path=ppt/slides/slide21.xml><?xml version="1.0" encoding="utf-8"?>
-<p:sld xmlns:a="http://schemas.openxmlformats.org/drawingml/2006/main" xmlns:r="http://schemas.openxmlformats.org/officeDocument/2006/relationships" xmlns:p="http://schemas.openxmlformats.org/presentationml/2006/main">
-  <p:cSld>
-    <p:spTree>
-      <p:nvGrpSpPr>
-        <p:cNvPr id="1" name=""/>
-        <p:cNvGrpSpPr/>
-        <p:nvPr/>
-      </p:nvGrpSpPr>
-      <p:grpSpPr>
-        <a:xfrm>
-          <a:off x="0" y="0"/>
-          <a:ext cx="0" cy="0"/>
-          <a:chOff x="0" y="0"/>
-          <a:chExt cx="0" cy="0"/>
-        </a:xfrm>
-      </p:grpSpPr>
-      <p:sp>
-        <p:nvSpPr>
-          <p:cNvPr id="2" name="Title 1"/>
-          <p:cNvSpPr>
-            <a:spLocks noGrp="1"/>
-          </p:cNvSpPr>
-          <p:nvPr>
-            <p:ph type="title"/>
-          </p:nvPr>
-        </p:nvSpPr>
-        <p:spPr>
-          <a:xfrm>
-            <a:off x="457200" y="274638"/>
-            <a:ext cx="8229600" cy="639762"/>
-          </a:xfrm>
-        </p:spPr>
-        <p:txBody>
-          <a:bodyPr rtlCol="0">
-            <a:normAutofit fontScale="90000"/>
-          </a:bodyPr>
-          <a:lstStyle/>
-          <a:p>
-            <a:pPr fontAlgn="auto">
-              <a:spcAft>
-                <a:spcPts val="0"/>
-              </a:spcAft>
-              <a:defRPr/>
-            </a:pPr>
-            <a:r>
-              <a:rPr lang="en-US" dirty="0" smtClean="0">
-                <a:ea typeface="+mj-ea"/>
-                <a:cs typeface="+mj-cs"/>
-              </a:rPr>
-              <a:t>The program (part 2)</a:t>
-            </a:r>
-          </a:p>
-        </p:txBody>
-      </p:sp>
-      <p:sp>
-        <p:nvSpPr>
-          <p:cNvPr id="27650" name="Content Placeholder 2"/>
-          <p:cNvSpPr>
-            <a:spLocks noGrp="1"/>
-          </p:cNvSpPr>
-          <p:nvPr>
-            <p:ph idx="1"/>
-          </p:nvPr>
-        </p:nvSpPr>
-        <p:spPr>
-          <a:xfrm>
-            <a:off x="457200" y="838200"/>
-            <a:ext cx="8229600" cy="5287963"/>
-          </a:xfrm>
-        </p:spPr>
-        <p:txBody>
-          <a:bodyPr/>
-          <a:lstStyle/>
-          <a:p>
-            <a:endParaRPr lang="en-US" sz="1400">
-              <a:latin typeface="Arial" charset="0"/>
-            </a:endParaRPr>
-          </a:p>
-          <a:p>
-            <a:pPr>
-              <a:buFont typeface="Arial" charset="0"/>
-              <a:buNone/>
-            </a:pPr>
-            <a:r>
-              <a:rPr lang="en-US" sz="1400">
-                <a:latin typeface="Courier New" charset="0"/>
-                <a:cs typeface="Courier New" charset="0"/>
-              </a:rPr>
-              <a:t>	</a:t>
-            </a:r>
-            <a:r>
-              <a:rPr lang="en-US" sz="1400" b="1">
-                <a:latin typeface="Courier New" charset="0"/>
-                <a:cs typeface="Courier New" charset="0"/>
-              </a:rPr>
-              <a:t>// Read the three values </a:t>
-            </a:r>
-          </a:p>
-          <a:p>
-            <a:pPr>
-              <a:buFont typeface="Arial" charset="0"/>
-              <a:buNone/>
-            </a:pPr>
-            <a:r>
-              <a:rPr lang="en-US" sz="1400" b="1">
-                <a:latin typeface="Courier New" charset="0"/>
-                <a:cs typeface="Courier New" charset="0"/>
-              </a:rPr>
-              <a:t>	fscanf(infile, "%d %d %d", &amp;x, &amp;y, &amp;z);</a:t>
-            </a:r>
-          </a:p>
-          <a:p>
-            <a:pPr>
-              <a:buFont typeface="Arial" charset="0"/>
-              <a:buNone/>
-            </a:pPr>
-            <a:endParaRPr lang="en-US" sz="1400" b="1">
-              <a:latin typeface="Courier New" charset="0"/>
-              <a:cs typeface="Courier New" charset="0"/>
-            </a:endParaRPr>
-          </a:p>
-          <a:p>
-            <a:pPr>
-              <a:buFont typeface="Arial" charset="0"/>
-              <a:buNone/>
-            </a:pPr>
-            <a:r>
-              <a:rPr lang="en-US" sz="1400" b="1">
-                <a:latin typeface="Courier New" charset="0"/>
-                <a:cs typeface="Courier New" charset="0"/>
-              </a:rPr>
-              <a:t>	// Compute sum and average</a:t>
-            </a:r>
-          </a:p>
-          <a:p>
-            <a:pPr>
-              <a:buFont typeface="Arial" charset="0"/>
-              <a:buNone/>
-            </a:pPr>
-            <a:r>
-              <a:rPr lang="en-US" sz="1400" b="1">
-                <a:latin typeface="Courier New" charset="0"/>
-                <a:cs typeface="Courier New" charset="0"/>
-              </a:rPr>
-              <a:t>	sum = x + y + z;</a:t>
-            </a:r>
-          </a:p>
-          <a:p>
-            <a:pPr>
-              <a:buFont typeface="Arial" charset="0"/>
-              <a:buNone/>
-            </a:pPr>
-            <a:r>
-              <a:rPr lang="en-US" sz="1400" b="1">
-                <a:latin typeface="Courier New" charset="0"/>
-                <a:cs typeface="Courier New" charset="0"/>
-              </a:rPr>
-              <a:t>	avg = sum / 3.0;</a:t>
-            </a:r>
-          </a:p>
-          <a:p>
-            <a:pPr>
-              <a:buFont typeface="Arial" charset="0"/>
-              <a:buNone/>
-            </a:pPr>
-            <a:endParaRPr lang="en-US" sz="1400" b="1">
-              <a:latin typeface="Courier New" charset="0"/>
-              <a:cs typeface="Courier New" charset="0"/>
-            </a:endParaRPr>
-          </a:p>
-          <a:p>
-            <a:pPr>
-              <a:buFont typeface="Arial" charset="0"/>
-              <a:buNone/>
-            </a:pPr>
-            <a:r>
-              <a:rPr lang="en-US" sz="1400" b="1">
-                <a:latin typeface="Courier New" charset="0"/>
-                <a:cs typeface="Courier New" charset="0"/>
-              </a:rPr>
-              <a:t>	// print out values</a:t>
-            </a:r>
-          </a:p>
-          <a:p>
-            <a:pPr>
-              <a:buFont typeface="Arial" charset="0"/>
-              <a:buNone/>
-            </a:pPr>
-            <a:r>
-              <a:rPr lang="fr-FR" sz="1400" b="1">
-                <a:latin typeface="Courier New" charset="0"/>
-                <a:cs typeface="Courier New" charset="0"/>
-              </a:rPr>
-              <a:t>	fprintf(outfile, "Values: %d, %d, %d\n", x, y, z);</a:t>
-            </a:r>
-          </a:p>
-          <a:p>
-            <a:pPr>
-              <a:buFont typeface="Arial" charset="0"/>
-              <a:buNone/>
-            </a:pPr>
-            <a:r>
-              <a:rPr lang="en-US" sz="1400" b="1">
-                <a:latin typeface="Courier New" charset="0"/>
-                <a:cs typeface="Courier New" charset="0"/>
-              </a:rPr>
-              <a:t>	fprintf(outfile, "Sum: %d\n",sum);</a:t>
-            </a:r>
-          </a:p>
-          <a:p>
-            <a:pPr>
-              <a:buFont typeface="Arial" charset="0"/>
-              <a:buNone/>
-            </a:pPr>
-            <a:r>
-              <a:rPr lang="en-US" sz="1400" b="1">
-                <a:latin typeface="Courier New" charset="0"/>
-                <a:cs typeface="Courier New" charset="0"/>
-              </a:rPr>
-              <a:t>	fprintf(outfile, "Avg: %lf\n",avg);</a:t>
-            </a:r>
-          </a:p>
-          <a:p>
-            <a:pPr>
-              <a:buFont typeface="Arial" charset="0"/>
-              <a:buNone/>
-            </a:pPr>
-            <a:endParaRPr lang="en-US" sz="1400" b="1">
-              <a:latin typeface="Courier New" charset="0"/>
-              <a:cs typeface="Courier New" charset="0"/>
-            </a:endParaRPr>
-          </a:p>
-          <a:p>
-            <a:pPr>
-              <a:buFont typeface="Arial" charset="0"/>
-              <a:buNone/>
-            </a:pPr>
-            <a:r>
-              <a:rPr lang="en-US" sz="1400" b="1">
-                <a:latin typeface="Courier New" charset="0"/>
-                <a:cs typeface="Courier New" charset="0"/>
-              </a:rPr>
-              <a:t>	// close the files</a:t>
-            </a:r>
-          </a:p>
-          <a:p>
-            <a:pPr>
-              <a:buFont typeface="Arial" charset="0"/>
-              <a:buNone/>
-            </a:pPr>
-            <a:r>
-              <a:rPr lang="en-US" sz="1400" b="1">
-                <a:latin typeface="Courier New" charset="0"/>
-                <a:cs typeface="Courier New" charset="0"/>
-              </a:rPr>
-              <a:t>	fclose(infile);</a:t>
-            </a:r>
-          </a:p>
-          <a:p>
-            <a:pPr>
-              <a:buFont typeface="Arial" charset="0"/>
-              <a:buNone/>
-            </a:pPr>
-            <a:r>
-              <a:rPr lang="en-US" sz="1400" b="1">
-                <a:latin typeface="Courier New" charset="0"/>
-                <a:cs typeface="Courier New" charset="0"/>
-              </a:rPr>
-              <a:t>	fclose(outfile);</a:t>
-            </a:r>
-          </a:p>
-          <a:p>
-            <a:pPr>
-              <a:buFont typeface="Arial" charset="0"/>
-              <a:buNone/>
-            </a:pPr>
-            <a:r>
-              <a:rPr lang="en-US" sz="1400" b="1">
-                <a:latin typeface="Courier New" charset="0"/>
-                <a:cs typeface="Courier New" charset="0"/>
-              </a:rPr>
-              <a:t>}</a:t>
-            </a:r>
-          </a:p>
-          <a:p>
-            <a:pPr>
-              <a:buFont typeface="Arial" charset="0"/>
-              <a:buNone/>
-            </a:pPr>
-            <a:endParaRPr lang="en-US" sz="1400">
-              <a:latin typeface="Courier New" charset="0"/>
-              <a:cs typeface="Courier New" charset="0"/>
-            </a:endParaRPr>
-          </a:p>
-          <a:p>
-            <a:pPr>
-              <a:buFont typeface="Arial" charset="0"/>
-              <a:buNone/>
-            </a:pPr>
-            <a:endParaRPr lang="en-US" sz="1400">
-              <a:latin typeface="Courier New" charset="0"/>
-              <a:cs typeface="Courier New" charset="0"/>
-            </a:endParaRPr>
-          </a:p>
-        </p:txBody>
-      </p:sp>
-      <p:sp>
-        <p:nvSpPr>
-          <p:cNvPr id="27651" name="Date Placeholder 3"/>
-          <p:cNvSpPr>
-            <a:spLocks noGrp="1"/>
-          </p:cNvSpPr>
-          <p:nvPr>
-            <p:ph type="dt" sz="quarter" idx="10"/>
-          </p:nvPr>
-        </p:nvSpPr>
-        <p:spPr>
-          <a:noFill/>
-          <a:ln/>
-          <a:extLst>
-            <a:ext uri="{909E8E84-426E-40DD-AFC4-6F175D3DCCD1}">
-              <a14:hiddenFill xmlns:a14="http://schemas.microsoft.com/office/drawing/2010/main">
-                <a:solidFill>
-                  <a:srgbClr val="FFFFFF"/>
-                </a:solidFill>
-              </a14:hiddenFill>
-            </a:ext>
-            <a:ext uri="{91240B29-F687-4F45-9708-019B960494DF}">
-              <a14:hiddenLine xmlns:a14="http://schemas.microsoft.com/office/drawing/2010/main" w="9525">
-                <a:solidFill>
-                  <a:srgbClr val="000000"/>
-                </a:solidFill>
-                <a:miter lim="800000"/>
-                <a:headEnd/>
-                <a:tailEnd/>
-              </a14:hiddenLine>
-            </a:ext>
-          </a:extLst>
-        </p:spPr>
-        <p:txBody>
-          <a:bodyPr/>
-          <a:lstStyle>
-            <a:lvl1pPr eaLnBrk="0" hangingPunct="0">
-              <a:defRPr sz="2400">
-                <a:solidFill>
-                  <a:schemeClr val="tx1"/>
-                </a:solidFill>
-                <a:latin typeface="Arial" charset="0"/>
-                <a:ea typeface="ＭＳ Ｐゴシック" charset="0"/>
-                <a:cs typeface="ＭＳ Ｐゴシック" charset="0"/>
-              </a:defRPr>
-            </a:lvl1pPr>
-            <a:lvl2pPr marL="742950" indent="-285750" eaLnBrk="0" hangingPunct="0">
-              <a:defRPr sz="2400">
-                <a:solidFill>
-                  <a:schemeClr val="tx1"/>
-                </a:solidFill>
-                <a:latin typeface="Arial" charset="0"/>
-                <a:ea typeface="ＭＳ Ｐゴシック" charset="0"/>
-              </a:defRPr>
-            </a:lvl2pPr>
-            <a:lvl3pPr marL="1143000" indent="-228600" eaLnBrk="0" hangingPunct="0">
-              <a:defRPr sz="2400">
-                <a:solidFill>
-                  <a:schemeClr val="tx1"/>
-                </a:solidFill>
-                <a:latin typeface="Arial" charset="0"/>
-                <a:ea typeface="ＭＳ Ｐゴシック" charset="0"/>
-              </a:defRPr>
-            </a:lvl3pPr>
-            <a:lvl4pPr marL="1600200" indent="-228600" eaLnBrk="0" hangingPunct="0">
-              <a:defRPr sz="2400">
-                <a:solidFill>
-                  <a:schemeClr val="tx1"/>
-                </a:solidFill>
-                <a:latin typeface="Arial" charset="0"/>
-                <a:ea typeface="ＭＳ Ｐゴシック" charset="0"/>
-              </a:defRPr>
-            </a:lvl4pPr>
-            <a:lvl5pPr marL="2057400" indent="-228600" eaLnBrk="0" hangingPunct="0">
-              <a:defRPr sz="2400">
-                <a:solidFill>
-                  <a:schemeClr val="tx1"/>
-                </a:solidFill>
-                <a:latin typeface="Arial" charset="0"/>
-                <a:ea typeface="ＭＳ Ｐゴシック" charset="0"/>
-              </a:defRPr>
-            </a:lvl5pPr>
-            <a:lvl6pPr marL="2514600" indent="-228600" eaLnBrk="0" fontAlgn="base" hangingPunct="0">
-              <a:spcBef>
-                <a:spcPct val="0"/>
-              </a:spcBef>
-              <a:spcAft>
-                <a:spcPct val="0"/>
-              </a:spcAft>
-              <a:defRPr sz="2400">
-                <a:solidFill>
-                  <a:schemeClr val="tx1"/>
-                </a:solidFill>
-                <a:latin typeface="Arial" charset="0"/>
-                <a:ea typeface="ＭＳ Ｐゴシック" charset="0"/>
-              </a:defRPr>
-            </a:lvl6pPr>
-            <a:lvl7pPr marL="2971800" indent="-228600" eaLnBrk="0" fontAlgn="base" hangingPunct="0">
-              <a:spcBef>
-                <a:spcPct val="0"/>
-              </a:spcBef>
-              <a:spcAft>
-                <a:spcPct val="0"/>
-              </a:spcAft>
-              <a:defRPr sz="2400">
-                <a:solidFill>
-                  <a:schemeClr val="tx1"/>
-                </a:solidFill>
-                <a:latin typeface="Arial" charset="0"/>
-                <a:ea typeface="ＭＳ Ｐゴシック" charset="0"/>
-              </a:defRPr>
-            </a:lvl7pPr>
-            <a:lvl8pPr marL="3429000" indent="-228600" eaLnBrk="0" fontAlgn="base" hangingPunct="0">
-              <a:spcBef>
-                <a:spcPct val="0"/>
-              </a:spcBef>
-              <a:spcAft>
-                <a:spcPct val="0"/>
-              </a:spcAft>
-              <a:defRPr sz="2400">
-                <a:solidFill>
-                  <a:schemeClr val="tx1"/>
-                </a:solidFill>
-                <a:latin typeface="Arial" charset="0"/>
-                <a:ea typeface="ＭＳ Ｐゴシック" charset="0"/>
-              </a:defRPr>
-            </a:lvl8pPr>
-            <a:lvl9pPr marL="3886200" indent="-228600" eaLnBrk="0" fontAlgn="base" hangingPunct="0">
-              <a:spcBef>
-                <a:spcPct val="0"/>
-              </a:spcBef>
-              <a:spcAft>
-                <a:spcPct val="0"/>
-              </a:spcAft>
-              <a:defRPr sz="2400">
-                <a:solidFill>
-                  <a:schemeClr val="tx1"/>
-                </a:solidFill>
-                <a:latin typeface="Arial" charset="0"/>
-                <a:ea typeface="ＭＳ Ｐゴシック" charset="0"/>
-              </a:defRPr>
-            </a:lvl9pPr>
-          </a:lstStyle>
-          <a:p>
-            <a:pPr eaLnBrk="1" hangingPunct="1"/>
-            <a:fld id="{32986B92-1004-754E-887F-039E82F5D27B}" type="datetime1">
-              <a:rPr lang="en-US" sz="1200" smtClean="0">
-                <a:latin typeface="Garamond" charset="0"/>
-              </a:rPr>
-              <a:t>11/28/18</a:t>
-            </a:fld>
-            <a:endParaRPr lang="en-US" sz="1200">
-              <a:latin typeface="Garamond" charset="0"/>
-            </a:endParaRPr>
-          </a:p>
-        </p:txBody>
-      </p:sp>
-      <p:sp>
-        <p:nvSpPr>
-          <p:cNvPr id="27652" name="Slide Number Placeholder 4"/>
-          <p:cNvSpPr>
-            <a:spLocks noGrp="1"/>
-          </p:cNvSpPr>
-          <p:nvPr>
-            <p:ph type="sldNum" sz="quarter" idx="12"/>
-          </p:nvPr>
-        </p:nvSpPr>
-        <p:spPr>
-          <a:noFill/>
-          <a:ln/>
-          <a:extLst>
-            <a:ext uri="{909E8E84-426E-40DD-AFC4-6F175D3DCCD1}">
-              <a14:hiddenFill xmlns:a14="http://schemas.microsoft.com/office/drawing/2010/main">
-                <a:solidFill>
-                  <a:srgbClr val="FFFFFF"/>
-                </a:solidFill>
-              </a14:hiddenFill>
-            </a:ext>
-            <a:ext uri="{91240B29-F687-4F45-9708-019B960494DF}">
-              <a14:hiddenLine xmlns:a14="http://schemas.microsoft.com/office/drawing/2010/main" w="9525">
-                <a:solidFill>
-                  <a:srgbClr val="000000"/>
-                </a:solidFill>
-                <a:miter lim="800000"/>
-                <a:headEnd/>
-                <a:tailEnd/>
-              </a14:hiddenLine>
-            </a:ext>
-          </a:extLst>
-        </p:spPr>
-        <p:txBody>
-          <a:bodyPr/>
-          <a:lstStyle>
-            <a:lvl1pPr eaLnBrk="0" hangingPunct="0">
-              <a:defRPr sz="2400">
-                <a:solidFill>
-                  <a:schemeClr val="tx1"/>
-                </a:solidFill>
-                <a:latin typeface="Arial" charset="0"/>
-                <a:ea typeface="ＭＳ Ｐゴシック" charset="0"/>
-                <a:cs typeface="ＭＳ Ｐゴシック" charset="0"/>
-              </a:defRPr>
-            </a:lvl1pPr>
-            <a:lvl2pPr marL="742950" indent="-285750" eaLnBrk="0" hangingPunct="0">
-              <a:defRPr sz="2400">
-                <a:solidFill>
-                  <a:schemeClr val="tx1"/>
-                </a:solidFill>
-                <a:latin typeface="Arial" charset="0"/>
-                <a:ea typeface="ＭＳ Ｐゴシック" charset="0"/>
-              </a:defRPr>
-            </a:lvl2pPr>
-            <a:lvl3pPr marL="1143000" indent="-228600" eaLnBrk="0" hangingPunct="0">
-              <a:defRPr sz="2400">
-                <a:solidFill>
-                  <a:schemeClr val="tx1"/>
-                </a:solidFill>
-                <a:latin typeface="Arial" charset="0"/>
-                <a:ea typeface="ＭＳ Ｐゴシック" charset="0"/>
-              </a:defRPr>
-            </a:lvl3pPr>
-            <a:lvl4pPr marL="1600200" indent="-228600" eaLnBrk="0" hangingPunct="0">
-              <a:defRPr sz="2400">
-                <a:solidFill>
-                  <a:schemeClr val="tx1"/>
-                </a:solidFill>
-                <a:latin typeface="Arial" charset="0"/>
-                <a:ea typeface="ＭＳ Ｐゴシック" charset="0"/>
-              </a:defRPr>
-            </a:lvl4pPr>
-            <a:lvl5pPr marL="2057400" indent="-228600" eaLnBrk="0" hangingPunct="0">
-              <a:defRPr sz="2400">
-                <a:solidFill>
-                  <a:schemeClr val="tx1"/>
-                </a:solidFill>
-                <a:latin typeface="Arial" charset="0"/>
-                <a:ea typeface="ＭＳ Ｐゴシック" charset="0"/>
-              </a:defRPr>
-            </a:lvl5pPr>
-            <a:lvl6pPr marL="2514600" indent="-228600" eaLnBrk="0" fontAlgn="base" hangingPunct="0">
-              <a:spcBef>
-                <a:spcPct val="0"/>
-              </a:spcBef>
-              <a:spcAft>
-                <a:spcPct val="0"/>
-              </a:spcAft>
-              <a:defRPr sz="2400">
-                <a:solidFill>
-                  <a:schemeClr val="tx1"/>
-                </a:solidFill>
-                <a:latin typeface="Arial" charset="0"/>
-                <a:ea typeface="ＭＳ Ｐゴシック" charset="0"/>
-              </a:defRPr>
-            </a:lvl6pPr>
-            <a:lvl7pPr marL="2971800" indent="-228600" eaLnBrk="0" fontAlgn="base" hangingPunct="0">
-              <a:spcBef>
-                <a:spcPct val="0"/>
-              </a:spcBef>
-              <a:spcAft>
-                <a:spcPct val="0"/>
-              </a:spcAft>
-              <a:defRPr sz="2400">
-                <a:solidFill>
-                  <a:schemeClr val="tx1"/>
-                </a:solidFill>
-                <a:latin typeface="Arial" charset="0"/>
-                <a:ea typeface="ＭＳ Ｐゴシック" charset="0"/>
-              </a:defRPr>
-            </a:lvl7pPr>
-            <a:lvl8pPr marL="3429000" indent="-228600" eaLnBrk="0" fontAlgn="base" hangingPunct="0">
-              <a:spcBef>
-                <a:spcPct val="0"/>
-              </a:spcBef>
-              <a:spcAft>
-                <a:spcPct val="0"/>
-              </a:spcAft>
-              <a:defRPr sz="2400">
-                <a:solidFill>
-                  <a:schemeClr val="tx1"/>
-                </a:solidFill>
-                <a:latin typeface="Arial" charset="0"/>
-                <a:ea typeface="ＭＳ Ｐゴシック" charset="0"/>
-              </a:defRPr>
-            </a:lvl8pPr>
-            <a:lvl9pPr marL="3886200" indent="-228600" eaLnBrk="0" fontAlgn="base" hangingPunct="0">
-              <a:spcBef>
-                <a:spcPct val="0"/>
-              </a:spcBef>
-              <a:spcAft>
-                <a:spcPct val="0"/>
-              </a:spcAft>
-              <a:defRPr sz="2400">
-                <a:solidFill>
-                  <a:schemeClr val="tx1"/>
-                </a:solidFill>
-                <a:latin typeface="Arial" charset="0"/>
-                <a:ea typeface="ＭＳ Ｐゴシック" charset="0"/>
-              </a:defRPr>
-            </a:lvl9pPr>
-          </a:lstStyle>
-          <a:p>
-            <a:pPr eaLnBrk="1" hangingPunct="1"/>
-            <a:fld id="{4680E618-8352-E845-8B67-E52DE93860F0}" type="slidenum">
-              <a:rPr lang="en-US" sz="1200">
-                <a:latin typeface="Garamond" charset="0"/>
-              </a:rPr>
-              <a:pPr eaLnBrk="1" hangingPunct="1"/>
-              <a:t>21</a:t>
-            </a:fld>
-            <a:endParaRPr lang="en-US" sz="1200">
-              <a:latin typeface="Garamond" charset="0"/>
-            </a:endParaRPr>
-          </a:p>
-        </p:txBody>
-      </p:sp>
-      <p:sp>
-        <p:nvSpPr>
-          <p:cNvPr id="6" name="Footer Placeholder 5"/>
-          <p:cNvSpPr>
-            <a:spLocks noGrp="1"/>
-          </p:cNvSpPr>
-          <p:nvPr>
-            <p:ph type="ftr" sz="quarter" idx="11"/>
-          </p:nvPr>
-        </p:nvSpPr>
-        <p:spPr/>
-        <p:txBody>
-          <a:bodyPr/>
-          <a:lstStyle/>
-          <a:p>
-            <a:pPr>
-              <a:defRPr/>
-            </a:pPr>
-            <a:r>
-              <a:rPr lang="en-US" altLang="en-US" smtClean="0"/>
-              <a:t>ECE Application Programming: Lecture 32</a:t>
-            </a:r>
-            <a:endParaRPr lang="en-US" altLang="en-US"/>
-          </a:p>
-        </p:txBody>
-      </p:sp>
-    </p:spTree>
-    <p:extLst>
-      <p:ext uri="{BB962C8B-B14F-4D97-AF65-F5344CB8AC3E}">
-        <p14:creationId xmlns:p14="http://schemas.microsoft.com/office/powerpoint/2010/main" val="922764455"/>
-      </p:ext>
-    </p:extLst>
-  </p:cSld>
-  <p:clrMapOvr>
-    <a:masterClrMapping/>
-  </p:clrMapOvr>
-  <p:timing>
-    <p:tnLst>
-      <p:par>
-        <p:cTn id="1" dur="indefinite" restart="never" nodeType="tmRoot"/>
-      </p:par>
-    </p:tnLst>
-  </p:timing>
-</p:sld>
-</file>
-
-<file path=ppt/slides/slide22.xml><?xml version="1.0" encoding="utf-8"?>
-<p:sld xmlns:a="http://schemas.openxmlformats.org/drawingml/2006/main" xmlns:r="http://schemas.openxmlformats.org/officeDocument/2006/relationships" xmlns:p="http://schemas.openxmlformats.org/presentationml/2006/main">
-  <p:cSld>
-    <p:spTree>
-      <p:nvGrpSpPr>
-        <p:cNvPr id="1" name=""/>
-        <p:cNvGrpSpPr/>
-        <p:nvPr/>
-      </p:nvGrpSpPr>
-      <p:grpSpPr>
-        <a:xfrm>
-          <a:off x="0" y="0"/>
-          <a:ext cx="0" cy="0"/>
-          <a:chOff x="0" y="0"/>
-          <a:chExt cx="0" cy="0"/>
-        </a:xfrm>
-      </p:grpSpPr>
-      <p:sp>
-        <p:nvSpPr>
-          <p:cNvPr id="6146" name="Title 1"/>
-          <p:cNvSpPr>
-            <a:spLocks noGrp="1"/>
-          </p:cNvSpPr>
-          <p:nvPr>
-            <p:ph type="title"/>
-          </p:nvPr>
-        </p:nvSpPr>
-        <p:spPr/>
-        <p:txBody>
-          <a:bodyPr>
-            <a:normAutofit fontScale="90000"/>
-          </a:bodyPr>
-          <a:lstStyle/>
-          <a:p>
-            <a:pPr>
-              <a:defRPr/>
-            </a:pPr>
-            <a:r>
-              <a:rPr lang="en-US" dirty="0" smtClean="0">
-                <a:ea typeface="+mj-ea"/>
-              </a:rPr>
-              <a:t>File i/o function calls: unformatted I/O</a:t>
-            </a:r>
-          </a:p>
-        </p:txBody>
-      </p:sp>
-      <p:sp>
-        <p:nvSpPr>
-          <p:cNvPr id="6147" name="Content Placeholder 2"/>
-          <p:cNvSpPr>
-            <a:spLocks noGrp="1"/>
-          </p:cNvSpPr>
-          <p:nvPr>
-            <p:ph idx="1"/>
-          </p:nvPr>
-        </p:nvSpPr>
-        <p:spPr/>
-        <p:txBody>
-          <a:bodyPr>
-            <a:normAutofit fontScale="92500" lnSpcReduction="20000"/>
-          </a:bodyPr>
-          <a:lstStyle/>
-          <a:p>
-            <a:pPr>
-              <a:buFont typeface="Arial" charset="0"/>
-              <a:buNone/>
-              <a:defRPr/>
-            </a:pPr>
-            <a:r>
-              <a:rPr lang="en-US" dirty="0" err="1" smtClean="0">
-                <a:latin typeface="Courier New" pitchFamily="49" charset="0"/>
-                <a:ea typeface="+mn-ea"/>
-                <a:cs typeface="Courier New" pitchFamily="49" charset="0"/>
-              </a:rPr>
-              <a:t>size_t</a:t>
-            </a:r>
-            <a:r>
-              <a:rPr lang="en-US" dirty="0" smtClean="0">
-                <a:latin typeface="Courier New" pitchFamily="49" charset="0"/>
-                <a:ea typeface="+mn-ea"/>
-                <a:cs typeface="Courier New" pitchFamily="49" charset="0"/>
-              </a:rPr>
-              <a:t> </a:t>
-            </a:r>
-            <a:r>
-              <a:rPr lang="en-US" dirty="0" err="1" smtClean="0">
-                <a:latin typeface="Courier New" pitchFamily="49" charset="0"/>
-                <a:ea typeface="+mn-ea"/>
-                <a:cs typeface="Courier New" pitchFamily="49" charset="0"/>
-              </a:rPr>
-              <a:t>fwrite</a:t>
-            </a:r>
-            <a:r>
-              <a:rPr lang="en-US" dirty="0" smtClean="0">
-                <a:latin typeface="Courier New" pitchFamily="49" charset="0"/>
-                <a:ea typeface="+mn-ea"/>
-                <a:cs typeface="Courier New" pitchFamily="49" charset="0"/>
-              </a:rPr>
-              <a:t>(</a:t>
-            </a:r>
-            <a:r>
-              <a:rPr lang="en-US" sz="2200" i="1" dirty="0" smtClean="0">
-                <a:ea typeface="+mn-ea"/>
-              </a:rPr>
-              <a:t>pointer, element size, # elements, </a:t>
-            </a:r>
-            <a:r>
-              <a:rPr lang="en-US" sz="2200" i="1" dirty="0" err="1" smtClean="0">
-                <a:ea typeface="+mn-ea"/>
-              </a:rPr>
-              <a:t>file_handle</a:t>
-            </a:r>
-            <a:r>
-              <a:rPr lang="en-US" dirty="0" smtClean="0">
-                <a:latin typeface="Courier New" pitchFamily="49" charset="0"/>
-                <a:ea typeface="+mn-ea"/>
-                <a:cs typeface="Courier New" pitchFamily="49" charset="0"/>
-              </a:rPr>
-              <a:t>)</a:t>
-            </a:r>
-          </a:p>
-          <a:p>
-            <a:pPr>
-              <a:buFont typeface="Arial" charset="0"/>
-              <a:buNone/>
-              <a:defRPr/>
-            </a:pPr>
-            <a:r>
-              <a:rPr lang="en-US" dirty="0" err="1" smtClean="0">
-                <a:latin typeface="Courier New" pitchFamily="49" charset="0"/>
-                <a:ea typeface="+mn-ea"/>
-                <a:cs typeface="Courier New" pitchFamily="49" charset="0"/>
-              </a:rPr>
-              <a:t>size_t</a:t>
-            </a:r>
-            <a:r>
-              <a:rPr lang="en-US" dirty="0" smtClean="0">
-                <a:latin typeface="Courier New" pitchFamily="49" charset="0"/>
-                <a:ea typeface="+mn-ea"/>
-                <a:cs typeface="Courier New" pitchFamily="49" charset="0"/>
-              </a:rPr>
-              <a:t> </a:t>
-            </a:r>
-            <a:r>
-              <a:rPr lang="en-US" dirty="0" err="1" smtClean="0">
-                <a:latin typeface="Courier New" pitchFamily="49" charset="0"/>
-                <a:ea typeface="+mn-ea"/>
-                <a:cs typeface="Courier New" pitchFamily="49" charset="0"/>
-              </a:rPr>
-              <a:t>fread</a:t>
-            </a:r>
-            <a:r>
-              <a:rPr lang="en-US" dirty="0" smtClean="0">
-                <a:latin typeface="Courier New" pitchFamily="49" charset="0"/>
-                <a:ea typeface="+mn-ea"/>
-                <a:cs typeface="Courier New" pitchFamily="49" charset="0"/>
-              </a:rPr>
-              <a:t>(</a:t>
-            </a:r>
-            <a:r>
-              <a:rPr lang="en-US" sz="2200" i="1" dirty="0" smtClean="0">
-                <a:ea typeface="+mn-ea"/>
-              </a:rPr>
-              <a:t>pointer, element size, # elements, </a:t>
-            </a:r>
-            <a:r>
-              <a:rPr lang="en-US" sz="2200" i="1" dirty="0" err="1" smtClean="0">
-                <a:ea typeface="+mn-ea"/>
-              </a:rPr>
-              <a:t>file_handle</a:t>
-            </a:r>
-            <a:r>
-              <a:rPr lang="en-US" dirty="0" smtClean="0">
-                <a:latin typeface="Courier New" pitchFamily="49" charset="0"/>
-                <a:ea typeface="+mn-ea"/>
-                <a:cs typeface="Courier New" pitchFamily="49" charset="0"/>
-              </a:rPr>
-              <a:t>)</a:t>
-            </a:r>
-          </a:p>
-          <a:p>
-            <a:pPr>
-              <a:buFont typeface="Wingdings" pitchFamily="2" charset="2"/>
-              <a:buChar char="n"/>
-              <a:defRPr/>
-            </a:pPr>
-            <a:r>
-              <a:rPr lang="en-US" i="1" dirty="0" smtClean="0">
-                <a:ea typeface="+mn-ea"/>
-                <a:cs typeface="Courier New" pitchFamily="49" charset="0"/>
-              </a:rPr>
-              <a:t>pointer: </a:t>
-            </a:r>
-            <a:r>
-              <a:rPr lang="en-US" dirty="0" smtClean="0">
-                <a:ea typeface="+mn-ea"/>
-                <a:cs typeface="Courier New" pitchFamily="49" charset="0"/>
-              </a:rPr>
-              <a:t>address of data to be read/written</a:t>
-            </a:r>
-          </a:p>
-          <a:p>
-            <a:pPr lvl="1">
-              <a:buFont typeface="Wingdings" pitchFamily="2" charset="2"/>
-              <a:buChar char="q"/>
-              <a:defRPr/>
-            </a:pPr>
-            <a:r>
-              <a:rPr lang="en-US" dirty="0" smtClean="0">
-                <a:cs typeface="Courier New" pitchFamily="49" charset="0"/>
-              </a:rPr>
-              <a:t>Typically an array, although can be scalar</a:t>
-            </a:r>
-          </a:p>
-          <a:p>
-            <a:pPr>
-              <a:buFont typeface="Wingdings" pitchFamily="2" charset="2"/>
-              <a:buChar char="n"/>
-              <a:defRPr/>
-            </a:pPr>
-            <a:r>
-              <a:rPr lang="en-US" i="1" dirty="0" smtClean="0">
-                <a:ea typeface="+mn-ea"/>
-                <a:cs typeface="Courier New" pitchFamily="49" charset="0"/>
-              </a:rPr>
-              <a:t>element size:</a:t>
-            </a:r>
-            <a:r>
-              <a:rPr lang="en-US" dirty="0" smtClean="0">
-                <a:ea typeface="+mn-ea"/>
-                <a:cs typeface="Courier New" pitchFamily="49" charset="0"/>
-              </a:rPr>
-              <a:t> Size of each element in array</a:t>
-            </a:r>
-          </a:p>
-          <a:p>
-            <a:pPr>
-              <a:buFont typeface="Wingdings" pitchFamily="2" charset="2"/>
-              <a:buChar char="n"/>
-              <a:defRPr/>
-            </a:pPr>
-            <a:r>
-              <a:rPr lang="en-US" i="1" dirty="0" smtClean="0">
-                <a:ea typeface="+mn-ea"/>
-                <a:cs typeface="Courier New" pitchFamily="49" charset="0"/>
-              </a:rPr>
-              <a:t># elements:</a:t>
-            </a:r>
-            <a:r>
-              <a:rPr lang="en-US" dirty="0" smtClean="0">
-                <a:ea typeface="+mn-ea"/>
-                <a:cs typeface="Courier New" pitchFamily="49" charset="0"/>
-              </a:rPr>
-              <a:t> Number of elements in array</a:t>
-            </a:r>
-            <a:endParaRPr lang="en-US" i="1" dirty="0" smtClean="0">
-              <a:ea typeface="+mn-ea"/>
-              <a:cs typeface="Courier New" pitchFamily="49" charset="0"/>
-            </a:endParaRPr>
-          </a:p>
-          <a:p>
-            <a:pPr>
-              <a:buFont typeface="Wingdings" pitchFamily="2" charset="2"/>
-              <a:buChar char="n"/>
-              <a:defRPr/>
-            </a:pPr>
-            <a:r>
-              <a:rPr lang="en-US" i="1" dirty="0" err="1" smtClean="0">
-                <a:ea typeface="+mn-ea"/>
-                <a:cs typeface="Courier New" pitchFamily="49" charset="0"/>
-              </a:rPr>
-              <a:t>file_handle</a:t>
-            </a:r>
-            <a:r>
-              <a:rPr lang="en-US" i="1" dirty="0" smtClean="0">
-                <a:ea typeface="+mn-ea"/>
-                <a:cs typeface="Courier New" pitchFamily="49" charset="0"/>
-              </a:rPr>
-              <a:t>:</a:t>
-            </a:r>
-            <a:r>
-              <a:rPr lang="en-US" dirty="0" smtClean="0">
-                <a:ea typeface="+mn-ea"/>
-                <a:cs typeface="Courier New" pitchFamily="49" charset="0"/>
-              </a:rPr>
-              <a:t> is address returned by </a:t>
-            </a:r>
-            <a:r>
-              <a:rPr lang="en-US" dirty="0" err="1" smtClean="0">
-                <a:latin typeface="Courier New" pitchFamily="49" charset="0"/>
-                <a:ea typeface="+mn-ea"/>
-                <a:cs typeface="Courier New" pitchFamily="49" charset="0"/>
-              </a:rPr>
-              <a:t>fopen</a:t>
-            </a:r>
-            <a:r>
-              <a:rPr lang="en-US" dirty="0" smtClean="0">
-                <a:latin typeface="Courier New" pitchFamily="49" charset="0"/>
-                <a:ea typeface="+mn-ea"/>
-                <a:cs typeface="Courier New" pitchFamily="49" charset="0"/>
-              </a:rPr>
-              <a:t>()</a:t>
-            </a:r>
-          </a:p>
-          <a:p>
-            <a:pPr>
-              <a:buFont typeface="Wingdings" pitchFamily="2" charset="2"/>
-              <a:buChar char="n"/>
-              <a:defRPr/>
-            </a:pPr>
-            <a:endParaRPr lang="en-US" dirty="0" smtClean="0">
-              <a:latin typeface="Courier New" pitchFamily="49" charset="0"/>
-              <a:ea typeface="+mn-ea"/>
-              <a:cs typeface="Courier New" pitchFamily="49" charset="0"/>
-            </a:endParaRPr>
-          </a:p>
-          <a:p>
-            <a:pPr>
-              <a:buFont typeface="Wingdings" pitchFamily="2" charset="2"/>
-              <a:buChar char="n"/>
-              <a:defRPr/>
-            </a:pPr>
-            <a:r>
-              <a:rPr lang="en-US" dirty="0" smtClean="0">
-                <a:ea typeface="+mn-ea"/>
-                <a:cs typeface="Courier New" pitchFamily="49" charset="0"/>
-              </a:rPr>
-              <a:t>Returns # of elements actually read/written</a:t>
-            </a:r>
-          </a:p>
-          <a:p>
-            <a:pPr lvl="1">
-              <a:buFont typeface="Wingdings" pitchFamily="2" charset="2"/>
-              <a:buChar char="q"/>
-              <a:defRPr/>
-            </a:pPr>
-            <a:r>
-              <a:rPr lang="en-US" dirty="0" smtClean="0">
-                <a:cs typeface="Courier New" pitchFamily="49" charset="0"/>
-              </a:rPr>
-              <a:t>If &lt; # elements requested, either error or EOF</a:t>
-            </a:r>
-          </a:p>
-          <a:p>
-            <a:pPr>
-              <a:buFont typeface="Wingdings" pitchFamily="2" charset="2"/>
-              <a:buNone/>
-              <a:defRPr/>
-            </a:pPr>
-            <a:endParaRPr lang="en-US" dirty="0" smtClean="0">
-              <a:latin typeface="Courier New" pitchFamily="49" charset="0"/>
-              <a:ea typeface="+mn-ea"/>
-              <a:cs typeface="Courier New" pitchFamily="49" charset="0"/>
-            </a:endParaRPr>
-          </a:p>
-        </p:txBody>
-      </p:sp>
-      <p:sp>
-        <p:nvSpPr>
-          <p:cNvPr id="4" name="Date Placeholder 3"/>
-          <p:cNvSpPr>
-            <a:spLocks noGrp="1"/>
-          </p:cNvSpPr>
-          <p:nvPr>
-            <p:ph type="dt" sz="quarter" idx="10"/>
-          </p:nvPr>
-        </p:nvSpPr>
-        <p:spPr/>
-        <p:txBody>
-          <a:bodyPr/>
-          <a:lstStyle>
-            <a:lvl1pPr eaLnBrk="0" hangingPunct="0">
-              <a:defRPr>
-                <a:solidFill>
-                  <a:schemeClr val="tx1"/>
-                </a:solidFill>
-                <a:latin typeface="Arial" charset="0"/>
-                <a:ea typeface="ＭＳ Ｐゴシック" charset="0"/>
-                <a:cs typeface="Arial" charset="0"/>
-              </a:defRPr>
-            </a:lvl1pPr>
-            <a:lvl2pPr marL="742950" indent="-285750" eaLnBrk="0" hangingPunct="0">
-              <a:defRPr>
-                <a:solidFill>
-                  <a:schemeClr val="tx1"/>
-                </a:solidFill>
-                <a:latin typeface="Arial" charset="0"/>
-                <a:ea typeface="Arial" charset="0"/>
-                <a:cs typeface="Arial" charset="0"/>
-              </a:defRPr>
-            </a:lvl2pPr>
-            <a:lvl3pPr marL="1143000" indent="-228600" eaLnBrk="0" hangingPunct="0">
-              <a:defRPr>
-                <a:solidFill>
-                  <a:schemeClr val="tx1"/>
-                </a:solidFill>
-                <a:latin typeface="Arial" charset="0"/>
-                <a:ea typeface="Arial" charset="0"/>
-                <a:cs typeface="Arial" charset="0"/>
-              </a:defRPr>
-            </a:lvl3pPr>
-            <a:lvl4pPr marL="1600200" indent="-228600" eaLnBrk="0" hangingPunct="0">
-              <a:defRPr>
-                <a:solidFill>
-                  <a:schemeClr val="tx1"/>
-                </a:solidFill>
-                <a:latin typeface="Arial" charset="0"/>
-                <a:ea typeface="Arial" charset="0"/>
-                <a:cs typeface="Arial" charset="0"/>
-              </a:defRPr>
-            </a:lvl4pPr>
-            <a:lvl5pPr marL="2057400" indent="-228600" eaLnBrk="0" hangingPunct="0">
-              <a:defRPr>
-                <a:solidFill>
-                  <a:schemeClr val="tx1"/>
-                </a:solidFill>
-                <a:latin typeface="Arial" charset="0"/>
-                <a:ea typeface="Arial" charset="0"/>
-                <a:cs typeface="Arial" charset="0"/>
-              </a:defRPr>
-            </a:lvl5pPr>
-            <a:lvl6pPr marL="2514600" indent="-228600" eaLnBrk="0" fontAlgn="base" hangingPunct="0">
-              <a:spcBef>
-                <a:spcPct val="0"/>
-              </a:spcBef>
-              <a:spcAft>
-                <a:spcPct val="0"/>
-              </a:spcAft>
-              <a:defRPr>
-                <a:solidFill>
-                  <a:schemeClr val="tx1"/>
-                </a:solidFill>
-                <a:latin typeface="Arial" charset="0"/>
-                <a:ea typeface="Arial" charset="0"/>
-                <a:cs typeface="Arial" charset="0"/>
-              </a:defRPr>
-            </a:lvl6pPr>
-            <a:lvl7pPr marL="2971800" indent="-228600" eaLnBrk="0" fontAlgn="base" hangingPunct="0">
-              <a:spcBef>
-                <a:spcPct val="0"/>
-              </a:spcBef>
-              <a:spcAft>
-                <a:spcPct val="0"/>
-              </a:spcAft>
-              <a:defRPr>
-                <a:solidFill>
-                  <a:schemeClr val="tx1"/>
-                </a:solidFill>
-                <a:latin typeface="Arial" charset="0"/>
-                <a:ea typeface="Arial" charset="0"/>
-                <a:cs typeface="Arial" charset="0"/>
-              </a:defRPr>
-            </a:lvl7pPr>
-            <a:lvl8pPr marL="3429000" indent="-228600" eaLnBrk="0" fontAlgn="base" hangingPunct="0">
-              <a:spcBef>
-                <a:spcPct val="0"/>
-              </a:spcBef>
-              <a:spcAft>
-                <a:spcPct val="0"/>
-              </a:spcAft>
-              <a:defRPr>
-                <a:solidFill>
-                  <a:schemeClr val="tx1"/>
-                </a:solidFill>
-                <a:latin typeface="Arial" charset="0"/>
-                <a:ea typeface="Arial" charset="0"/>
-                <a:cs typeface="Arial" charset="0"/>
-              </a:defRPr>
-            </a:lvl8pPr>
-            <a:lvl9pPr marL="3886200" indent="-228600" eaLnBrk="0" fontAlgn="base" hangingPunct="0">
-              <a:spcBef>
-                <a:spcPct val="0"/>
-              </a:spcBef>
-              <a:spcAft>
-                <a:spcPct val="0"/>
-              </a:spcAft>
-              <a:defRPr>
-                <a:solidFill>
-                  <a:schemeClr val="tx1"/>
-                </a:solidFill>
-                <a:latin typeface="Arial" charset="0"/>
-                <a:ea typeface="Arial" charset="0"/>
-                <a:cs typeface="Arial" charset="0"/>
-              </a:defRPr>
-            </a:lvl9pPr>
-          </a:lstStyle>
-          <a:p>
-            <a:pPr eaLnBrk="1" hangingPunct="1"/>
-            <a:fld id="{8F21E26B-05AF-1D4D-9EA2-051B47F475B6}" type="datetime1">
-              <a:rPr lang="en-US" smtClean="0">
-                <a:latin typeface="Garamond" charset="0"/>
-              </a:rPr>
-              <a:t>11/28/18</a:t>
-            </a:fld>
-            <a:endParaRPr lang="en-US">
-              <a:latin typeface="Garamond" charset="0"/>
-            </a:endParaRPr>
-          </a:p>
-        </p:txBody>
-      </p:sp>
-      <p:sp>
-        <p:nvSpPr>
-          <p:cNvPr id="5" name="Slide Number Placeholder 4"/>
-          <p:cNvSpPr>
-            <a:spLocks noGrp="1"/>
-          </p:cNvSpPr>
-          <p:nvPr>
-            <p:ph type="sldNum" sz="quarter" idx="12"/>
-          </p:nvPr>
-        </p:nvSpPr>
-        <p:spPr/>
-        <p:txBody>
-          <a:bodyPr/>
-          <a:lstStyle>
-            <a:lvl1pPr eaLnBrk="0" hangingPunct="0">
-              <a:defRPr>
-                <a:solidFill>
-                  <a:schemeClr val="tx1"/>
-                </a:solidFill>
-                <a:latin typeface="Arial" charset="0"/>
-                <a:ea typeface="ＭＳ Ｐゴシック" charset="0"/>
-                <a:cs typeface="Arial" charset="0"/>
-              </a:defRPr>
-            </a:lvl1pPr>
-            <a:lvl2pPr marL="742950" indent="-285750" eaLnBrk="0" hangingPunct="0">
-              <a:defRPr>
-                <a:solidFill>
-                  <a:schemeClr val="tx1"/>
-                </a:solidFill>
-                <a:latin typeface="Arial" charset="0"/>
-                <a:ea typeface="Arial" charset="0"/>
-                <a:cs typeface="Arial" charset="0"/>
-              </a:defRPr>
-            </a:lvl2pPr>
-            <a:lvl3pPr marL="1143000" indent="-228600" eaLnBrk="0" hangingPunct="0">
-              <a:defRPr>
-                <a:solidFill>
-                  <a:schemeClr val="tx1"/>
-                </a:solidFill>
-                <a:latin typeface="Arial" charset="0"/>
-                <a:ea typeface="Arial" charset="0"/>
-                <a:cs typeface="Arial" charset="0"/>
-              </a:defRPr>
-            </a:lvl3pPr>
-            <a:lvl4pPr marL="1600200" indent="-228600" eaLnBrk="0" hangingPunct="0">
-              <a:defRPr>
-                <a:solidFill>
-                  <a:schemeClr val="tx1"/>
-                </a:solidFill>
-                <a:latin typeface="Arial" charset="0"/>
-                <a:ea typeface="Arial" charset="0"/>
-                <a:cs typeface="Arial" charset="0"/>
-              </a:defRPr>
-            </a:lvl4pPr>
-            <a:lvl5pPr marL="2057400" indent="-228600" eaLnBrk="0" hangingPunct="0">
-              <a:defRPr>
-                <a:solidFill>
-                  <a:schemeClr val="tx1"/>
-                </a:solidFill>
-                <a:latin typeface="Arial" charset="0"/>
-                <a:ea typeface="Arial" charset="0"/>
-                <a:cs typeface="Arial" charset="0"/>
-              </a:defRPr>
-            </a:lvl5pPr>
-            <a:lvl6pPr marL="2514600" indent="-228600" eaLnBrk="0" fontAlgn="base" hangingPunct="0">
-              <a:spcBef>
-                <a:spcPct val="0"/>
-              </a:spcBef>
-              <a:spcAft>
-                <a:spcPct val="0"/>
-              </a:spcAft>
-              <a:defRPr>
-                <a:solidFill>
-                  <a:schemeClr val="tx1"/>
-                </a:solidFill>
-                <a:latin typeface="Arial" charset="0"/>
-                <a:ea typeface="Arial" charset="0"/>
-                <a:cs typeface="Arial" charset="0"/>
-              </a:defRPr>
-            </a:lvl6pPr>
-            <a:lvl7pPr marL="2971800" indent="-228600" eaLnBrk="0" fontAlgn="base" hangingPunct="0">
-              <a:spcBef>
-                <a:spcPct val="0"/>
-              </a:spcBef>
-              <a:spcAft>
-                <a:spcPct val="0"/>
-              </a:spcAft>
-              <a:defRPr>
-                <a:solidFill>
-                  <a:schemeClr val="tx1"/>
-                </a:solidFill>
-                <a:latin typeface="Arial" charset="0"/>
-                <a:ea typeface="Arial" charset="0"/>
-                <a:cs typeface="Arial" charset="0"/>
-              </a:defRPr>
-            </a:lvl7pPr>
-            <a:lvl8pPr marL="3429000" indent="-228600" eaLnBrk="0" fontAlgn="base" hangingPunct="0">
-              <a:spcBef>
-                <a:spcPct val="0"/>
-              </a:spcBef>
-              <a:spcAft>
-                <a:spcPct val="0"/>
-              </a:spcAft>
-              <a:defRPr>
-                <a:solidFill>
-                  <a:schemeClr val="tx1"/>
-                </a:solidFill>
-                <a:latin typeface="Arial" charset="0"/>
-                <a:ea typeface="Arial" charset="0"/>
-                <a:cs typeface="Arial" charset="0"/>
-              </a:defRPr>
-            </a:lvl8pPr>
-            <a:lvl9pPr marL="3886200" indent="-228600" eaLnBrk="0" fontAlgn="base" hangingPunct="0">
-              <a:spcBef>
-                <a:spcPct val="0"/>
-              </a:spcBef>
-              <a:spcAft>
-                <a:spcPct val="0"/>
-              </a:spcAft>
-              <a:defRPr>
-                <a:solidFill>
-                  <a:schemeClr val="tx1"/>
-                </a:solidFill>
-                <a:latin typeface="Arial" charset="0"/>
-                <a:ea typeface="Arial" charset="0"/>
-                <a:cs typeface="Arial" charset="0"/>
-              </a:defRPr>
-            </a:lvl9pPr>
-          </a:lstStyle>
-          <a:p>
-            <a:pPr eaLnBrk="1" hangingPunct="1"/>
-            <a:fld id="{BE1029C0-4DF7-B946-A6BF-9D4F0622BA0C}" type="slidenum">
-              <a:rPr lang="en-US">
-                <a:latin typeface="Garamond" charset="0"/>
-              </a:rPr>
-              <a:pPr eaLnBrk="1" hangingPunct="1"/>
-              <a:t>22</a:t>
-            </a:fld>
-            <a:endParaRPr lang="en-US">
-              <a:latin typeface="Garamond" charset="0"/>
-            </a:endParaRPr>
-          </a:p>
-        </p:txBody>
-      </p:sp>
-      <p:sp>
-        <p:nvSpPr>
-          <p:cNvPr id="6" name="Footer Placeholder 5"/>
-          <p:cNvSpPr>
-            <a:spLocks noGrp="1"/>
-          </p:cNvSpPr>
-          <p:nvPr>
-            <p:ph type="ftr" sz="quarter" idx="11"/>
-          </p:nvPr>
-        </p:nvSpPr>
-        <p:spPr/>
-        <p:txBody>
-          <a:bodyPr/>
-          <a:lstStyle/>
-          <a:p>
-            <a:pPr>
-              <a:defRPr/>
-            </a:pPr>
-            <a:r>
-              <a:rPr lang="en-US" altLang="en-US" smtClean="0"/>
-              <a:t>ECE Application Programming: Lecture 32</a:t>
-            </a:r>
-            <a:endParaRPr lang="en-US" altLang="en-US"/>
-          </a:p>
-        </p:txBody>
-      </p:sp>
-    </p:spTree>
-    <p:extLst>
-      <p:ext uri="{BB962C8B-B14F-4D97-AF65-F5344CB8AC3E}">
-        <p14:creationId xmlns:p14="http://schemas.microsoft.com/office/powerpoint/2010/main" val="1922780198"/>
-      </p:ext>
-    </p:extLst>
-  </p:cSld>
-  <p:clrMapOvr>
-    <a:masterClrMapping/>
-  </p:clrMapOvr>
-  <p:timing>
-    <p:tnLst>
-      <p:par>
-        <p:cTn id="1" dur="indefinite" restart="never" nodeType="tmRoot"/>
-      </p:par>
-    </p:tnLst>
-  </p:timing>
-</p:sld>
-</file>
-
-<file path=ppt/slides/slide23.xml><?xml version="1.0" encoding="utf-8"?>
-<p:sld xmlns:a="http://schemas.openxmlformats.org/drawingml/2006/main" xmlns:r="http://schemas.openxmlformats.org/officeDocument/2006/relationships" xmlns:p="http://schemas.openxmlformats.org/presentationml/2006/main">
-  <p:cSld>
-    <p:spTree>
-      <p:nvGrpSpPr>
-        <p:cNvPr id="1" name=""/>
-        <p:cNvGrpSpPr/>
-        <p:nvPr/>
-      </p:nvGrpSpPr>
-      <p:grpSpPr>
-        <a:xfrm>
-          <a:off x="0" y="0"/>
-          <a:ext cx="0" cy="0"/>
-          <a:chOff x="0" y="0"/>
-          <a:chExt cx="0" cy="0"/>
-        </a:xfrm>
-      </p:grpSpPr>
-      <p:sp>
-        <p:nvSpPr>
-          <p:cNvPr id="7170" name="Title 1"/>
-          <p:cNvSpPr>
-            <a:spLocks noGrp="1"/>
-          </p:cNvSpPr>
-          <p:nvPr>
-            <p:ph type="title"/>
-          </p:nvPr>
-        </p:nvSpPr>
-        <p:spPr/>
-        <p:txBody>
-          <a:bodyPr/>
-          <a:lstStyle/>
-          <a:p>
-            <a:r>
-              <a:rPr lang="en-US">
-                <a:latin typeface="Garamond" charset="0"/>
-              </a:rPr>
-              <a:t>Unformatted I/O (cont.)</a:t>
-            </a:r>
-          </a:p>
-        </p:txBody>
-      </p:sp>
-      <p:sp>
-        <p:nvSpPr>
-          <p:cNvPr id="7171" name="Content Placeholder 2"/>
-          <p:cNvSpPr>
-            <a:spLocks noGrp="1"/>
-          </p:cNvSpPr>
-          <p:nvPr>
-            <p:ph idx="1"/>
-          </p:nvPr>
-        </p:nvSpPr>
-        <p:spPr/>
-        <p:txBody>
-          <a:bodyPr/>
-          <a:lstStyle/>
-          <a:p>
-            <a:r>
-              <a:rPr lang="en-US">
-                <a:latin typeface="Arial" charset="0"/>
-              </a:rPr>
-              <a:t>One benefit—ability to read/write entire array at once</a:t>
-            </a:r>
-          </a:p>
-          <a:p>
-            <a:r>
-              <a:rPr lang="en-US">
-                <a:latin typeface="Arial" charset="0"/>
-              </a:rPr>
-              <a:t>For example:</a:t>
-            </a:r>
-          </a:p>
-          <a:p>
-            <a:pPr lvl="1"/>
-            <a:r>
-              <a:rPr lang="en-US">
-                <a:latin typeface="Arial" charset="0"/>
-              </a:rPr>
-              <a:t>Given int x[100];</a:t>
-            </a:r>
-          </a:p>
-          <a:p>
-            <a:pPr lvl="1"/>
-            <a:r>
-              <a:rPr lang="en-US">
-                <a:latin typeface="Arial" charset="0"/>
-              </a:rPr>
-              <a:t>Can read array from file pointed to by fp:</a:t>
-            </a:r>
-          </a:p>
-          <a:p>
-            <a:pPr lvl="2"/>
-            <a:r>
-              <a:rPr lang="en-US">
-                <a:latin typeface="Courier New" charset="0"/>
-                <a:cs typeface="Courier New" charset="0"/>
-              </a:rPr>
-              <a:t>n = fread(x, sizeof(int), 100, fp);</a:t>
-            </a:r>
-          </a:p>
-          <a:p>
-            <a:pPr lvl="3"/>
-            <a:r>
-              <a:rPr lang="en-US">
-                <a:latin typeface="Arial" charset="0"/>
-              </a:rPr>
-              <a:t>n should equal 100</a:t>
-            </a:r>
-          </a:p>
-          <a:p>
-            <a:pPr lvl="1"/>
-            <a:r>
-              <a:rPr lang="en-US">
-                <a:latin typeface="Arial" charset="0"/>
-              </a:rPr>
-              <a:t>Can write array to file pointed to by fp:</a:t>
-            </a:r>
-          </a:p>
-          <a:p>
-            <a:pPr lvl="2"/>
-            <a:r>
-              <a:rPr lang="en-US">
-                <a:latin typeface="Courier New" charset="0"/>
-                <a:cs typeface="Courier New" charset="0"/>
-              </a:rPr>
-              <a:t>fwrite(x, sizeof(int), 100, fp);</a:t>
-            </a:r>
-          </a:p>
-          <a:p>
-            <a:endParaRPr lang="en-US">
-              <a:latin typeface="Arial" charset="0"/>
-            </a:endParaRPr>
-          </a:p>
-        </p:txBody>
-      </p:sp>
-      <p:sp>
-        <p:nvSpPr>
-          <p:cNvPr id="4" name="Date Placeholder 3"/>
-          <p:cNvSpPr>
-            <a:spLocks noGrp="1"/>
-          </p:cNvSpPr>
-          <p:nvPr>
-            <p:ph type="dt" sz="quarter" idx="10"/>
-          </p:nvPr>
-        </p:nvSpPr>
-        <p:spPr/>
-        <p:txBody>
-          <a:bodyPr/>
-          <a:lstStyle>
-            <a:lvl1pPr eaLnBrk="0" hangingPunct="0">
-              <a:defRPr>
-                <a:solidFill>
-                  <a:schemeClr val="tx1"/>
-                </a:solidFill>
-                <a:latin typeface="Arial" charset="0"/>
-                <a:ea typeface="ＭＳ Ｐゴシック" charset="0"/>
-                <a:cs typeface="Arial" charset="0"/>
-              </a:defRPr>
-            </a:lvl1pPr>
-            <a:lvl2pPr marL="742950" indent="-285750" eaLnBrk="0" hangingPunct="0">
-              <a:defRPr>
-                <a:solidFill>
-                  <a:schemeClr val="tx1"/>
-                </a:solidFill>
-                <a:latin typeface="Arial" charset="0"/>
-                <a:ea typeface="Arial" charset="0"/>
-                <a:cs typeface="Arial" charset="0"/>
-              </a:defRPr>
-            </a:lvl2pPr>
-            <a:lvl3pPr marL="1143000" indent="-228600" eaLnBrk="0" hangingPunct="0">
-              <a:defRPr>
-                <a:solidFill>
-                  <a:schemeClr val="tx1"/>
-                </a:solidFill>
-                <a:latin typeface="Arial" charset="0"/>
-                <a:ea typeface="Arial" charset="0"/>
-                <a:cs typeface="Arial" charset="0"/>
-              </a:defRPr>
-            </a:lvl3pPr>
-            <a:lvl4pPr marL="1600200" indent="-228600" eaLnBrk="0" hangingPunct="0">
-              <a:defRPr>
-                <a:solidFill>
-                  <a:schemeClr val="tx1"/>
-                </a:solidFill>
-                <a:latin typeface="Arial" charset="0"/>
-                <a:ea typeface="Arial" charset="0"/>
-                <a:cs typeface="Arial" charset="0"/>
-              </a:defRPr>
-            </a:lvl4pPr>
-            <a:lvl5pPr marL="2057400" indent="-228600" eaLnBrk="0" hangingPunct="0">
-              <a:defRPr>
-                <a:solidFill>
-                  <a:schemeClr val="tx1"/>
-                </a:solidFill>
-                <a:latin typeface="Arial" charset="0"/>
-                <a:ea typeface="Arial" charset="0"/>
-                <a:cs typeface="Arial" charset="0"/>
-              </a:defRPr>
-            </a:lvl5pPr>
-            <a:lvl6pPr marL="2514600" indent="-228600" eaLnBrk="0" fontAlgn="base" hangingPunct="0">
-              <a:spcBef>
-                <a:spcPct val="0"/>
-              </a:spcBef>
-              <a:spcAft>
-                <a:spcPct val="0"/>
-              </a:spcAft>
-              <a:defRPr>
-                <a:solidFill>
-                  <a:schemeClr val="tx1"/>
-                </a:solidFill>
-                <a:latin typeface="Arial" charset="0"/>
-                <a:ea typeface="Arial" charset="0"/>
-                <a:cs typeface="Arial" charset="0"/>
-              </a:defRPr>
-            </a:lvl6pPr>
-            <a:lvl7pPr marL="2971800" indent="-228600" eaLnBrk="0" fontAlgn="base" hangingPunct="0">
-              <a:spcBef>
-                <a:spcPct val="0"/>
-              </a:spcBef>
-              <a:spcAft>
-                <a:spcPct val="0"/>
-              </a:spcAft>
-              <a:defRPr>
-                <a:solidFill>
-                  <a:schemeClr val="tx1"/>
-                </a:solidFill>
-                <a:latin typeface="Arial" charset="0"/>
-                <a:ea typeface="Arial" charset="0"/>
-                <a:cs typeface="Arial" charset="0"/>
-              </a:defRPr>
-            </a:lvl7pPr>
-            <a:lvl8pPr marL="3429000" indent="-228600" eaLnBrk="0" fontAlgn="base" hangingPunct="0">
-              <a:spcBef>
-                <a:spcPct val="0"/>
-              </a:spcBef>
-              <a:spcAft>
-                <a:spcPct val="0"/>
-              </a:spcAft>
-              <a:defRPr>
-                <a:solidFill>
-                  <a:schemeClr val="tx1"/>
-                </a:solidFill>
-                <a:latin typeface="Arial" charset="0"/>
-                <a:ea typeface="Arial" charset="0"/>
-                <a:cs typeface="Arial" charset="0"/>
-              </a:defRPr>
-            </a:lvl8pPr>
-            <a:lvl9pPr marL="3886200" indent="-228600" eaLnBrk="0" fontAlgn="base" hangingPunct="0">
-              <a:spcBef>
-                <a:spcPct val="0"/>
-              </a:spcBef>
-              <a:spcAft>
-                <a:spcPct val="0"/>
-              </a:spcAft>
-              <a:defRPr>
-                <a:solidFill>
-                  <a:schemeClr val="tx1"/>
-                </a:solidFill>
-                <a:latin typeface="Arial" charset="0"/>
-                <a:ea typeface="Arial" charset="0"/>
-                <a:cs typeface="Arial" charset="0"/>
-              </a:defRPr>
-            </a:lvl9pPr>
-          </a:lstStyle>
-          <a:p>
-            <a:pPr eaLnBrk="1" hangingPunct="1"/>
-            <a:fld id="{3F440A3C-CB83-F548-B8BB-09D67ADC37DA}" type="datetime1">
-              <a:rPr lang="en-US" smtClean="0">
-                <a:latin typeface="Garamond" charset="0"/>
-              </a:rPr>
-              <a:t>11/28/18</a:t>
-            </a:fld>
-            <a:endParaRPr lang="en-US">
-              <a:latin typeface="Garamond" charset="0"/>
-            </a:endParaRPr>
-          </a:p>
-        </p:txBody>
-      </p:sp>
-      <p:sp>
-        <p:nvSpPr>
-          <p:cNvPr id="5" name="Footer Placeholder 4"/>
-          <p:cNvSpPr>
-            <a:spLocks noGrp="1"/>
-          </p:cNvSpPr>
-          <p:nvPr>
-            <p:ph type="ftr" sz="quarter" idx="11"/>
-          </p:nvPr>
-        </p:nvSpPr>
-        <p:spPr/>
-        <p:txBody>
-          <a:bodyPr/>
-          <a:lstStyle/>
-          <a:p>
-            <a:pPr>
-              <a:defRPr/>
-            </a:pPr>
-            <a:r>
-              <a:rPr lang="en-US" altLang="en-US" smtClean="0"/>
-              <a:t>ECE Application Programming: Lecture 32</a:t>
-            </a:r>
-            <a:endParaRPr lang="en-US" altLang="en-US"/>
-          </a:p>
-        </p:txBody>
-      </p:sp>
-      <p:sp>
-        <p:nvSpPr>
-          <p:cNvPr id="6" name="Slide Number Placeholder 5"/>
-          <p:cNvSpPr>
-            <a:spLocks noGrp="1"/>
-          </p:cNvSpPr>
-          <p:nvPr>
-            <p:ph type="sldNum" sz="quarter" idx="12"/>
-          </p:nvPr>
-        </p:nvSpPr>
-        <p:spPr/>
-        <p:txBody>
-          <a:bodyPr/>
-          <a:lstStyle>
-            <a:lvl1pPr eaLnBrk="0" hangingPunct="0">
-              <a:defRPr>
-                <a:solidFill>
-                  <a:schemeClr val="tx1"/>
-                </a:solidFill>
-                <a:latin typeface="Arial" charset="0"/>
-                <a:ea typeface="ＭＳ Ｐゴシック" charset="0"/>
-                <a:cs typeface="Arial" charset="0"/>
-              </a:defRPr>
-            </a:lvl1pPr>
-            <a:lvl2pPr marL="742950" indent="-285750" eaLnBrk="0" hangingPunct="0">
-              <a:defRPr>
-                <a:solidFill>
-                  <a:schemeClr val="tx1"/>
-                </a:solidFill>
-                <a:latin typeface="Arial" charset="0"/>
-                <a:ea typeface="Arial" charset="0"/>
-                <a:cs typeface="Arial" charset="0"/>
-              </a:defRPr>
-            </a:lvl2pPr>
-            <a:lvl3pPr marL="1143000" indent="-228600" eaLnBrk="0" hangingPunct="0">
-              <a:defRPr>
-                <a:solidFill>
-                  <a:schemeClr val="tx1"/>
-                </a:solidFill>
-                <a:latin typeface="Arial" charset="0"/>
-                <a:ea typeface="Arial" charset="0"/>
-                <a:cs typeface="Arial" charset="0"/>
-              </a:defRPr>
-            </a:lvl3pPr>
-            <a:lvl4pPr marL="1600200" indent="-228600" eaLnBrk="0" hangingPunct="0">
-              <a:defRPr>
-                <a:solidFill>
-                  <a:schemeClr val="tx1"/>
-                </a:solidFill>
-                <a:latin typeface="Arial" charset="0"/>
-                <a:ea typeface="Arial" charset="0"/>
-                <a:cs typeface="Arial" charset="0"/>
-              </a:defRPr>
-            </a:lvl4pPr>
-            <a:lvl5pPr marL="2057400" indent="-228600" eaLnBrk="0" hangingPunct="0">
-              <a:defRPr>
-                <a:solidFill>
-                  <a:schemeClr val="tx1"/>
-                </a:solidFill>
-                <a:latin typeface="Arial" charset="0"/>
-                <a:ea typeface="Arial" charset="0"/>
-                <a:cs typeface="Arial" charset="0"/>
-              </a:defRPr>
-            </a:lvl5pPr>
-            <a:lvl6pPr marL="2514600" indent="-228600" eaLnBrk="0" fontAlgn="base" hangingPunct="0">
-              <a:spcBef>
-                <a:spcPct val="0"/>
-              </a:spcBef>
-              <a:spcAft>
-                <a:spcPct val="0"/>
-              </a:spcAft>
-              <a:defRPr>
-                <a:solidFill>
-                  <a:schemeClr val="tx1"/>
-                </a:solidFill>
-                <a:latin typeface="Arial" charset="0"/>
-                <a:ea typeface="Arial" charset="0"/>
-                <a:cs typeface="Arial" charset="0"/>
-              </a:defRPr>
-            </a:lvl6pPr>
-            <a:lvl7pPr marL="2971800" indent="-228600" eaLnBrk="0" fontAlgn="base" hangingPunct="0">
-              <a:spcBef>
-                <a:spcPct val="0"/>
-              </a:spcBef>
-              <a:spcAft>
-                <a:spcPct val="0"/>
-              </a:spcAft>
-              <a:defRPr>
-                <a:solidFill>
-                  <a:schemeClr val="tx1"/>
-                </a:solidFill>
-                <a:latin typeface="Arial" charset="0"/>
-                <a:ea typeface="Arial" charset="0"/>
-                <a:cs typeface="Arial" charset="0"/>
-              </a:defRPr>
-            </a:lvl7pPr>
-            <a:lvl8pPr marL="3429000" indent="-228600" eaLnBrk="0" fontAlgn="base" hangingPunct="0">
-              <a:spcBef>
-                <a:spcPct val="0"/>
-              </a:spcBef>
-              <a:spcAft>
-                <a:spcPct val="0"/>
-              </a:spcAft>
-              <a:defRPr>
-                <a:solidFill>
-                  <a:schemeClr val="tx1"/>
-                </a:solidFill>
-                <a:latin typeface="Arial" charset="0"/>
-                <a:ea typeface="Arial" charset="0"/>
-                <a:cs typeface="Arial" charset="0"/>
-              </a:defRPr>
-            </a:lvl8pPr>
-            <a:lvl9pPr marL="3886200" indent="-228600" eaLnBrk="0" fontAlgn="base" hangingPunct="0">
-              <a:spcBef>
-                <a:spcPct val="0"/>
-              </a:spcBef>
-              <a:spcAft>
-                <a:spcPct val="0"/>
-              </a:spcAft>
-              <a:defRPr>
-                <a:solidFill>
-                  <a:schemeClr val="tx1"/>
-                </a:solidFill>
-                <a:latin typeface="Arial" charset="0"/>
-                <a:ea typeface="Arial" charset="0"/>
-                <a:cs typeface="Arial" charset="0"/>
-              </a:defRPr>
-            </a:lvl9pPr>
-          </a:lstStyle>
-          <a:p>
-            <a:pPr eaLnBrk="1" hangingPunct="1"/>
-            <a:fld id="{2CD3ABE8-2D96-F248-A14E-8C2B6D2B78FD}" type="slidenum">
-              <a:rPr lang="en-US">
-                <a:latin typeface="Garamond" charset="0"/>
-              </a:rPr>
-              <a:pPr eaLnBrk="1" hangingPunct="1"/>
-              <a:t>23</a:t>
-            </a:fld>
-            <a:endParaRPr lang="en-US">
-              <a:latin typeface="Garamond" charset="0"/>
-            </a:endParaRPr>
-          </a:p>
-        </p:txBody>
-      </p:sp>
-    </p:spTree>
-    <p:extLst>
-      <p:ext uri="{BB962C8B-B14F-4D97-AF65-F5344CB8AC3E}">
-        <p14:creationId xmlns:p14="http://schemas.microsoft.com/office/powerpoint/2010/main" val="832867730"/>
-      </p:ext>
-    </p:extLst>
-  </p:cSld>
-  <p:clrMapOvr>
-    <a:masterClrMapping/>
-  </p:clrMapOvr>
-  <p:timing>
-    <p:tnLst>
-      <p:par>
-        <p:cTn id="1" dur="indefinite" restart="never" nodeType="tmRoot"/>
-      </p:par>
-    </p:tnLst>
-  </p:timing>
-</p:sld>
-</file>
-
-<file path=ppt/slides/slide24.xml><?xml version="1.0" encoding="utf-8"?>
-<p:sld xmlns:a="http://schemas.openxmlformats.org/drawingml/2006/main" xmlns:r="http://schemas.openxmlformats.org/officeDocument/2006/relationships" xmlns:p="http://schemas.openxmlformats.org/presentationml/2006/main">
-  <p:cSld>
-    <p:spTree>
-      <p:nvGrpSpPr>
-        <p:cNvPr id="1" name=""/>
-        <p:cNvGrpSpPr/>
-        <p:nvPr/>
-      </p:nvGrpSpPr>
-      <p:grpSpPr>
-        <a:xfrm>
-          <a:off x="0" y="0"/>
-          <a:ext cx="0" cy="0"/>
-          <a:chOff x="0" y="0"/>
-          <a:chExt cx="0" cy="0"/>
-        </a:xfrm>
-      </p:grpSpPr>
-      <p:sp>
-        <p:nvSpPr>
-          <p:cNvPr id="23554" name="Title 1"/>
-          <p:cNvSpPr>
-            <a:spLocks noGrp="1"/>
-          </p:cNvSpPr>
-          <p:nvPr>
-            <p:ph type="title"/>
-          </p:nvPr>
-        </p:nvSpPr>
-        <p:spPr/>
-        <p:txBody>
-          <a:bodyPr/>
-          <a:lstStyle/>
-          <a:p>
-            <a:r>
-              <a:rPr lang="en-US">
-                <a:latin typeface="Garamond" charset="0"/>
-              </a:rPr>
-              <a:t>Next time</a:t>
-            </a:r>
-          </a:p>
-        </p:txBody>
-      </p:sp>
-      <p:sp>
-        <p:nvSpPr>
-          <p:cNvPr id="23555" name="Content Placeholder 2"/>
-          <p:cNvSpPr>
-            <a:spLocks noGrp="1"/>
-          </p:cNvSpPr>
-          <p:nvPr>
-            <p:ph idx="1"/>
-          </p:nvPr>
-        </p:nvSpPr>
-        <p:spPr>
-          <a:xfrm>
-            <a:off x="457200" y="990600"/>
-            <a:ext cx="8229600" cy="5140325"/>
-          </a:xfrm>
-        </p:spPr>
-        <p:txBody>
-          <a:bodyPr>
-            <a:normAutofit/>
-          </a:bodyPr>
-          <a:lstStyle/>
-          <a:p>
-            <a:pPr>
-              <a:lnSpc>
-                <a:spcPct val="80000"/>
-              </a:lnSpc>
-            </a:pPr>
-            <a:r>
-              <a:rPr lang="en-US" sz="2800" dirty="0" smtClean="0">
-                <a:latin typeface="Arial" charset="0"/>
-              </a:rPr>
-              <a:t>Character and line I/O</a:t>
-            </a:r>
-          </a:p>
-          <a:p>
-            <a:pPr>
-              <a:lnSpc>
-                <a:spcPct val="80000"/>
-              </a:lnSpc>
-            </a:pPr>
-            <a:endParaRPr lang="en-US" sz="2800" dirty="0">
-              <a:latin typeface="Arial" charset="0"/>
-            </a:endParaRPr>
-          </a:p>
-          <a:p>
-            <a:pPr>
-              <a:lnSpc>
-                <a:spcPct val="80000"/>
-              </a:lnSpc>
-            </a:pPr>
-            <a:r>
-              <a:rPr lang="en-US" sz="2800" dirty="0">
-                <a:latin typeface="Arial" charset="0"/>
-              </a:rPr>
-              <a:t>Reminders:</a:t>
-            </a:r>
-          </a:p>
-          <a:p>
-            <a:pPr lvl="1"/>
-            <a:r>
-              <a:rPr lang="en-US" dirty="0">
-                <a:latin typeface="Arial" charset="0"/>
-              </a:rPr>
-              <a:t>Program 7 due </a:t>
-            </a:r>
-            <a:r>
-              <a:rPr lang="en-US" b="1" dirty="0">
-                <a:solidFill>
-                  <a:srgbClr val="FF0000"/>
-                </a:solidFill>
-                <a:latin typeface="Arial" charset="0"/>
-              </a:rPr>
-              <a:t>Wednesday, 12/5</a:t>
-            </a:r>
-          </a:p>
-          <a:p>
-            <a:pPr lvl="1"/>
-            <a:r>
-              <a:rPr lang="en-US" dirty="0">
-                <a:latin typeface="Arial" charset="0"/>
-              </a:rPr>
-              <a:t>Program 8 due Thursday, 12/13</a:t>
-            </a:r>
-          </a:p>
-          <a:p>
-            <a:pPr lvl="2"/>
-            <a:r>
-              <a:rPr lang="en-US" dirty="0">
-                <a:latin typeface="Arial" charset="0"/>
-              </a:rPr>
-              <a:t>Deals with file I/O (lectures 32-33)</a:t>
-            </a:r>
-          </a:p>
-          <a:p>
-            <a:pPr lvl="1"/>
-            <a:r>
-              <a:rPr lang="en-US" dirty="0">
-                <a:latin typeface="Arial" charset="0"/>
-              </a:rPr>
-              <a:t>Program 9 to be posted; extra credit assignment due 12:00 PM (noon), Wednesday, 12/19</a:t>
-            </a:r>
-          </a:p>
-          <a:p>
-            <a:pPr lvl="2"/>
-            <a:r>
-              <a:rPr lang="en-US" dirty="0">
-                <a:latin typeface="Arial" charset="0"/>
-              </a:rPr>
-              <a:t>12:00 PM on 12/19 will be final deadline for submission/resubmission of all programs</a:t>
-            </a:r>
-          </a:p>
-          <a:p>
-            <a:pPr lvl="1"/>
-            <a:r>
-              <a:rPr lang="en-US" dirty="0">
-                <a:latin typeface="Arial" charset="0"/>
-              </a:rPr>
-              <a:t>Exam 3: Monday, 12/17, 3-6 PM (room TBD)</a:t>
-            </a:r>
-          </a:p>
-          <a:p>
-            <a:pPr lvl="1"/>
-            <a:endParaRPr lang="en-US" dirty="0">
-              <a:latin typeface="Arial" charset="0"/>
-            </a:endParaRPr>
-          </a:p>
-          <a:p>
-            <a:pPr lvl="2">
-              <a:defRPr/>
-            </a:pPr>
-            <a:endParaRPr lang="en-US" sz="2000" dirty="0">
-              <a:latin typeface="Arial" charset="0"/>
-            </a:endParaRPr>
-          </a:p>
-          <a:p>
-            <a:pPr lvl="2">
-              <a:lnSpc>
-                <a:spcPct val="80000"/>
-              </a:lnSpc>
-            </a:pPr>
-            <a:endParaRPr lang="en-US" sz="2000" dirty="0">
-              <a:latin typeface="Arial" charset="0"/>
-            </a:endParaRPr>
-          </a:p>
-        </p:txBody>
-      </p:sp>
-      <p:sp>
-        <p:nvSpPr>
-          <p:cNvPr id="23556" name="Date Placeholder 3"/>
-          <p:cNvSpPr>
-            <a:spLocks noGrp="1"/>
-          </p:cNvSpPr>
-          <p:nvPr>
-            <p:ph type="dt" sz="quarter" idx="10"/>
-          </p:nvPr>
-        </p:nvSpPr>
-        <p:spPr>
-          <a:noFill/>
-          <a:ln/>
-          <a:extLst>
-            <a:ext uri="{909E8E84-426E-40dd-AFC4-6F175D3DCCD1}">
-              <a14:hiddenFill xmlns="" xmlns:a14="http://schemas.microsoft.com/office/drawing/2010/main">
-                <a:solidFill>
-                  <a:srgbClr val="FFFFFF"/>
-                </a:solidFill>
-              </a14:hiddenFill>
-            </a:ext>
-            <a:ext uri="{91240B29-F687-4f45-9708-019B960494DF}">
-              <a14:hiddenLine xmlns="" xmlns:a14="http://schemas.microsoft.com/office/drawing/2010/main" w="9525">
-                <a:solidFill>
-                  <a:srgbClr val="000000"/>
-                </a:solidFill>
-                <a:miter lim="800000"/>
-                <a:headEnd/>
-                <a:tailEnd/>
-              </a14:hiddenLine>
-            </a:ext>
-          </a:extLst>
-        </p:spPr>
-        <p:txBody>
-          <a:bodyPr/>
-          <a:lstStyle>
-            <a:lvl1pPr>
-              <a:defRPr sz="3000">
-                <a:solidFill>
-                  <a:schemeClr val="tx1"/>
-                </a:solidFill>
-                <a:latin typeface="Arial" charset="0"/>
-                <a:ea typeface="ＭＳ Ｐゴシック" charset="0"/>
-                <a:cs typeface="ＭＳ Ｐゴシック" charset="0"/>
-              </a:defRPr>
-            </a:lvl1pPr>
-            <a:lvl2pPr marL="742950" indent="-285750">
-              <a:defRPr sz="2600">
-                <a:solidFill>
-                  <a:schemeClr val="tx1"/>
-                </a:solidFill>
-                <a:latin typeface="Arial" charset="0"/>
-                <a:ea typeface="ＭＳ Ｐゴシック" charset="0"/>
-              </a:defRPr>
-            </a:lvl2pPr>
-            <a:lvl3pPr marL="1143000" indent="-228600">
-              <a:defRPr sz="2200">
-                <a:solidFill>
-                  <a:schemeClr val="tx1"/>
-                </a:solidFill>
-                <a:latin typeface="Arial" charset="0"/>
-                <a:ea typeface="ＭＳ Ｐゴシック" charset="0"/>
-              </a:defRPr>
-            </a:lvl3pPr>
-            <a:lvl4pPr marL="1600200" indent="-228600">
-              <a:defRPr sz="2000">
-                <a:solidFill>
-                  <a:schemeClr val="tx1"/>
-                </a:solidFill>
-                <a:latin typeface="Arial" charset="0"/>
-                <a:ea typeface="ＭＳ Ｐゴシック" charset="0"/>
-              </a:defRPr>
-            </a:lvl4pPr>
-            <a:lvl5pPr marL="2057400" indent="-228600">
-              <a:defRPr sz="2000">
-                <a:solidFill>
-                  <a:schemeClr val="tx1"/>
-                </a:solidFill>
-                <a:latin typeface="Arial" charset="0"/>
-                <a:ea typeface="ＭＳ Ｐゴシック" charset="0"/>
-              </a:defRPr>
-            </a:lvl5pPr>
-            <a:lvl6pPr marL="2514600" indent="-228600" eaLnBrk="0" hangingPunct="0">
-              <a:buFont typeface="Wingdings" charset="0"/>
-              <a:defRPr sz="2000">
-                <a:solidFill>
-                  <a:schemeClr val="tx1"/>
-                </a:solidFill>
-                <a:latin typeface="Arial" charset="0"/>
-                <a:ea typeface="ＭＳ Ｐゴシック" charset="0"/>
-              </a:defRPr>
-            </a:lvl6pPr>
-            <a:lvl7pPr marL="2971800" indent="-228600" eaLnBrk="0" hangingPunct="0">
-              <a:buFont typeface="Wingdings" charset="0"/>
-              <a:defRPr sz="2000">
-                <a:solidFill>
-                  <a:schemeClr val="tx1"/>
-                </a:solidFill>
-                <a:latin typeface="Arial" charset="0"/>
-                <a:ea typeface="ＭＳ Ｐゴシック" charset="0"/>
-              </a:defRPr>
-            </a:lvl7pPr>
-            <a:lvl8pPr marL="3429000" indent="-228600" eaLnBrk="0" hangingPunct="0">
-              <a:buFont typeface="Wingdings" charset="0"/>
-              <a:defRPr sz="2000">
-                <a:solidFill>
-                  <a:schemeClr val="tx1"/>
-                </a:solidFill>
-                <a:latin typeface="Arial" charset="0"/>
-                <a:ea typeface="ＭＳ Ｐゴシック" charset="0"/>
-              </a:defRPr>
-            </a:lvl8pPr>
-            <a:lvl9pPr marL="3886200" indent="-228600" eaLnBrk="0" hangingPunct="0">
-              <a:buFont typeface="Wingdings" charset="0"/>
-              <a:defRPr sz="2000">
-                <a:solidFill>
-                  <a:schemeClr val="tx1"/>
-                </a:solidFill>
-                <a:latin typeface="Arial" charset="0"/>
-                <a:ea typeface="ＭＳ Ｐゴシック" charset="0"/>
-              </a:defRPr>
-            </a:lvl9pPr>
-          </a:lstStyle>
-          <a:p>
-            <a:pPr eaLnBrk="0" hangingPunct="0"/>
-            <a:fld id="{3C46643F-86BE-9F4E-8458-7E183EA9A76F}" type="datetime1">
-              <a:rPr lang="en-US" sz="1200" smtClean="0"/>
-              <a:t>11/28/18</a:t>
-            </a:fld>
-            <a:endParaRPr lang="en-US" sz="1200" dirty="0"/>
-          </a:p>
-        </p:txBody>
-      </p:sp>
-      <p:sp>
-        <p:nvSpPr>
-          <p:cNvPr id="5" name="Footer Placeholder 4"/>
-          <p:cNvSpPr>
-            <a:spLocks noGrp="1"/>
-          </p:cNvSpPr>
-          <p:nvPr>
-            <p:ph type="ftr" sz="quarter" idx="11"/>
-          </p:nvPr>
-        </p:nvSpPr>
-        <p:spPr/>
-        <p:txBody>
-          <a:bodyPr/>
-          <a:lstStyle/>
-          <a:p>
-            <a:pPr>
-              <a:defRPr/>
-            </a:pPr>
-            <a:r>
-              <a:rPr lang="en-US" altLang="en-US" smtClean="0"/>
-              <a:t>ECE Application Programming: Lecture 32</a:t>
-            </a:r>
-            <a:endParaRPr lang="en-US" altLang="en-US"/>
-          </a:p>
-        </p:txBody>
-      </p:sp>
-      <p:sp>
-        <p:nvSpPr>
-          <p:cNvPr id="23558" name="Slide Number Placeholder 5"/>
-          <p:cNvSpPr>
-            <a:spLocks noGrp="1"/>
-          </p:cNvSpPr>
-          <p:nvPr>
-            <p:ph type="sldNum" sz="quarter" idx="12"/>
-          </p:nvPr>
-        </p:nvSpPr>
-        <p:spPr>
-          <a:noFill/>
-          <a:ln/>
-          <a:extLst>
-            <a:ext uri="{909E8E84-426E-40dd-AFC4-6F175D3DCCD1}">
-              <a14:hiddenFill xmlns="" xmlns:a14="http://schemas.microsoft.com/office/drawing/2010/main">
-                <a:solidFill>
-                  <a:srgbClr val="FFFFFF"/>
-                </a:solidFill>
-              </a14:hiddenFill>
-            </a:ext>
-            <a:ext uri="{91240B29-F687-4f45-9708-019B960494DF}">
-              <a14:hiddenLine xmlns="" xmlns:a14="http://schemas.microsoft.com/office/drawing/2010/main" w="9525">
-                <a:solidFill>
-                  <a:srgbClr val="000000"/>
-                </a:solidFill>
-                <a:miter lim="800000"/>
-                <a:headEnd/>
-                <a:tailEnd/>
-              </a14:hiddenLine>
-            </a:ext>
-          </a:extLst>
-        </p:spPr>
-        <p:txBody>
-          <a:bodyPr/>
-          <a:lstStyle>
-            <a:lvl1pPr>
-              <a:defRPr sz="3000">
-                <a:solidFill>
-                  <a:schemeClr val="tx1"/>
-                </a:solidFill>
-                <a:latin typeface="Arial" charset="0"/>
-                <a:ea typeface="ＭＳ Ｐゴシック" charset="0"/>
-                <a:cs typeface="ＭＳ Ｐゴシック" charset="0"/>
-              </a:defRPr>
-            </a:lvl1pPr>
-            <a:lvl2pPr marL="742950" indent="-285750">
-              <a:defRPr sz="2600">
-                <a:solidFill>
-                  <a:schemeClr val="tx1"/>
-                </a:solidFill>
-                <a:latin typeface="Arial" charset="0"/>
-                <a:ea typeface="ＭＳ Ｐゴシック" charset="0"/>
-              </a:defRPr>
-            </a:lvl2pPr>
-            <a:lvl3pPr marL="1143000" indent="-228600">
-              <a:defRPr sz="2200">
-                <a:solidFill>
-                  <a:schemeClr val="tx1"/>
-                </a:solidFill>
-                <a:latin typeface="Arial" charset="0"/>
-                <a:ea typeface="ＭＳ Ｐゴシック" charset="0"/>
-              </a:defRPr>
-            </a:lvl3pPr>
-            <a:lvl4pPr marL="1600200" indent="-228600">
-              <a:defRPr sz="2000">
-                <a:solidFill>
-                  <a:schemeClr val="tx1"/>
-                </a:solidFill>
-                <a:latin typeface="Arial" charset="0"/>
-                <a:ea typeface="ＭＳ Ｐゴシック" charset="0"/>
-              </a:defRPr>
-            </a:lvl4pPr>
-            <a:lvl5pPr marL="2057400" indent="-228600">
-              <a:defRPr sz="2000">
-                <a:solidFill>
-                  <a:schemeClr val="tx1"/>
-                </a:solidFill>
-                <a:latin typeface="Arial" charset="0"/>
-                <a:ea typeface="ＭＳ Ｐゴシック" charset="0"/>
-              </a:defRPr>
-            </a:lvl5pPr>
-            <a:lvl6pPr marL="2514600" indent="-228600" eaLnBrk="0" hangingPunct="0">
-              <a:buFont typeface="Wingdings" charset="0"/>
-              <a:defRPr sz="2000">
-                <a:solidFill>
-                  <a:schemeClr val="tx1"/>
-                </a:solidFill>
-                <a:latin typeface="Arial" charset="0"/>
-                <a:ea typeface="ＭＳ Ｐゴシック" charset="0"/>
-              </a:defRPr>
-            </a:lvl6pPr>
-            <a:lvl7pPr marL="2971800" indent="-228600" eaLnBrk="0" hangingPunct="0">
-              <a:buFont typeface="Wingdings" charset="0"/>
-              <a:defRPr sz="2000">
-                <a:solidFill>
-                  <a:schemeClr val="tx1"/>
-                </a:solidFill>
-                <a:latin typeface="Arial" charset="0"/>
-                <a:ea typeface="ＭＳ Ｐゴシック" charset="0"/>
-              </a:defRPr>
-            </a:lvl7pPr>
-            <a:lvl8pPr marL="3429000" indent="-228600" eaLnBrk="0" hangingPunct="0">
-              <a:buFont typeface="Wingdings" charset="0"/>
-              <a:defRPr sz="2000">
-                <a:solidFill>
-                  <a:schemeClr val="tx1"/>
-                </a:solidFill>
-                <a:latin typeface="Arial" charset="0"/>
-                <a:ea typeface="ＭＳ Ｐゴシック" charset="0"/>
-              </a:defRPr>
-            </a:lvl8pPr>
-            <a:lvl9pPr marL="3886200" indent="-228600" eaLnBrk="0" hangingPunct="0">
-              <a:buFont typeface="Wingdings" charset="0"/>
-              <a:defRPr sz="2000">
-                <a:solidFill>
-                  <a:schemeClr val="tx1"/>
-                </a:solidFill>
-                <a:latin typeface="Arial" charset="0"/>
-                <a:ea typeface="ＭＳ Ｐゴシック" charset="0"/>
-              </a:defRPr>
-            </a:lvl9pPr>
-          </a:lstStyle>
-          <a:p>
-            <a:pPr eaLnBrk="0" hangingPunct="0"/>
-            <a:fld id="{843FFED0-5613-D747-AC8F-CF84A7339BF4}" type="slidenum">
-              <a:rPr lang="en-US" sz="1200"/>
-              <a:pPr eaLnBrk="0" hangingPunct="0"/>
-              <a:t>24</a:t>
-            </a:fld>
-            <a:endParaRPr lang="en-US" sz="1200"/>
           </a:p>
         </p:txBody>
       </p:sp>
@@ -16095,14 +12788,14 @@
           <a:ln/>
           <a:extLst>
             <a:ext uri="{909E8E84-426E-40dd-AFC4-6F175D3DCCD1}">
-              <a14:hiddenFill xmlns="" xmlns:a14="http://schemas.microsoft.com/office/drawing/2010/main">
+              <a14:hiddenFill xmlns:a14="http://schemas.microsoft.com/office/drawing/2010/main" xmlns="">
                 <a:solidFill>
                   <a:srgbClr val="FFFFFF"/>
                 </a:solidFill>
               </a14:hiddenFill>
             </a:ext>
             <a:ext uri="{91240B29-F687-4f45-9708-019B960494DF}">
-              <a14:hiddenLine xmlns="" xmlns:a14="http://schemas.microsoft.com/office/drawing/2010/main" w="9525">
+              <a14:hiddenLine xmlns:a14="http://schemas.microsoft.com/office/drawing/2010/main" xmlns="" w="9525">
                 <a:solidFill>
                   <a:srgbClr val="000000"/>
                 </a:solidFill>
@@ -16230,7 +12923,7 @@
                 <a:latin typeface="Garamond" charset="0"/>
                 <a:cs typeface="Arial" charset="0"/>
               </a:rPr>
-              <a:t>11/28/18</a:t>
+              <a:t>11/30/18</a:t>
             </a:fld>
             <a:endParaRPr lang="en-US" sz="1200">
               <a:latin typeface="Garamond" charset="0"/>
@@ -16280,14 +12973,14 @@
           <a:ln/>
           <a:extLst>
             <a:ext uri="{909E8E84-426E-40dd-AFC4-6F175D3DCCD1}">
-              <a14:hiddenFill xmlns="" xmlns:a14="http://schemas.microsoft.com/office/drawing/2010/main">
+              <a14:hiddenFill xmlns:a14="http://schemas.microsoft.com/office/drawing/2010/main" xmlns="">
                 <a:solidFill>
                   <a:srgbClr val="FFFFFF"/>
                 </a:solidFill>
               </a14:hiddenFill>
             </a:ext>
             <a:ext uri="{91240B29-F687-4f45-9708-019B960494DF}">
-              <a14:hiddenLine xmlns="" xmlns:a14="http://schemas.microsoft.com/office/drawing/2010/main" w="9525">
+              <a14:hiddenLine xmlns:a14="http://schemas.microsoft.com/office/drawing/2010/main" xmlns="" w="9525">
                 <a:solidFill>
                   <a:srgbClr val="000000"/>
                 </a:solidFill>
@@ -17177,14 +13870,14 @@
           <a:ln/>
           <a:extLst>
             <a:ext uri="{909E8E84-426E-40dd-AFC4-6F175D3DCCD1}">
-              <a14:hiddenFill xmlns="" xmlns:a14="http://schemas.microsoft.com/office/drawing/2010/main">
+              <a14:hiddenFill xmlns:a14="http://schemas.microsoft.com/office/drawing/2010/main" xmlns="">
                 <a:solidFill>
                   <a:srgbClr val="FFFFFF"/>
                 </a:solidFill>
               </a14:hiddenFill>
             </a:ext>
             <a:ext uri="{91240B29-F687-4f45-9708-019B960494DF}">
-              <a14:hiddenLine xmlns="" xmlns:a14="http://schemas.microsoft.com/office/drawing/2010/main" w="9525">
+              <a14:hiddenLine xmlns:a14="http://schemas.microsoft.com/office/drawing/2010/main" xmlns="" w="9525">
                 <a:solidFill>
                   <a:srgbClr val="000000"/>
                 </a:solidFill>
@@ -17311,7 +14004,7 @@
               <a:rPr lang="en-US" sz="1200" smtClean="0">
                 <a:latin typeface="Garamond" charset="0"/>
               </a:rPr>
-              <a:t>11/28/18</a:t>
+              <a:t>11/30/18</a:t>
             </a:fld>
             <a:endParaRPr lang="en-US" sz="1200">
               <a:latin typeface="Garamond" charset="0"/>
@@ -17360,14 +14053,14 @@
           <a:ln/>
           <a:extLst>
             <a:ext uri="{909E8E84-426E-40dd-AFC4-6F175D3DCCD1}">
-              <a14:hiddenFill xmlns="" xmlns:a14="http://schemas.microsoft.com/office/drawing/2010/main">
+              <a14:hiddenFill xmlns:a14="http://schemas.microsoft.com/office/drawing/2010/main" xmlns="">
                 <a:solidFill>
                   <a:srgbClr val="FFFFFF"/>
                 </a:solidFill>
               </a14:hiddenFill>
             </a:ext>
             <a:ext uri="{91240B29-F687-4f45-9708-019B960494DF}">
-              <a14:hiddenLine xmlns="" xmlns:a14="http://schemas.microsoft.com/office/drawing/2010/main" w="9525">
+              <a14:hiddenLine xmlns:a14="http://schemas.microsoft.com/office/drawing/2010/main" xmlns="" w="9525">
                 <a:solidFill>
                   <a:srgbClr val="000000"/>
                 </a:solidFill>
@@ -18257,14 +14950,14 @@
           <a:ln/>
           <a:extLst>
             <a:ext uri="{909E8E84-426E-40dd-AFC4-6F175D3DCCD1}">
-              <a14:hiddenFill xmlns="" xmlns:a14="http://schemas.microsoft.com/office/drawing/2010/main">
+              <a14:hiddenFill xmlns:a14="http://schemas.microsoft.com/office/drawing/2010/main" xmlns="">
                 <a:solidFill>
                   <a:srgbClr val="FFFFFF"/>
                 </a:solidFill>
               </a14:hiddenFill>
             </a:ext>
             <a:ext uri="{91240B29-F687-4f45-9708-019B960494DF}">
-              <a14:hiddenLine xmlns="" xmlns:a14="http://schemas.microsoft.com/office/drawing/2010/main" w="9525">
+              <a14:hiddenLine xmlns:a14="http://schemas.microsoft.com/office/drawing/2010/main" xmlns="" w="9525">
                 <a:solidFill>
                   <a:srgbClr val="000000"/>
                 </a:solidFill>
@@ -18391,7 +15084,7 @@
               <a:rPr lang="en-US" sz="1200" smtClean="0">
                 <a:latin typeface="Garamond" charset="0"/>
               </a:rPr>
-              <a:t>11/28/18</a:t>
+              <a:t>11/30/18</a:t>
             </a:fld>
             <a:endParaRPr lang="en-US" sz="1200">
               <a:latin typeface="Garamond" charset="0"/>
@@ -18440,14 +15133,14 @@
           <a:ln/>
           <a:extLst>
             <a:ext uri="{909E8E84-426E-40dd-AFC4-6F175D3DCCD1}">
-              <a14:hiddenFill xmlns="" xmlns:a14="http://schemas.microsoft.com/office/drawing/2010/main">
+              <a14:hiddenFill xmlns:a14="http://schemas.microsoft.com/office/drawing/2010/main" xmlns="">
                 <a:solidFill>
                   <a:srgbClr val="FFFFFF"/>
                 </a:solidFill>
               </a14:hiddenFill>
             </a:ext>
             <a:ext uri="{91240B29-F687-4f45-9708-019B960494DF}">
-              <a14:hiddenLine xmlns="" xmlns:a14="http://schemas.microsoft.com/office/drawing/2010/main" w="9525">
+              <a14:hiddenLine xmlns:a14="http://schemas.microsoft.com/office/drawing/2010/main" xmlns="" w="9525">
                 <a:solidFill>
                   <a:srgbClr val="000000"/>
                 </a:solidFill>
@@ -18967,14 +15660,14 @@
           <a:ln/>
           <a:extLst>
             <a:ext uri="{909E8E84-426E-40dd-AFC4-6F175D3DCCD1}">
-              <a14:hiddenFill xmlns="" xmlns:a14="http://schemas.microsoft.com/office/drawing/2010/main">
+              <a14:hiddenFill xmlns:a14="http://schemas.microsoft.com/office/drawing/2010/main" xmlns="">
                 <a:solidFill>
                   <a:srgbClr val="FFFFFF"/>
                 </a:solidFill>
               </a14:hiddenFill>
             </a:ext>
             <a:ext uri="{91240B29-F687-4f45-9708-019B960494DF}">
-              <a14:hiddenLine xmlns="" xmlns:a14="http://schemas.microsoft.com/office/drawing/2010/main" w="9525">
+              <a14:hiddenLine xmlns:a14="http://schemas.microsoft.com/office/drawing/2010/main" xmlns="" w="9525">
                 <a:solidFill>
                   <a:srgbClr val="000000"/>
                 </a:solidFill>
@@ -19101,7 +15794,7 @@
               <a:rPr lang="en-US" sz="1200" smtClean="0">
                 <a:latin typeface="Garamond" charset="0"/>
               </a:rPr>
-              <a:t>11/28/18</a:t>
+              <a:t>11/30/18</a:t>
             </a:fld>
             <a:endParaRPr lang="en-US" sz="1200">
               <a:latin typeface="Garamond" charset="0"/>
@@ -19150,14 +15843,14 @@
           <a:ln/>
           <a:extLst>
             <a:ext uri="{909E8E84-426E-40dd-AFC4-6F175D3DCCD1}">
-              <a14:hiddenFill xmlns="" xmlns:a14="http://schemas.microsoft.com/office/drawing/2010/main">
+              <a14:hiddenFill xmlns:a14="http://schemas.microsoft.com/office/drawing/2010/main" xmlns="">
                 <a:solidFill>
                   <a:srgbClr val="FFFFFF"/>
                 </a:solidFill>
               </a14:hiddenFill>
             </a:ext>
             <a:ext uri="{91240B29-F687-4f45-9708-019B960494DF}">
-              <a14:hiddenLine xmlns="" xmlns:a14="http://schemas.microsoft.com/office/drawing/2010/main" w="9525">
+              <a14:hiddenLine xmlns:a14="http://schemas.microsoft.com/office/drawing/2010/main" xmlns="" w="9525">
                 <a:solidFill>
                   <a:srgbClr val="000000"/>
                 </a:solidFill>
@@ -19793,14 +16486,14 @@
           <a:ln/>
           <a:extLst>
             <a:ext uri="{909E8E84-426E-40dd-AFC4-6F175D3DCCD1}">
-              <a14:hiddenFill xmlns="" xmlns:a14="http://schemas.microsoft.com/office/drawing/2010/main">
+              <a14:hiddenFill xmlns:a14="http://schemas.microsoft.com/office/drawing/2010/main" xmlns="">
                 <a:solidFill>
                   <a:srgbClr val="FFFFFF"/>
                 </a:solidFill>
               </a14:hiddenFill>
             </a:ext>
             <a:ext uri="{91240B29-F687-4f45-9708-019B960494DF}">
-              <a14:hiddenLine xmlns="" xmlns:a14="http://schemas.microsoft.com/office/drawing/2010/main" w="9525">
+              <a14:hiddenLine xmlns:a14="http://schemas.microsoft.com/office/drawing/2010/main" xmlns="" w="9525">
                 <a:solidFill>
                   <a:srgbClr val="000000"/>
                 </a:solidFill>
@@ -19927,7 +16620,7 @@
               <a:rPr lang="en-US" sz="1200" smtClean="0">
                 <a:latin typeface="Garamond" charset="0"/>
               </a:rPr>
-              <a:t>11/28/18</a:t>
+              <a:t>11/30/18</a:t>
             </a:fld>
             <a:endParaRPr lang="en-US" sz="1200">
               <a:latin typeface="Garamond" charset="0"/>
@@ -19976,14 +16669,14 @@
           <a:ln/>
           <a:extLst>
             <a:ext uri="{909E8E84-426E-40dd-AFC4-6F175D3DCCD1}">
-              <a14:hiddenFill xmlns="" xmlns:a14="http://schemas.microsoft.com/office/drawing/2010/main">
+              <a14:hiddenFill xmlns:a14="http://schemas.microsoft.com/office/drawing/2010/main" xmlns="">
                 <a:solidFill>
                   <a:srgbClr val="FFFFFF"/>
                 </a:solidFill>
               </a14:hiddenFill>
             </a:ext>
             <a:ext uri="{91240B29-F687-4f45-9708-019B960494DF}">
-              <a14:hiddenLine xmlns="" xmlns:a14="http://schemas.microsoft.com/office/drawing/2010/main" w="9525">
+              <a14:hiddenLine xmlns:a14="http://schemas.microsoft.com/office/drawing/2010/main" xmlns="" w="9525">
                 <a:solidFill>
                   <a:srgbClr val="000000"/>
                 </a:solidFill>
@@ -20608,14 +17301,14 @@
           <a:ln/>
           <a:extLst>
             <a:ext uri="{909E8E84-426E-40dd-AFC4-6F175D3DCCD1}">
-              <a14:hiddenFill xmlns="" xmlns:a14="http://schemas.microsoft.com/office/drawing/2010/main">
+              <a14:hiddenFill xmlns:a14="http://schemas.microsoft.com/office/drawing/2010/main" xmlns="">
                 <a:solidFill>
                   <a:srgbClr val="FFFFFF"/>
                 </a:solidFill>
               </a14:hiddenFill>
             </a:ext>
             <a:ext uri="{91240B29-F687-4f45-9708-019B960494DF}">
-              <a14:hiddenLine xmlns="" xmlns:a14="http://schemas.microsoft.com/office/drawing/2010/main" w="9525">
+              <a14:hiddenLine xmlns:a14="http://schemas.microsoft.com/office/drawing/2010/main" xmlns="" w="9525">
                 <a:solidFill>
                   <a:srgbClr val="000000"/>
                 </a:solidFill>
@@ -20742,7 +17435,7 @@
               <a:rPr lang="en-US" sz="1200" smtClean="0">
                 <a:latin typeface="Garamond" charset="0"/>
               </a:rPr>
-              <a:t>11/28/18</a:t>
+              <a:t>11/30/18</a:t>
             </a:fld>
             <a:endParaRPr lang="en-US" sz="1200">
               <a:latin typeface="Garamond" charset="0"/>
@@ -20791,14 +17484,14 @@
           <a:ln/>
           <a:extLst>
             <a:ext uri="{909E8E84-426E-40dd-AFC4-6F175D3DCCD1}">
-              <a14:hiddenFill xmlns="" xmlns:a14="http://schemas.microsoft.com/office/drawing/2010/main">
+              <a14:hiddenFill xmlns:a14="http://schemas.microsoft.com/office/drawing/2010/main" xmlns="">
                 <a:solidFill>
                   <a:srgbClr val="FFFFFF"/>
                 </a:solidFill>
               </a14:hiddenFill>
             </a:ext>
             <a:ext uri="{91240B29-F687-4f45-9708-019B960494DF}">
-              <a14:hiddenLine xmlns="" xmlns:a14="http://schemas.microsoft.com/office/drawing/2010/main" w="9525">
+              <a14:hiddenLine xmlns:a14="http://schemas.microsoft.com/office/drawing/2010/main" xmlns="" w="9525">
                 <a:solidFill>
                   <a:srgbClr val="000000"/>
                 </a:solidFill>
@@ -21834,14 +18527,14 @@
           <a:ln/>
           <a:extLst>
             <a:ext uri="{909E8E84-426E-40dd-AFC4-6F175D3DCCD1}">
-              <a14:hiddenFill xmlns="" xmlns:a14="http://schemas.microsoft.com/office/drawing/2010/main">
+              <a14:hiddenFill xmlns:a14="http://schemas.microsoft.com/office/drawing/2010/main" xmlns="">
                 <a:solidFill>
                   <a:srgbClr val="FFFFFF"/>
                 </a:solidFill>
               </a14:hiddenFill>
             </a:ext>
             <a:ext uri="{91240B29-F687-4f45-9708-019B960494DF}">
-              <a14:hiddenLine xmlns="" xmlns:a14="http://schemas.microsoft.com/office/drawing/2010/main" w="9525">
+              <a14:hiddenLine xmlns:a14="http://schemas.microsoft.com/office/drawing/2010/main" xmlns="" w="9525">
                 <a:solidFill>
                   <a:srgbClr val="000000"/>
                 </a:solidFill>
@@ -21968,7 +18661,7 @@
               <a:rPr lang="en-US" sz="1200" smtClean="0">
                 <a:latin typeface="Garamond" charset="0"/>
               </a:rPr>
-              <a:t>11/28/18</a:t>
+              <a:t>11/30/18</a:t>
             </a:fld>
             <a:endParaRPr lang="en-US" sz="1200">
               <a:latin typeface="Garamond" charset="0"/>
@@ -22017,14 +18710,14 @@
           <a:ln/>
           <a:extLst>
             <a:ext uri="{909E8E84-426E-40dd-AFC4-6F175D3DCCD1}">
-              <a14:hiddenFill xmlns="" xmlns:a14="http://schemas.microsoft.com/office/drawing/2010/main">
+              <a14:hiddenFill xmlns:a14="http://schemas.microsoft.com/office/drawing/2010/main" xmlns="">
                 <a:solidFill>
                   <a:srgbClr val="FFFFFF"/>
                 </a:solidFill>
               </a14:hiddenFill>
             </a:ext>
             <a:ext uri="{91240B29-F687-4f45-9708-019B960494DF}">
-              <a14:hiddenLine xmlns="" xmlns:a14="http://schemas.microsoft.com/office/drawing/2010/main" w="9525">
+              <a14:hiddenLine xmlns:a14="http://schemas.microsoft.com/office/drawing/2010/main" xmlns="" w="9525">
                 <a:solidFill>
                   <a:srgbClr val="000000"/>
                 </a:solidFill>
